--- a/content/template.pptx
+++ b/content/template.pptx
@@ -104,6 +104,11 @@
       </a:defRPr>
     </a:lvl9pPr>
   </p:defaultTextStyle>
+  <p:extLst>
+    <p:ext uri="{EFAFB233-063F-42B5-8137-9DF3F51BA10A}">
+      <p15:sldGuideLst xmlns:p15="http://schemas.microsoft.com/office/powerpoint/2012/main"/>
+    </p:ext>
+  </p:extLst>
 </p:presentation>
 </file>
 
@@ -254,7 +259,7 @@
           <a:p>
             <a:fld id="{521F61A1-E152-4A41-9335-275FF01A2F5B}" type="datetimeFigureOut">
               <a:rPr lang="en-US" smtClean="0"/>
-              <a:t>6/25/23</a:t>
+              <a:t>11/15/23</a:t>
             </a:fld>
             <a:endParaRPr lang="en-US"/>
           </a:p>
@@ -452,7 +457,7 @@
           <a:p>
             <a:fld id="{521F61A1-E152-4A41-9335-275FF01A2F5B}" type="datetimeFigureOut">
               <a:rPr lang="en-US" smtClean="0"/>
-              <a:t>6/25/23</a:t>
+              <a:t>11/15/23</a:t>
             </a:fld>
             <a:endParaRPr lang="en-US"/>
           </a:p>
@@ -660,7 +665,7 @@
           <a:p>
             <a:fld id="{521F61A1-E152-4A41-9335-275FF01A2F5B}" type="datetimeFigureOut">
               <a:rPr lang="en-US" smtClean="0"/>
-              <a:t>6/25/23</a:t>
+              <a:t>11/15/23</a:t>
             </a:fld>
             <a:endParaRPr lang="en-US"/>
           </a:p>
@@ -858,7 +863,7 @@
           <a:p>
             <a:fld id="{521F61A1-E152-4A41-9335-275FF01A2F5B}" type="datetimeFigureOut">
               <a:rPr lang="en-US" smtClean="0"/>
-              <a:t>6/25/23</a:t>
+              <a:t>11/15/23</a:t>
             </a:fld>
             <a:endParaRPr lang="en-US"/>
           </a:p>
@@ -1133,7 +1138,7 @@
           <a:p>
             <a:fld id="{521F61A1-E152-4A41-9335-275FF01A2F5B}" type="datetimeFigureOut">
               <a:rPr lang="en-US" smtClean="0"/>
-              <a:t>6/25/23</a:t>
+              <a:t>11/15/23</a:t>
             </a:fld>
             <a:endParaRPr lang="en-US"/>
           </a:p>
@@ -1398,7 +1403,7 @@
           <a:p>
             <a:fld id="{521F61A1-E152-4A41-9335-275FF01A2F5B}" type="datetimeFigureOut">
               <a:rPr lang="en-US" smtClean="0"/>
-              <a:t>6/25/23</a:t>
+              <a:t>11/15/23</a:t>
             </a:fld>
             <a:endParaRPr lang="en-US"/>
           </a:p>
@@ -1810,7 +1815,7 @@
           <a:p>
             <a:fld id="{521F61A1-E152-4A41-9335-275FF01A2F5B}" type="datetimeFigureOut">
               <a:rPr lang="en-US" smtClean="0"/>
-              <a:t>6/25/23</a:t>
+              <a:t>11/15/23</a:t>
             </a:fld>
             <a:endParaRPr lang="en-US"/>
           </a:p>
@@ -1951,7 +1956,7 @@
           <a:p>
             <a:fld id="{521F61A1-E152-4A41-9335-275FF01A2F5B}" type="datetimeFigureOut">
               <a:rPr lang="en-US" smtClean="0"/>
-              <a:t>6/25/23</a:t>
+              <a:t>11/15/23</a:t>
             </a:fld>
             <a:endParaRPr lang="en-US"/>
           </a:p>
@@ -2064,7 +2069,7 @@
           <a:p>
             <a:fld id="{521F61A1-E152-4A41-9335-275FF01A2F5B}" type="datetimeFigureOut">
               <a:rPr lang="en-US" smtClean="0"/>
-              <a:t>6/25/23</a:t>
+              <a:t>11/15/23</a:t>
             </a:fld>
             <a:endParaRPr lang="en-US"/>
           </a:p>
@@ -2375,7 +2380,7 @@
           <a:p>
             <a:fld id="{521F61A1-E152-4A41-9335-275FF01A2F5B}" type="datetimeFigureOut">
               <a:rPr lang="en-US" smtClean="0"/>
-              <a:t>6/25/23</a:t>
+              <a:t>11/15/23</a:t>
             </a:fld>
             <a:endParaRPr lang="en-US"/>
           </a:p>
@@ -2663,7 +2668,7 @@
           <a:p>
             <a:fld id="{521F61A1-E152-4A41-9335-275FF01A2F5B}" type="datetimeFigureOut">
               <a:rPr lang="en-US" smtClean="0"/>
-              <a:t>6/25/23</a:t>
+              <a:t>11/15/23</a:t>
             </a:fld>
             <a:endParaRPr lang="en-US"/>
           </a:p>
@@ -2741,15 +2746,9 @@
   <p:cSld>
     <p:bg>
       <p:bgPr>
-        <a:blipFill dpi="0" rotWithShape="1">
-          <a:blip r:embed="rId13">
-            <a:lum/>
-          </a:blip>
-          <a:srcRect/>
-          <a:stretch>
-            <a:fillRect/>
-          </a:stretch>
-        </a:blipFill>
+        <a:solidFill>
+          <a:schemeClr val="bg1"/>
+        </a:solidFill>
         <a:effectLst/>
       </p:bgPr>
     </p:bg>
@@ -2913,7 +2912,7 @@
           <a:p>
             <a:fld id="{521F61A1-E152-4A41-9335-275FF01A2F5B}" type="datetimeFigureOut">
               <a:rPr lang="en-US" smtClean="0"/>
-              <a:t>6/25/23</a:t>
+              <a:t>11/15/23</a:t>
             </a:fld>
             <a:endParaRPr lang="en-US"/>
           </a:p>

--- a/content/template.pptx
+++ b/content/template.pptx
@@ -1342,39 +1342,55 @@
         </p:spPr>
         <p:txBody>
           <a:bodyPr/>
-          <a:lstStyle/>
+          <a:lstStyle>
+            <a:lvl1pPr>
+              <a:defRPr sz="2000"/>
+            </a:lvl1pPr>
+            <a:lvl2pPr>
+              <a:defRPr sz="1800"/>
+            </a:lvl2pPr>
+            <a:lvl3pPr>
+              <a:defRPr sz="1800"/>
+            </a:lvl3pPr>
+            <a:lvl4pPr>
+              <a:defRPr sz="1800"/>
+            </a:lvl4pPr>
+            <a:lvl5pPr>
+              <a:defRPr sz="1800"/>
+            </a:lvl5pPr>
+          </a:lstStyle>
           <a:p>
             <a:pPr lvl="0"/>
             <a:r>
-              <a:rPr lang="en-US"/>
+              <a:rPr lang="en-US" dirty="0"/>
               <a:t>Click to edit Master text styles</a:t>
             </a:r>
           </a:p>
           <a:p>
             <a:pPr lvl="1"/>
             <a:r>
-              <a:rPr lang="en-US"/>
+              <a:rPr lang="en-US" dirty="0"/>
               <a:t>Second level</a:t>
             </a:r>
           </a:p>
           <a:p>
             <a:pPr lvl="2"/>
             <a:r>
-              <a:rPr lang="en-US"/>
+              <a:rPr lang="en-US" dirty="0"/>
               <a:t>Third level</a:t>
             </a:r>
           </a:p>
           <a:p>
             <a:pPr lvl="3"/>
             <a:r>
-              <a:rPr lang="en-US"/>
+              <a:rPr lang="en-US" dirty="0"/>
               <a:t>Fourth level</a:t>
             </a:r>
           </a:p>
           <a:p>
             <a:pPr lvl="4"/>
             <a:r>
-              <a:rPr lang="en-US"/>
+              <a:rPr lang="en-US" dirty="0"/>
               <a:t>Fifth level</a:t>
             </a:r>
           </a:p>

--- a/content/template.pptx
+++ b/content/template.pptx
@@ -104,6 +104,11 @@
       </a:defRPr>
     </a:lvl9pPr>
   </p:defaultTextStyle>
+  <p:extLst>
+    <p:ext uri="{EFAFB233-063F-42B5-8137-9DF3F51BA10A}">
+      <p15:sldGuideLst xmlns:p15="http://schemas.microsoft.com/office/powerpoint/2012/main"/>
+    </p:ext>
+  </p:extLst>
 </p:presentation>
 </file>
 
@@ -147,15 +152,17 @@
           </a:xfrm>
         </p:spPr>
         <p:txBody>
-          <a:bodyPr anchor="b"/>
+          <a:bodyPr anchor="b">
+            <a:normAutofit/>
+          </a:bodyPr>
           <a:lstStyle>
             <a:lvl1pPr algn="ctr">
-              <a:defRPr sz="6000"/>
+              <a:defRPr sz="4800"/>
             </a:lvl1pPr>
           </a:lstStyle>
           <a:p>
             <a:r>
-              <a:rPr lang="en-US"/>
+              <a:rPr lang="en-US" dirty="0"/>
               <a:t>Click to edit Master title style</a:t>
             </a:r>
           </a:p>
@@ -254,7 +261,7 @@
           <a:p>
             <a:fld id="{521F61A1-E152-4A41-9335-275FF01A2F5B}" type="datetimeFigureOut">
               <a:rPr lang="en-US" smtClean="0"/>
-              <a:t>6/25/23</a:t>
+              <a:t>11/9/23</a:t>
             </a:fld>
             <a:endParaRPr lang="en-US"/>
           </a:p>
@@ -452,7 +459,7 @@
           <a:p>
             <a:fld id="{521F61A1-E152-4A41-9335-275FF01A2F5B}" type="datetimeFigureOut">
               <a:rPr lang="en-US" smtClean="0"/>
-              <a:t>6/25/23</a:t>
+              <a:t>11/9/23</a:t>
             </a:fld>
             <a:endParaRPr lang="en-US"/>
           </a:p>
@@ -660,7 +667,7 @@
           <a:p>
             <a:fld id="{521F61A1-E152-4A41-9335-275FF01A2F5B}" type="datetimeFigureOut">
               <a:rPr lang="en-US" smtClean="0"/>
-              <a:t>6/25/23</a:t>
+              <a:t>11/9/23</a:t>
             </a:fld>
             <a:endParaRPr lang="en-US"/>
           </a:p>
@@ -772,7 +779,7 @@
           <a:lstStyle/>
           <a:p>
             <a:r>
-              <a:rPr lang="en-US"/>
+              <a:rPr lang="en-US" dirty="0"/>
               <a:t>Click to edit Master title style</a:t>
             </a:r>
           </a:p>
@@ -858,7 +865,7 @@
           <a:p>
             <a:fld id="{521F61A1-E152-4A41-9335-275FF01A2F5B}" type="datetimeFigureOut">
               <a:rPr lang="en-US" smtClean="0"/>
-              <a:t>6/25/23</a:t>
+              <a:t>11/9/23</a:t>
             </a:fld>
             <a:endParaRPr lang="en-US"/>
           </a:p>
@@ -1133,7 +1140,7 @@
           <a:p>
             <a:fld id="{521F61A1-E152-4A41-9335-275FF01A2F5B}" type="datetimeFigureOut">
               <a:rPr lang="en-US" smtClean="0"/>
-              <a:t>6/25/23</a:t>
+              <a:t>11/9/23</a:t>
             </a:fld>
             <a:endParaRPr lang="en-US"/>
           </a:p>
@@ -1269,8 +1276,8 @@
         </p:nvSpPr>
         <p:spPr>
           <a:xfrm>
-            <a:off x="838200" y="1825625"/>
-            <a:ext cx="5181600" cy="4351338"/>
+            <a:off x="203200" y="1825625"/>
+            <a:ext cx="7406640" cy="4351338"/>
           </a:xfrm>
         </p:spPr>
         <p:txBody>
@@ -1279,35 +1286,35 @@
           <a:p>
             <a:pPr lvl="0"/>
             <a:r>
-              <a:rPr lang="en-US"/>
+              <a:rPr lang="en-US" dirty="0"/>
               <a:t>Click to edit Master text styles</a:t>
             </a:r>
           </a:p>
           <a:p>
             <a:pPr lvl="1"/>
             <a:r>
-              <a:rPr lang="en-US"/>
+              <a:rPr lang="en-US" dirty="0"/>
               <a:t>Second level</a:t>
             </a:r>
           </a:p>
           <a:p>
             <a:pPr lvl="2"/>
             <a:r>
-              <a:rPr lang="en-US"/>
+              <a:rPr lang="en-US" dirty="0"/>
               <a:t>Third level</a:t>
             </a:r>
           </a:p>
           <a:p>
             <a:pPr lvl="3"/>
             <a:r>
-              <a:rPr lang="en-US"/>
+              <a:rPr lang="en-US" dirty="0"/>
               <a:t>Fourth level</a:t>
             </a:r>
           </a:p>
           <a:p>
             <a:pPr lvl="4"/>
             <a:r>
-              <a:rPr lang="en-US"/>
+              <a:rPr lang="en-US" dirty="0"/>
               <a:t>Fifth level</a:t>
             </a:r>
           </a:p>
@@ -1331,45 +1338,63 @@
         </p:nvSpPr>
         <p:spPr>
           <a:xfrm>
-            <a:off x="6172200" y="1825625"/>
-            <a:ext cx="5181600" cy="4351338"/>
+            <a:off x="7609840" y="1825625"/>
+            <a:ext cx="3743960" cy="4351338"/>
           </a:xfrm>
         </p:spPr>
         <p:txBody>
-          <a:bodyPr/>
-          <a:lstStyle/>
+          <a:bodyPr>
+            <a:normAutofit/>
+          </a:bodyPr>
+          <a:lstStyle>
+            <a:lvl1pPr>
+              <a:defRPr sz="1400"/>
+            </a:lvl1pPr>
+            <a:lvl2pPr>
+              <a:defRPr sz="1400"/>
+            </a:lvl2pPr>
+            <a:lvl3pPr>
+              <a:defRPr sz="1400"/>
+            </a:lvl3pPr>
+            <a:lvl4pPr>
+              <a:defRPr sz="1400"/>
+            </a:lvl4pPr>
+            <a:lvl5pPr>
+              <a:defRPr sz="1400"/>
+            </a:lvl5pPr>
+          </a:lstStyle>
           <a:p>
             <a:pPr lvl="0"/>
             <a:r>
-              <a:rPr lang="en-US"/>
+              <a:rPr lang="en-US" dirty="0"/>
               <a:t>Click to edit Master text styles</a:t>
             </a:r>
           </a:p>
           <a:p>
             <a:pPr lvl="1"/>
             <a:r>
-              <a:rPr lang="en-US"/>
+              <a:rPr lang="en-US" dirty="0"/>
               <a:t>Second level</a:t>
             </a:r>
           </a:p>
           <a:p>
             <a:pPr lvl="2"/>
             <a:r>
-              <a:rPr lang="en-US"/>
+              <a:rPr lang="en-US" dirty="0"/>
               <a:t>Third level</a:t>
             </a:r>
           </a:p>
           <a:p>
             <a:pPr lvl="3"/>
             <a:r>
-              <a:rPr lang="en-US"/>
+              <a:rPr lang="en-US" dirty="0"/>
               <a:t>Fourth level</a:t>
             </a:r>
           </a:p>
           <a:p>
             <a:pPr lvl="4"/>
             <a:r>
-              <a:rPr lang="en-US"/>
+              <a:rPr lang="en-US" dirty="0"/>
               <a:t>Fifth level</a:t>
             </a:r>
           </a:p>
@@ -1398,7 +1423,7 @@
           <a:p>
             <a:fld id="{521F61A1-E152-4A41-9335-275FF01A2F5B}" type="datetimeFigureOut">
               <a:rPr lang="en-US" smtClean="0"/>
-              <a:t>6/25/23</a:t>
+              <a:t>11/9/23</a:t>
             </a:fld>
             <a:endParaRPr lang="en-US"/>
           </a:p>
@@ -1620,35 +1645,35 @@
           <a:p>
             <a:pPr lvl="0"/>
             <a:r>
-              <a:rPr lang="en-US"/>
+              <a:rPr lang="en-US" dirty="0"/>
               <a:t>Click to edit Master text styles</a:t>
             </a:r>
           </a:p>
           <a:p>
             <a:pPr lvl="1"/>
             <a:r>
-              <a:rPr lang="en-US"/>
+              <a:rPr lang="en-US" dirty="0"/>
               <a:t>Second level</a:t>
             </a:r>
           </a:p>
           <a:p>
             <a:pPr lvl="2"/>
             <a:r>
-              <a:rPr lang="en-US"/>
+              <a:rPr lang="en-US" dirty="0"/>
               <a:t>Third level</a:t>
             </a:r>
           </a:p>
           <a:p>
             <a:pPr lvl="3"/>
             <a:r>
-              <a:rPr lang="en-US"/>
+              <a:rPr lang="en-US" dirty="0"/>
               <a:t>Fourth level</a:t>
             </a:r>
           </a:p>
           <a:p>
             <a:pPr lvl="4"/>
             <a:r>
-              <a:rPr lang="en-US"/>
+              <a:rPr lang="en-US" dirty="0"/>
               <a:t>Fifth level</a:t>
             </a:r>
           </a:p>
@@ -1810,7 +1835,7 @@
           <a:p>
             <a:fld id="{521F61A1-E152-4A41-9335-275FF01A2F5B}" type="datetimeFigureOut">
               <a:rPr lang="en-US" smtClean="0"/>
-              <a:t>6/25/23</a:t>
+              <a:t>11/9/23</a:t>
             </a:fld>
             <a:endParaRPr lang="en-US"/>
           </a:p>
@@ -1951,7 +1976,7 @@
           <a:p>
             <a:fld id="{521F61A1-E152-4A41-9335-275FF01A2F5B}" type="datetimeFigureOut">
               <a:rPr lang="en-US" smtClean="0"/>
-              <a:t>6/25/23</a:t>
+              <a:t>11/9/23</a:t>
             </a:fld>
             <a:endParaRPr lang="en-US"/>
           </a:p>
@@ -2064,7 +2089,7 @@
           <a:p>
             <a:fld id="{521F61A1-E152-4A41-9335-275FF01A2F5B}" type="datetimeFigureOut">
               <a:rPr lang="en-US" smtClean="0"/>
-              <a:t>6/25/23</a:t>
+              <a:t>11/9/23</a:t>
             </a:fld>
             <a:endParaRPr lang="en-US"/>
           </a:p>
@@ -2375,7 +2400,7 @@
           <a:p>
             <a:fld id="{521F61A1-E152-4A41-9335-275FF01A2F5B}" type="datetimeFigureOut">
               <a:rPr lang="en-US" smtClean="0"/>
-              <a:t>6/25/23</a:t>
+              <a:t>11/9/23</a:t>
             </a:fld>
             <a:endParaRPr lang="en-US"/>
           </a:p>
@@ -2663,7 +2688,7 @@
           <a:p>
             <a:fld id="{521F61A1-E152-4A41-9335-275FF01A2F5B}" type="datetimeFigureOut">
               <a:rPr lang="en-US" smtClean="0"/>
-              <a:t>6/25/23</a:t>
+              <a:t>11/9/23</a:t>
             </a:fld>
             <a:endParaRPr lang="en-US"/>
           </a:p>
@@ -2741,15 +2766,35 @@
   <p:cSld>
     <p:bg>
       <p:bgPr>
-        <a:blipFill dpi="0" rotWithShape="1">
-          <a:blip r:embed="rId13">
-            <a:lum/>
-          </a:blip>
-          <a:srcRect/>
-          <a:stretch>
-            <a:fillRect/>
-          </a:stretch>
-        </a:blipFill>
+        <a:gradFill>
+          <a:gsLst>
+            <a:gs pos="0">
+              <a:schemeClr val="accent1">
+                <a:lumMod val="5000"/>
+                <a:lumOff val="95000"/>
+              </a:schemeClr>
+            </a:gs>
+            <a:gs pos="74000">
+              <a:schemeClr val="accent1">
+                <a:lumMod val="45000"/>
+                <a:lumOff val="55000"/>
+              </a:schemeClr>
+            </a:gs>
+            <a:gs pos="83000">
+              <a:schemeClr val="accent1">
+                <a:lumMod val="45000"/>
+                <a:lumOff val="55000"/>
+              </a:schemeClr>
+            </a:gs>
+            <a:gs pos="100000">
+              <a:schemeClr val="accent1">
+                <a:lumMod val="30000"/>
+                <a:lumOff val="70000"/>
+              </a:schemeClr>
+            </a:gs>
+          </a:gsLst>
+          <a:lin ang="5400000" scaled="1"/>
+        </a:gradFill>
         <a:effectLst/>
       </p:bgPr>
     </p:bg>
@@ -2799,7 +2844,7 @@
           <a:lstStyle/>
           <a:p>
             <a:r>
-              <a:rPr lang="en-US"/>
+              <a:rPr lang="en-US" dirty="0"/>
               <a:t>Click to edit Master title style</a:t>
             </a:r>
           </a:p>
@@ -2838,35 +2883,35 @@
           <a:p>
             <a:pPr lvl="0"/>
             <a:r>
-              <a:rPr lang="en-US"/>
+              <a:rPr lang="en-US" dirty="0"/>
               <a:t>Click to edit Master text styles</a:t>
             </a:r>
           </a:p>
           <a:p>
             <a:pPr lvl="1"/>
             <a:r>
-              <a:rPr lang="en-US"/>
+              <a:rPr lang="en-US" dirty="0"/>
               <a:t>Second level</a:t>
             </a:r>
           </a:p>
           <a:p>
             <a:pPr lvl="2"/>
             <a:r>
-              <a:rPr lang="en-US"/>
+              <a:rPr lang="en-US" dirty="0"/>
               <a:t>Third level</a:t>
             </a:r>
           </a:p>
           <a:p>
             <a:pPr lvl="3"/>
             <a:r>
-              <a:rPr lang="en-US"/>
+              <a:rPr lang="en-US" dirty="0"/>
               <a:t>Fourth level</a:t>
             </a:r>
           </a:p>
           <a:p>
             <a:pPr lvl="4"/>
             <a:r>
-              <a:rPr lang="en-US"/>
+              <a:rPr lang="en-US" dirty="0"/>
               <a:t>Fifth level</a:t>
             </a:r>
           </a:p>
@@ -2913,7 +2958,7 @@
           <a:p>
             <a:fld id="{521F61A1-E152-4A41-9335-275FF01A2F5B}" type="datetimeFigureOut">
               <a:rPr lang="en-US" smtClean="0"/>
-              <a:t>6/25/23</a:t>
+              <a:t>11/9/23</a:t>
             </a:fld>
             <a:endParaRPr lang="en-US"/>
           </a:p>
@@ -3040,7 +3085,7 @@
           <a:spcPct val="0"/>
         </a:spcBef>
         <a:buNone/>
-        <a:defRPr sz="4400" kern="1200">
+        <a:defRPr sz="3600" kern="1200">
           <a:solidFill>
             <a:schemeClr val="tx1"/>
           </a:solidFill>

--- a/content/template.pptx
+++ b/content/template.pptx
@@ -261,7 +261,7 @@
           <a:p>
             <a:fld id="{521F61A1-E152-4A41-9335-275FF01A2F5B}" type="datetimeFigureOut">
               <a:rPr lang="en-US" smtClean="0"/>
-              <a:t>11/9/23</a:t>
+              <a:t>11/23/23</a:t>
             </a:fld>
             <a:endParaRPr lang="en-US"/>
           </a:p>
@@ -459,7 +459,7 @@
           <a:p>
             <a:fld id="{521F61A1-E152-4A41-9335-275FF01A2F5B}" type="datetimeFigureOut">
               <a:rPr lang="en-US" smtClean="0"/>
-              <a:t>11/9/23</a:t>
+              <a:t>11/23/23</a:t>
             </a:fld>
             <a:endParaRPr lang="en-US"/>
           </a:p>
@@ -667,7 +667,7 @@
           <a:p>
             <a:fld id="{521F61A1-E152-4A41-9335-275FF01A2F5B}" type="datetimeFigureOut">
               <a:rPr lang="en-US" smtClean="0"/>
-              <a:t>11/9/23</a:t>
+              <a:t>11/23/23</a:t>
             </a:fld>
             <a:endParaRPr lang="en-US"/>
           </a:p>
@@ -865,7 +865,7 @@
           <a:p>
             <a:fld id="{521F61A1-E152-4A41-9335-275FF01A2F5B}" type="datetimeFigureOut">
               <a:rPr lang="en-US" smtClean="0"/>
-              <a:t>11/9/23</a:t>
+              <a:t>11/23/23</a:t>
             </a:fld>
             <a:endParaRPr lang="en-US"/>
           </a:p>
@@ -1140,7 +1140,7 @@
           <a:p>
             <a:fld id="{521F61A1-E152-4A41-9335-275FF01A2F5B}" type="datetimeFigureOut">
               <a:rPr lang="en-US" smtClean="0"/>
-              <a:t>11/9/23</a:t>
+              <a:t>11/23/23</a:t>
             </a:fld>
             <a:endParaRPr lang="en-US"/>
           </a:p>
@@ -1423,7 +1423,7 @@
           <a:p>
             <a:fld id="{521F61A1-E152-4A41-9335-275FF01A2F5B}" type="datetimeFigureOut">
               <a:rPr lang="en-US" smtClean="0"/>
-              <a:t>11/9/23</a:t>
+              <a:t>11/23/23</a:t>
             </a:fld>
             <a:endParaRPr lang="en-US"/>
           </a:p>
@@ -1835,7 +1835,7 @@
           <a:p>
             <a:fld id="{521F61A1-E152-4A41-9335-275FF01A2F5B}" type="datetimeFigureOut">
               <a:rPr lang="en-US" smtClean="0"/>
-              <a:t>11/9/23</a:t>
+              <a:t>11/23/23</a:t>
             </a:fld>
             <a:endParaRPr lang="en-US"/>
           </a:p>
@@ -1976,7 +1976,7 @@
           <a:p>
             <a:fld id="{521F61A1-E152-4A41-9335-275FF01A2F5B}" type="datetimeFigureOut">
               <a:rPr lang="en-US" smtClean="0"/>
-              <a:t>11/9/23</a:t>
+              <a:t>11/23/23</a:t>
             </a:fld>
             <a:endParaRPr lang="en-US"/>
           </a:p>
@@ -2089,7 +2089,7 @@
           <a:p>
             <a:fld id="{521F61A1-E152-4A41-9335-275FF01A2F5B}" type="datetimeFigureOut">
               <a:rPr lang="en-US" smtClean="0"/>
-              <a:t>11/9/23</a:t>
+              <a:t>11/23/23</a:t>
             </a:fld>
             <a:endParaRPr lang="en-US"/>
           </a:p>
@@ -2400,7 +2400,7 @@
           <a:p>
             <a:fld id="{521F61A1-E152-4A41-9335-275FF01A2F5B}" type="datetimeFigureOut">
               <a:rPr lang="en-US" smtClean="0"/>
-              <a:t>11/9/23</a:t>
+              <a:t>11/23/23</a:t>
             </a:fld>
             <a:endParaRPr lang="en-US"/>
           </a:p>
@@ -2688,7 +2688,7 @@
           <a:p>
             <a:fld id="{521F61A1-E152-4A41-9335-275FF01A2F5B}" type="datetimeFigureOut">
               <a:rPr lang="en-US" smtClean="0"/>
-              <a:t>11/9/23</a:t>
+              <a:t>11/23/23</a:t>
             </a:fld>
             <a:endParaRPr lang="en-US"/>
           </a:p>
@@ -2766,35 +2766,9 @@
   <p:cSld>
     <p:bg>
       <p:bgPr>
-        <a:gradFill>
-          <a:gsLst>
-            <a:gs pos="0">
-              <a:schemeClr val="accent1">
-                <a:lumMod val="5000"/>
-                <a:lumOff val="95000"/>
-              </a:schemeClr>
-            </a:gs>
-            <a:gs pos="74000">
-              <a:schemeClr val="accent1">
-                <a:lumMod val="45000"/>
-                <a:lumOff val="55000"/>
-              </a:schemeClr>
-            </a:gs>
-            <a:gs pos="83000">
-              <a:schemeClr val="accent1">
-                <a:lumMod val="45000"/>
-                <a:lumOff val="55000"/>
-              </a:schemeClr>
-            </a:gs>
-            <a:gs pos="100000">
-              <a:schemeClr val="accent1">
-                <a:lumMod val="30000"/>
-                <a:lumOff val="70000"/>
-              </a:schemeClr>
-            </a:gs>
-          </a:gsLst>
-          <a:lin ang="5400000" scaled="1"/>
-        </a:gradFill>
+        <a:solidFill>
+          <a:schemeClr val="bg1"/>
+        </a:solidFill>
         <a:effectLst/>
       </p:bgPr>
     </p:bg>
@@ -2958,7 +2932,7 @@
           <a:p>
             <a:fld id="{521F61A1-E152-4A41-9335-275FF01A2F5B}" type="datetimeFigureOut">
               <a:rPr lang="en-US" smtClean="0"/>
-              <a:t>11/9/23</a:t>
+              <a:t>11/23/23</a:t>
             </a:fld>
             <a:endParaRPr lang="en-US"/>
           </a:p>

--- a/content/template.pptx
+++ b/content/template.pptx
@@ -113,8 +113,16 @@
 </file>
 
 <file path=ppt/slideLayouts/slideLayout1.xml><?xml version="1.0" encoding="utf-8"?>
-<p:sldLayout xmlns:a="http://schemas.openxmlformats.org/drawingml/2006/main" xmlns:r="http://schemas.openxmlformats.org/officeDocument/2006/relationships" xmlns:p="http://schemas.openxmlformats.org/presentationml/2006/main" type="title" preserve="1">
+<p:sldLayout xmlns:a="http://schemas.openxmlformats.org/drawingml/2006/main" xmlns:r="http://schemas.openxmlformats.org/officeDocument/2006/relationships" xmlns:p="http://schemas.openxmlformats.org/presentationml/2006/main" preserve="1" userDrawn="1">
   <p:cSld name="Title Slide">
+    <p:bg>
+      <p:bgPr>
+        <a:solidFill>
+          <a:schemeClr val="tx1"/>
+        </a:solidFill>
+        <a:effectLst/>
+      </p:bgPr>
+    </p:bg>
     <p:spTree>
       <p:nvGrpSpPr>
         <p:cNvPr id="1" name=""/>
@@ -142,7 +150,7 @@
             <a:spLocks noGrp="1"/>
           </p:cNvSpPr>
           <p:nvPr>
-            <p:ph type="ctrTitle"/>
+            <p:ph type="ctrTitle" hasCustomPrompt="1"/>
           </p:nvPr>
         </p:nvSpPr>
         <p:spPr>
@@ -161,10 +169,54 @@
             </a:lvl1pPr>
           </a:lstStyle>
           <a:p>
-            <a:r>
-              <a:rPr lang="en-US" dirty="0"/>
-              <a:t>Click to edit Master title style</a:t>
-            </a:r>
+            <a:pPr marL="0" marR="0" lvl="0" indent="0" algn="ctr" defTabSz="914400" rtl="0" eaLnBrk="1" fontAlgn="auto" latinLnBrk="0" hangingPunct="1">
+              <a:lnSpc>
+                <a:spcPct val="90000"/>
+              </a:lnSpc>
+              <a:spcBef>
+                <a:spcPct val="0"/>
+              </a:spcBef>
+              <a:spcAft>
+                <a:spcPts val="0"/>
+              </a:spcAft>
+              <a:buClrTx/>
+              <a:buSzTx/>
+              <a:buFontTx/>
+              <a:buNone/>
+              <a:tabLst/>
+              <a:defRPr/>
+            </a:pPr>
+            <a:r>
+              <a:rPr kumimoji="0" lang="es-CO" sz="4800" b="0" i="0" u="none" strike="noStrike" kern="1200" cap="none" spc="0" normalizeH="0" baseline="0" noProof="0" dirty="0">
+                <a:ln>
+                  <a:noFill/>
+                </a:ln>
+                <a:solidFill>
+                  <a:srgbClr val="E0287A"/>
+                </a:solidFill>
+                <a:effectLst/>
+                <a:uLnTx/>
+                <a:uFillTx/>
+                <a:latin typeface="Arial Rounded MT Bold"/>
+                <a:ea typeface="+mj-ea"/>
+                <a:cs typeface="+mj-cs"/>
+              </a:rPr>
+              <a:t>Informe de Avance</a:t>
+            </a:r>
+            <a:endParaRPr kumimoji="0" lang="es-CO" sz="4800" b="0" i="0" u="none" strike="noStrike" kern="1200" cap="none" spc="0" normalizeH="0" baseline="0" noProof="0" dirty="0">
+              <a:ln>
+                <a:noFill/>
+              </a:ln>
+              <a:solidFill>
+                <a:srgbClr val="53C0EF"/>
+              </a:solidFill>
+              <a:effectLst/>
+              <a:uLnTx/>
+              <a:uFillTx/>
+              <a:latin typeface="Arial Rounded MT Bold"/>
+              <a:ea typeface="+mj-ea"/>
+              <a:cs typeface="+mj-cs"/>
+            </a:endParaRPr>
           </a:p>
         </p:txBody>
       </p:sp>
@@ -195,7 +247,11 @@
           <a:lstStyle>
             <a:lvl1pPr marL="0" indent="0" algn="ctr">
               <a:buNone/>
-              <a:defRPr sz="2400"/>
+              <a:defRPr sz="2400">
+                <a:solidFill>
+                  <a:schemeClr val="bg1"/>
+                </a:solidFill>
+              </a:defRPr>
             </a:lvl1pPr>
             <a:lvl2pPr marL="457200" indent="0" algn="ctr">
               <a:buNone/>
@@ -261,7 +317,7 @@
           <a:p>
             <a:fld id="{521F61A1-E152-4A41-9335-275FF01A2F5B}" type="datetimeFigureOut">
               <a:rPr lang="en-US" smtClean="0"/>
-              <a:t>11/23/23</a:t>
+              <a:t>11/29/23</a:t>
             </a:fld>
             <a:endParaRPr lang="en-US"/>
           </a:p>
@@ -318,6 +374,129 @@
               <a:t>‹#›</a:t>
             </a:fld>
             <a:endParaRPr lang="en-US"/>
+          </a:p>
+        </p:txBody>
+      </p:sp>
+      <p:pic>
+        <p:nvPicPr>
+          <p:cNvPr id="20" name="Imagen 2" descr="Logotipo&#10;&#10;Descripción generada automáticamente">
+            <a:extLst>
+              <a:ext uri="{FF2B5EF4-FFF2-40B4-BE49-F238E27FC236}">
+                <a16:creationId xmlns:a16="http://schemas.microsoft.com/office/drawing/2014/main" id="{DCBE7EFA-A7B3-E8EB-6193-EFDE29133A5F}"/>
+              </a:ext>
+            </a:extLst>
+          </p:cNvPr>
+          <p:cNvPicPr>
+            <a:picLocks noChangeAspect="1"/>
+          </p:cNvPicPr>
+          <p:nvPr userDrawn="1"/>
+        </p:nvPicPr>
+        <p:blipFill>
+          <a:blip r:embed="rId2"/>
+          <a:stretch>
+            <a:fillRect/>
+          </a:stretch>
+        </p:blipFill>
+        <p:spPr>
+          <a:xfrm>
+            <a:off x="10201527" y="6074008"/>
+            <a:ext cx="1590907" cy="600727"/>
+          </a:xfrm>
+          <a:prstGeom prst="rect">
+            <a:avLst/>
+          </a:prstGeom>
+        </p:spPr>
+      </p:pic>
+      <p:sp>
+        <p:nvSpPr>
+          <p:cNvPr id="21" name="CuadroTexto 1">
+            <a:extLst>
+              <a:ext uri="{FF2B5EF4-FFF2-40B4-BE49-F238E27FC236}">
+                <a16:creationId xmlns:a16="http://schemas.microsoft.com/office/drawing/2014/main" id="{A32D426F-91FF-8F40-6BA5-E40BA7F8BD52}"/>
+              </a:ext>
+            </a:extLst>
+          </p:cNvPr>
+          <p:cNvSpPr txBox="1"/>
+          <p:nvPr userDrawn="1"/>
+        </p:nvSpPr>
+        <p:spPr>
+          <a:xfrm>
+            <a:off x="592253" y="5999853"/>
+            <a:ext cx="1872208" cy="523220"/>
+          </a:xfrm>
+          <a:prstGeom prst="rect">
+            <a:avLst/>
+          </a:prstGeom>
+          <a:noFill/>
+        </p:spPr>
+        <p:txBody>
+          <a:bodyPr wrap="square" rtlCol="0">
+            <a:spAutoFit/>
+          </a:bodyPr>
+          <a:lstStyle/>
+          <a:p>
+            <a:pPr>
+              <a:tabLst>
+                <a:tab pos="2806065" algn="ctr"/>
+                <a:tab pos="5612130" algn="r"/>
+                <a:tab pos="2226310" algn="l"/>
+                <a:tab pos="2806065" algn="ctr"/>
+                <a:tab pos="5612130" algn="r"/>
+              </a:tabLst>
+            </a:pPr>
+            <a:r>
+              <a:rPr lang="es-CO" sz="1400" dirty="0">
+                <a:solidFill>
+                  <a:schemeClr val="bg1"/>
+                </a:solidFill>
+                <a:effectLst/>
+                <a:latin typeface="Bahnschrift Light" panose="020B0502040204020203" pitchFamily="34" charset="0"/>
+                <a:ea typeface="Calibri" panose="020F0502020204030204" pitchFamily="34" charset="0"/>
+                <a:cs typeface="Times New Roman" panose="02020603050405020304" pitchFamily="18" charset="0"/>
+              </a:rPr>
+              <a:t>FT-121-OP V.3</a:t>
+            </a:r>
+            <a:endParaRPr lang="es-ES" sz="1400" dirty="0">
+              <a:solidFill>
+                <a:schemeClr val="bg1"/>
+              </a:solidFill>
+              <a:effectLst/>
+              <a:latin typeface="Calibri" panose="020F0502020204030204" pitchFamily="34" charset="0"/>
+              <a:ea typeface="Calibri" panose="020F0502020204030204" pitchFamily="34" charset="0"/>
+              <a:cs typeface="Times New Roman" panose="02020603050405020304" pitchFamily="18" charset="0"/>
+            </a:endParaRPr>
+          </a:p>
+          <a:p>
+            <a:pPr>
+              <a:tabLst>
+                <a:tab pos="2806065" algn="ctr"/>
+                <a:tab pos="5612130" algn="r"/>
+                <a:tab pos="2226310" algn="l"/>
+                <a:tab pos="2806065" algn="ctr"/>
+                <a:tab pos="5612130" algn="r"/>
+              </a:tabLst>
+            </a:pPr>
+            <a:r>
+              <a:rPr lang="es-CO" sz="1400" dirty="0">
+                <a:solidFill>
+                  <a:schemeClr val="bg1"/>
+                </a:solidFill>
+                <a:effectLst/>
+                <a:latin typeface="Bahnschrift Light" panose="020B0502040204020203" pitchFamily="34" charset="0"/>
+                <a:ea typeface="Calibri" panose="020F0502020204030204" pitchFamily="34" charset="0"/>
+                <a:cs typeface="Times New Roman" panose="02020603050405020304" pitchFamily="18" charset="0"/>
+              </a:rPr>
+              <a:t>01/09/2022</a:t>
+            </a:r>
+            <a:endParaRPr lang="es-ES" sz="1400" dirty="0">
+              <a:solidFill>
+                <a:schemeClr val="bg1"/>
+              </a:solidFill>
+              <a:effectLst/>
+              <a:latin typeface="Calibri" panose="020F0502020204030204" pitchFamily="34" charset="0"/>
+              <a:ea typeface="Calibri" panose="020F0502020204030204" pitchFamily="34" charset="0"/>
+              <a:cs typeface="Times New Roman" panose="02020603050405020304" pitchFamily="18" charset="0"/>
+            </a:endParaRPr>
           </a:p>
         </p:txBody>
       </p:sp>
@@ -367,7 +546,15 @@
             <p:ph type="title"/>
           </p:nvPr>
         </p:nvSpPr>
-        <p:spPr/>
+        <p:spPr>
+          <a:xfrm>
+            <a:off x="1918010" y="365125"/>
+            <a:ext cx="9435790" cy="1325563"/>
+          </a:xfrm>
+          <a:prstGeom prst="rect">
+            <a:avLst/>
+          </a:prstGeom>
+        </p:spPr>
         <p:txBody>
           <a:bodyPr/>
           <a:lstStyle/>
@@ -459,7 +646,7 @@
           <a:p>
             <a:fld id="{521F61A1-E152-4A41-9335-275FF01A2F5B}" type="datetimeFigureOut">
               <a:rPr lang="en-US" smtClean="0"/>
-              <a:t>11/23/23</a:t>
+              <a:t>11/29/23</a:t>
             </a:fld>
             <a:endParaRPr lang="en-US"/>
           </a:p>
@@ -570,6 +757,9 @@
             <a:off x="8724900" y="365125"/>
             <a:ext cx="2628900" cy="5811838"/>
           </a:xfrm>
+          <a:prstGeom prst="rect">
+            <a:avLst/>
+          </a:prstGeom>
         </p:spPr>
         <p:txBody>
           <a:bodyPr vert="eaVert"/>
@@ -667,7 +857,7 @@
           <a:p>
             <a:fld id="{521F61A1-E152-4A41-9335-275FF01A2F5B}" type="datetimeFigureOut">
               <a:rPr lang="en-US" smtClean="0"/>
-              <a:t>11/23/23</a:t>
+              <a:t>11/29/23</a:t>
             </a:fld>
             <a:endParaRPr lang="en-US"/>
           </a:p>
@@ -741,7 +931,7 @@
 </file>
 
 <file path=ppt/slideLayouts/slideLayout2.xml><?xml version="1.0" encoding="utf-8"?>
-<p:sldLayout xmlns:a="http://schemas.openxmlformats.org/drawingml/2006/main" xmlns:r="http://schemas.openxmlformats.org/officeDocument/2006/relationships" xmlns:p="http://schemas.openxmlformats.org/presentationml/2006/main" type="obj" preserve="1">
+<p:sldLayout xmlns:a="http://schemas.openxmlformats.org/drawingml/2006/main" xmlns:r="http://schemas.openxmlformats.org/officeDocument/2006/relationships" xmlns:p="http://schemas.openxmlformats.org/presentationml/2006/main" preserve="1" userDrawn="1">
   <p:cSld name="Title and Content">
     <p:spTree>
       <p:nvGrpSpPr>
@@ -770,18 +960,31 @@
             <a:spLocks noGrp="1"/>
           </p:cNvSpPr>
           <p:nvPr>
-            <p:ph type="title"/>
-          </p:nvPr>
-        </p:nvSpPr>
-        <p:spPr/>
-        <p:txBody>
-          <a:bodyPr/>
-          <a:lstStyle/>
-          <a:p>
-            <a:r>
-              <a:rPr lang="en-US" dirty="0"/>
-              <a:t>Click to edit Master title style</a:t>
-            </a:r>
+            <p:ph type="title" hasCustomPrompt="1"/>
+          </p:nvPr>
+        </p:nvSpPr>
+        <p:spPr>
+          <a:xfrm>
+            <a:off x="1918010" y="136525"/>
+            <a:ext cx="9435790" cy="544513"/>
+          </a:xfrm>
+          <a:prstGeom prst="rect">
+            <a:avLst/>
+          </a:prstGeom>
+        </p:spPr>
+        <p:txBody>
+          <a:bodyPr/>
+          <a:lstStyle/>
+          <a:p>
+            <a:r>
+              <a:rPr lang="es-CO" sz="3200" b="1" dirty="0">
+                <a:solidFill>
+                  <a:sysClr val="windowText" lastClr="000000"/>
+                </a:solidFill>
+              </a:rPr>
+              <a:t>GESTIÓN DEL PROYECTO</a:t>
+            </a:r>
+            <a:endParaRPr lang="en-US" dirty="0"/>
           </a:p>
         </p:txBody>
       </p:sp>
@@ -865,7 +1068,7 @@
           <a:p>
             <a:fld id="{521F61A1-E152-4A41-9335-275FF01A2F5B}" type="datetimeFigureOut">
               <a:rPr lang="en-US" smtClean="0"/>
-              <a:t>11/23/23</a:t>
+              <a:t>11/29/23</a:t>
             </a:fld>
             <a:endParaRPr lang="en-US"/>
           </a:p>
@@ -976,6 +1179,9 @@
             <a:off x="831850" y="1709738"/>
             <a:ext cx="10515600" cy="2852737"/>
           </a:xfrm>
+          <a:prstGeom prst="rect">
+            <a:avLst/>
+          </a:prstGeom>
         </p:spPr>
         <p:txBody>
           <a:bodyPr anchor="b"/>
@@ -1140,7 +1346,7 @@
           <a:p>
             <a:fld id="{521F61A1-E152-4A41-9335-275FF01A2F5B}" type="datetimeFigureOut">
               <a:rPr lang="en-US" smtClean="0"/>
-              <a:t>11/23/23</a:t>
+              <a:t>11/29/23</a:t>
             </a:fld>
             <a:endParaRPr lang="en-US"/>
           </a:p>
@@ -1214,7 +1420,7 @@
 </file>
 
 <file path=ppt/slideLayouts/slideLayout4.xml><?xml version="1.0" encoding="utf-8"?>
-<p:sldLayout xmlns:a="http://schemas.openxmlformats.org/drawingml/2006/main" xmlns:r="http://schemas.openxmlformats.org/officeDocument/2006/relationships" xmlns:p="http://schemas.openxmlformats.org/presentationml/2006/main" type="twoObj" preserve="1">
+<p:sldLayout xmlns:a="http://schemas.openxmlformats.org/drawingml/2006/main" xmlns:r="http://schemas.openxmlformats.org/officeDocument/2006/relationships" xmlns:p="http://schemas.openxmlformats.org/presentationml/2006/main" preserve="1" userDrawn="1">
   <p:cSld name="Two Content">
     <p:spTree>
       <p:nvGrpSpPr>
@@ -1243,18 +1449,31 @@
             <a:spLocks noGrp="1"/>
           </p:cNvSpPr>
           <p:nvPr>
-            <p:ph type="title"/>
-          </p:nvPr>
-        </p:nvSpPr>
-        <p:spPr/>
-        <p:txBody>
-          <a:bodyPr/>
-          <a:lstStyle/>
-          <a:p>
-            <a:r>
-              <a:rPr lang="en-US"/>
-              <a:t>Click to edit Master title style</a:t>
-            </a:r>
+            <p:ph type="title" hasCustomPrompt="1"/>
+          </p:nvPr>
+        </p:nvSpPr>
+        <p:spPr>
+          <a:xfrm>
+            <a:off x="1918010" y="136525"/>
+            <a:ext cx="9435790" cy="544513"/>
+          </a:xfrm>
+          <a:prstGeom prst="rect">
+            <a:avLst/>
+          </a:prstGeom>
+        </p:spPr>
+        <p:txBody>
+          <a:bodyPr/>
+          <a:lstStyle/>
+          <a:p>
+            <a:r>
+              <a:rPr lang="es-CO" sz="3200" b="1" dirty="0">
+                <a:solidFill>
+                  <a:sysClr val="windowText" lastClr="000000"/>
+                </a:solidFill>
+              </a:rPr>
+              <a:t>GESTIÓN DEL PROYECTO</a:t>
+            </a:r>
+            <a:endParaRPr lang="en-US" dirty="0"/>
           </a:p>
         </p:txBody>
       </p:sp>
@@ -1423,7 +1642,7 @@
           <a:p>
             <a:fld id="{521F61A1-E152-4A41-9335-275FF01A2F5B}" type="datetimeFigureOut">
               <a:rPr lang="en-US" smtClean="0"/>
-              <a:t>11/23/23</a:t>
+              <a:t>11/29/23</a:t>
             </a:fld>
             <a:endParaRPr lang="en-US"/>
           </a:p>
@@ -1497,7 +1716,7 @@
 </file>
 
 <file path=ppt/slideLayouts/slideLayout5.xml><?xml version="1.0" encoding="utf-8"?>
-<p:sldLayout xmlns:a="http://schemas.openxmlformats.org/drawingml/2006/main" xmlns:r="http://schemas.openxmlformats.org/officeDocument/2006/relationships" xmlns:p="http://schemas.openxmlformats.org/presentationml/2006/main" type="twoTxTwoObj" preserve="1">
+<p:sldLayout xmlns:a="http://schemas.openxmlformats.org/drawingml/2006/main" xmlns:r="http://schemas.openxmlformats.org/officeDocument/2006/relationships" xmlns:p="http://schemas.openxmlformats.org/presentationml/2006/main" preserve="1" userDrawn="1">
   <p:cSld name="Comparison">
     <p:spTree>
       <p:nvGrpSpPr>
@@ -1526,23 +1745,31 @@
             <a:spLocks noGrp="1"/>
           </p:cNvSpPr>
           <p:nvPr>
-            <p:ph type="title"/>
+            <p:ph type="title" hasCustomPrompt="1"/>
           </p:nvPr>
         </p:nvSpPr>
         <p:spPr>
           <a:xfrm>
-            <a:off x="1962614" y="365125"/>
-            <a:ext cx="9392773" cy="1325563"/>
+            <a:off x="1962614" y="136525"/>
+            <a:ext cx="9392773" cy="593725"/>
           </a:xfrm>
+          <a:prstGeom prst="rect">
+            <a:avLst/>
+          </a:prstGeom>
         </p:spPr>
         <p:txBody>
           <a:bodyPr/>
           <a:lstStyle/>
           <a:p>
             <a:r>
-              <a:rPr lang="en-US" dirty="0"/>
-              <a:t>Click to edit Master title style</a:t>
-            </a:r>
+              <a:rPr lang="es-CO" sz="3200" b="1" dirty="0">
+                <a:solidFill>
+                  <a:sysClr val="windowText" lastClr="000000"/>
+                </a:solidFill>
+              </a:rPr>
+              <a:t>GESTIÓN DEL PROYECTO</a:t>
+            </a:r>
+            <a:endParaRPr lang="en-US" dirty="0"/>
           </a:p>
         </p:txBody>
       </p:sp>
@@ -1835,7 +2062,7 @@
           <a:p>
             <a:fld id="{521F61A1-E152-4A41-9335-275FF01A2F5B}" type="datetimeFigureOut">
               <a:rPr lang="en-US" smtClean="0"/>
-              <a:t>11/23/23</a:t>
+              <a:t>11/29/23</a:t>
             </a:fld>
             <a:endParaRPr lang="en-US"/>
           </a:p>
@@ -1909,7 +2136,7 @@
 </file>
 
 <file path=ppt/slideLayouts/slideLayout6.xml><?xml version="1.0" encoding="utf-8"?>
-<p:sldLayout xmlns:a="http://schemas.openxmlformats.org/drawingml/2006/main" xmlns:r="http://schemas.openxmlformats.org/officeDocument/2006/relationships" xmlns:p="http://schemas.openxmlformats.org/presentationml/2006/main" type="titleOnly" preserve="1">
+<p:sldLayout xmlns:a="http://schemas.openxmlformats.org/drawingml/2006/main" xmlns:r="http://schemas.openxmlformats.org/officeDocument/2006/relationships" xmlns:p="http://schemas.openxmlformats.org/presentationml/2006/main" preserve="1" userDrawn="1">
   <p:cSld name="Title Only">
     <p:spTree>
       <p:nvGrpSpPr>
@@ -1938,18 +2165,31 @@
             <a:spLocks noGrp="1"/>
           </p:cNvSpPr>
           <p:nvPr>
-            <p:ph type="title"/>
-          </p:nvPr>
-        </p:nvSpPr>
-        <p:spPr/>
-        <p:txBody>
-          <a:bodyPr/>
-          <a:lstStyle/>
-          <a:p>
-            <a:r>
-              <a:rPr lang="en-US"/>
-              <a:t>Click to edit Master title style</a:t>
-            </a:r>
+            <p:ph type="title" hasCustomPrompt="1"/>
+          </p:nvPr>
+        </p:nvSpPr>
+        <p:spPr>
+          <a:xfrm>
+            <a:off x="1918010" y="136525"/>
+            <a:ext cx="9435790" cy="593725"/>
+          </a:xfrm>
+          <a:prstGeom prst="rect">
+            <a:avLst/>
+          </a:prstGeom>
+        </p:spPr>
+        <p:txBody>
+          <a:bodyPr/>
+          <a:lstStyle/>
+          <a:p>
+            <a:r>
+              <a:rPr lang="es-CO" sz="3200" b="1" dirty="0">
+                <a:solidFill>
+                  <a:sysClr val="windowText" lastClr="000000"/>
+                </a:solidFill>
+              </a:rPr>
+              <a:t>GESTIÓN DEL PROYECTO</a:t>
+            </a:r>
+            <a:endParaRPr lang="en-US" dirty="0"/>
           </a:p>
         </p:txBody>
       </p:sp>
@@ -1976,7 +2216,7 @@
           <a:p>
             <a:fld id="{521F61A1-E152-4A41-9335-275FF01A2F5B}" type="datetimeFigureOut">
               <a:rPr lang="en-US" smtClean="0"/>
-              <a:t>11/23/23</a:t>
+              <a:t>11/29/23</a:t>
             </a:fld>
             <a:endParaRPr lang="en-US"/>
           </a:p>
@@ -2089,7 +2329,7 @@
           <a:p>
             <a:fld id="{521F61A1-E152-4A41-9335-275FF01A2F5B}" type="datetimeFigureOut">
               <a:rPr lang="en-US" smtClean="0"/>
-              <a:t>11/23/23</a:t>
+              <a:t>11/29/23</a:t>
             </a:fld>
             <a:endParaRPr lang="en-US"/>
           </a:p>
@@ -2163,7 +2403,7 @@
 </file>
 
 <file path=ppt/slideLayouts/slideLayout8.xml><?xml version="1.0" encoding="utf-8"?>
-<p:sldLayout xmlns:a="http://schemas.openxmlformats.org/drawingml/2006/main" xmlns:r="http://schemas.openxmlformats.org/officeDocument/2006/relationships" xmlns:p="http://schemas.openxmlformats.org/presentationml/2006/main" type="objTx" preserve="1">
+<p:sldLayout xmlns:a="http://schemas.openxmlformats.org/drawingml/2006/main" xmlns:r="http://schemas.openxmlformats.org/officeDocument/2006/relationships" xmlns:p="http://schemas.openxmlformats.org/presentationml/2006/main" preserve="1" userDrawn="1">
   <p:cSld name="Content with Caption">
     <p:spTree>
       <p:nvGrpSpPr>
@@ -2200,6 +2440,9 @@
             <a:off x="839788" y="457200"/>
             <a:ext cx="3932237" cy="1600200"/>
           </a:xfrm>
+          <a:prstGeom prst="rect">
+            <a:avLst/>
+          </a:prstGeom>
         </p:spPr>
         <p:txBody>
           <a:bodyPr anchor="b"/>
@@ -2400,7 +2643,7 @@
           <a:p>
             <a:fld id="{521F61A1-E152-4A41-9335-275FF01A2F5B}" type="datetimeFigureOut">
               <a:rPr lang="en-US" smtClean="0"/>
-              <a:t>11/23/23</a:t>
+              <a:t>11/29/23</a:t>
             </a:fld>
             <a:endParaRPr lang="en-US"/>
           </a:p>
@@ -2511,6 +2754,9 @@
             <a:off x="839788" y="457200"/>
             <a:ext cx="3932237" cy="1600200"/>
           </a:xfrm>
+          <a:prstGeom prst="rect">
+            <a:avLst/>
+          </a:prstGeom>
         </p:spPr>
         <p:txBody>
           <a:bodyPr anchor="b"/>
@@ -2688,7 +2934,7 @@
           <a:p>
             <a:fld id="{521F61A1-E152-4A41-9335-275FF01A2F5B}" type="datetimeFigureOut">
               <a:rPr lang="en-US" smtClean="0"/>
-              <a:t>11/23/23</a:t>
+              <a:t>11/29/23</a:t>
             </a:fld>
             <a:endParaRPr lang="en-US"/>
           </a:p>
@@ -2804,8 +3050,8 @@
         </p:nvSpPr>
         <p:spPr>
           <a:xfrm>
-            <a:off x="1918010" y="365125"/>
-            <a:ext cx="9435790" cy="1325563"/>
+            <a:off x="334961" y="112185"/>
+            <a:ext cx="11514137" cy="718608"/>
           </a:xfrm>
           <a:prstGeom prst="rect">
             <a:avLst/>
@@ -2818,8 +3064,12 @@
           <a:lstStyle/>
           <a:p>
             <a:r>
-              <a:rPr lang="en-US" dirty="0"/>
-              <a:t>Click to edit Master title style</a:t>
+              <a:rPr lang="es-CO" sz="3600" b="1" dirty="0">
+                <a:solidFill>
+                  <a:sysClr val="windowText" lastClr="000000"/>
+                </a:solidFill>
+              </a:rPr>
+              <a:t>GESTIÓN DEL PROYECTO</a:t>
             </a:r>
           </a:p>
         </p:txBody>
@@ -2932,7 +3182,7 @@
           <a:p>
             <a:fld id="{521F61A1-E152-4A41-9335-275FF01A2F5B}" type="datetimeFigureOut">
               <a:rPr lang="en-US" smtClean="0"/>
-              <a:t>11/23/23</a:t>
+              <a:t>11/29/23</a:t>
             </a:fld>
             <a:endParaRPr lang="en-US"/>
           </a:p>
@@ -3028,6 +3278,75 @@
           </a:p>
         </p:txBody>
       </p:sp>
+      <p:pic>
+        <p:nvPicPr>
+          <p:cNvPr id="15" name="Imagen 2" descr="Imagen que contiene Logotipo&#10;&#10;Descripción generada automáticamente">
+            <a:extLst>
+              <a:ext uri="{FF2B5EF4-FFF2-40B4-BE49-F238E27FC236}">
+                <a16:creationId xmlns:a16="http://schemas.microsoft.com/office/drawing/2014/main" id="{E6F2BA06-31E3-48FE-587C-5801942D0F3C}"/>
+              </a:ext>
+            </a:extLst>
+          </p:cNvPr>
+          <p:cNvPicPr>
+            <a:picLocks noChangeAspect="1"/>
+          </p:cNvPicPr>
+          <p:nvPr userDrawn="1"/>
+        </p:nvPicPr>
+        <p:blipFill>
+          <a:blip r:embed="rId13"/>
+          <a:stretch>
+            <a:fillRect/>
+          </a:stretch>
+        </p:blipFill>
+        <p:spPr>
+          <a:xfrm>
+            <a:off x="9774043" y="5840772"/>
+            <a:ext cx="2417957" cy="1090632"/>
+          </a:xfrm>
+          <a:prstGeom prst="rect">
+            <a:avLst/>
+          </a:prstGeom>
+        </p:spPr>
+      </p:pic>
+      <p:cxnSp>
+        <p:nvCxnSpPr>
+          <p:cNvPr id="17" name="Conector recto 8">
+            <a:extLst>
+              <a:ext uri="{FF2B5EF4-FFF2-40B4-BE49-F238E27FC236}">
+                <a16:creationId xmlns:a16="http://schemas.microsoft.com/office/drawing/2014/main" id="{72848D0B-5CDA-2C5A-0D4C-D2D738FEE4C9}"/>
+              </a:ext>
+            </a:extLst>
+          </p:cNvPr>
+          <p:cNvCxnSpPr>
+            <a:cxnSpLocks/>
+          </p:cNvCxnSpPr>
+          <p:nvPr userDrawn="1"/>
+        </p:nvCxnSpPr>
+        <p:spPr>
+          <a:xfrm flipV="1">
+            <a:off x="342900" y="685798"/>
+            <a:ext cx="11514138" cy="1"/>
+          </a:xfrm>
+          <a:prstGeom prst="line">
+            <a:avLst/>
+          </a:prstGeom>
+          <a:ln w="28575"/>
+        </p:spPr>
+        <p:style>
+          <a:lnRef idx="1">
+            <a:schemeClr val="accent2"/>
+          </a:lnRef>
+          <a:fillRef idx="0">
+            <a:schemeClr val="accent2"/>
+          </a:fillRef>
+          <a:effectRef idx="0">
+            <a:schemeClr val="accent2"/>
+          </a:effectRef>
+          <a:fontRef idx="minor">
+            <a:schemeClr val="tx1"/>
+          </a:fontRef>
+        </p:style>
+      </p:cxnSp>
     </p:spTree>
     <p:extLst>
       <p:ext uri="{BB962C8B-B14F-4D97-AF65-F5344CB8AC3E}">
@@ -3051,7 +3370,7 @@
   </p:sldLayoutIdLst>
   <p:txStyles>
     <p:titleStyle>
-      <a:lvl1pPr algn="l" defTabSz="914400" rtl="0" eaLnBrk="1" latinLnBrk="0" hangingPunct="1">
+      <a:lvl1pPr algn="ctr" defTabSz="914400" rtl="0" eaLnBrk="1" latinLnBrk="0" hangingPunct="1">
         <a:lnSpc>
           <a:spcPct val="90000"/>
         </a:lnSpc>
@@ -3059,11 +3378,11 @@
           <a:spcPct val="0"/>
         </a:spcBef>
         <a:buNone/>
-        <a:defRPr sz="3600" kern="1200">
+        <a:defRPr sz="3200" kern="1200">
           <a:solidFill>
             <a:schemeClr val="tx1"/>
           </a:solidFill>
-          <a:latin typeface="+mj-lt"/>
+          <a:latin typeface="+mn-lt"/>
           <a:ea typeface="+mj-ea"/>
           <a:cs typeface="+mj-cs"/>
         </a:defRPr>
@@ -3365,7 +3684,15 @@
             <p:ph type="ctrTitle"/>
           </p:nvPr>
         </p:nvSpPr>
-        <p:spPr/>
+        <p:spPr>
+          <a:xfrm>
+            <a:off x="1524000" y="1122363"/>
+            <a:ext cx="9144000" cy="2387600"/>
+          </a:xfrm>
+          <a:prstGeom prst="rect">
+            <a:avLst/>
+          </a:prstGeom>
+        </p:spPr>
         <p:txBody>
           <a:bodyPr/>
           <a:lstStyle/>
@@ -3387,10 +3714,15 @@
             <a:spLocks noGrp="1"/>
           </p:cNvSpPr>
           <p:nvPr>
-            <p:ph type="subTitle" idx="1"/>
-          </p:nvPr>
-        </p:nvSpPr>
-        <p:spPr/>
+            <p:ph type="subTitle" idx="4294967295"/>
+          </p:nvPr>
+        </p:nvSpPr>
+        <p:spPr>
+          <a:xfrm>
+            <a:off x="1524000" y="3602038"/>
+            <a:ext cx="9144000" cy="1655762"/>
+          </a:xfrm>
+        </p:spPr>
         <p:txBody>
           <a:bodyPr/>
           <a:lstStyle/>

--- a/content/template.pptx
+++ b/content/template.pptx
@@ -165,7 +165,11 @@
           </a:bodyPr>
           <a:lstStyle>
             <a:lvl1pPr algn="ctr">
-              <a:defRPr sz="4800"/>
+              <a:defRPr sz="4800">
+                <a:solidFill>
+                  <a:srgbClr val="FF40FF"/>
+                </a:solidFill>
+              </a:defRPr>
             </a:lvl1pPr>
           </a:lstStyle>
           <a:p>

--- a/content/template.pptx
+++ b/content/template.pptx
@@ -1458,8 +1458,8 @@
         </p:nvSpPr>
         <p:spPr>
           <a:xfrm>
-            <a:off x="1918010" y="136525"/>
-            <a:ext cx="9435790" cy="544513"/>
+            <a:off x="203200" y="136525"/>
+            <a:ext cx="11664122" cy="544513"/>
           </a:xfrm>
           <a:prstGeom prst="rect">
             <a:avLst/>

--- a/content/template.pptx
+++ b/content/template.pptx
@@ -4,9 +4,6 @@
   <p:sldMasterIdLst>
     <p:sldMasterId id="2147483648" r:id="rId1"/>
   </p:sldMasterIdLst>
-  <p:sldIdLst>
-    <p:sldId id="256" r:id="rId2"/>
-  </p:sldIdLst>
   <p:sldSz cx="12192000" cy="6858000"/>
   <p:notesSz cx="6858000" cy="9144000"/>
   <p:defaultTextStyle>
@@ -978,15 +975,19 @@
         </p:spPr>
         <p:txBody>
           <a:bodyPr/>
-          <a:lstStyle/>
-          <a:p>
-            <a:r>
-              <a:rPr lang="es-CO" sz="3200" b="1" dirty="0">
-                <a:solidFill>
-                  <a:sysClr val="windowText" lastClr="000000"/>
-                </a:solidFill>
-              </a:rPr>
-              <a:t>GESTIÓN DEL PROYECTO</a:t>
+          <a:lstStyle>
+            <a:lvl1pPr>
+              <a:defRPr b="1"/>
+            </a:lvl1pPr>
+          </a:lstStyle>
+          <a:p>
+            <a:r>
+              <a:rPr lang="en-US" dirty="0"/>
+              <a:t>Informe de </a:t>
+            </a:r>
+            <a:r>
+              <a:rPr lang="en-US" dirty="0" err="1"/>
+              <a:t>Avance</a:t>
             </a:r>
             <a:endParaRPr lang="en-US" dirty="0"/>
           </a:p>
@@ -1466,16 +1467,22 @@
           </a:prstGeom>
         </p:spPr>
         <p:txBody>
-          <a:bodyPr/>
-          <a:lstStyle/>
-          <a:p>
-            <a:r>
-              <a:rPr lang="es-CO" sz="3200" b="1" dirty="0">
-                <a:solidFill>
-                  <a:sysClr val="windowText" lastClr="000000"/>
-                </a:solidFill>
-              </a:rPr>
-              <a:t>GESTIÓN DEL PROYECTO</a:t>
+          <a:bodyPr>
+            <a:normAutofit/>
+          </a:bodyPr>
+          <a:lstStyle>
+            <a:lvl1pPr>
+              <a:defRPr sz="2800" baseline="0"/>
+            </a:lvl1pPr>
+          </a:lstStyle>
+          <a:p>
+            <a:r>
+              <a:rPr lang="en-US" sz="3200" dirty="0"/>
+              <a:t>Informe de </a:t>
+            </a:r>
+            <a:r>
+              <a:rPr lang="en-US" sz="3200" dirty="0" err="1"/>
+              <a:t>Avance</a:t>
             </a:r>
             <a:endParaRPr lang="en-US" dirty="0"/>
           </a:p>
@@ -3054,7 +3061,7 @@
         </p:nvSpPr>
         <p:spPr>
           <a:xfrm>
-            <a:off x="334961" y="112185"/>
+            <a:off x="334961" y="29055"/>
             <a:ext cx="11514137" cy="718608"/>
           </a:xfrm>
           <a:prstGeom prst="rect">
@@ -3284,7 +3291,7 @@
       </p:sp>
       <p:pic>
         <p:nvPicPr>
-          <p:cNvPr id="15" name="Imagen 2" descr="Imagen que contiene Logotipo&#10;&#10;Descripción generada automáticamente">
+          <p:cNvPr id="15" name="Imagen 2" descr="Imagen que contiene Logotipo  Descripción generada automáticamente">
             <a:extLst>
               <a:ext uri="{FF2B5EF4-FFF2-40B4-BE49-F238E27FC236}">
                 <a16:creationId xmlns:a16="http://schemas.microsoft.com/office/drawing/2014/main" id="{E6F2BA06-31E3-48FE-587C-5801942D0F3C}"/>
@@ -3655,99 +3662,6 @@
 </p:sldMaster>
 </file>
 
-<file path=ppt/slides/slide1.xml><?xml version="1.0" encoding="utf-8"?>
-<p:sld xmlns:a="http://schemas.openxmlformats.org/drawingml/2006/main" xmlns:r="http://schemas.openxmlformats.org/officeDocument/2006/relationships" xmlns:p="http://schemas.openxmlformats.org/presentationml/2006/main">
-  <p:cSld>
-    <p:spTree>
-      <p:nvGrpSpPr>
-        <p:cNvPr id="1" name=""/>
-        <p:cNvGrpSpPr/>
-        <p:nvPr/>
-      </p:nvGrpSpPr>
-      <p:grpSpPr>
-        <a:xfrm>
-          <a:off x="0" y="0"/>
-          <a:ext cx="0" cy="0"/>
-          <a:chOff x="0" y="0"/>
-          <a:chExt cx="0" cy="0"/>
-        </a:xfrm>
-      </p:grpSpPr>
-      <p:sp>
-        <p:nvSpPr>
-          <p:cNvPr id="2" name="Title 1">
-            <a:extLst>
-              <a:ext uri="{FF2B5EF4-FFF2-40B4-BE49-F238E27FC236}">
-                <a16:creationId xmlns:a16="http://schemas.microsoft.com/office/drawing/2014/main" id="{DC9AB2E0-49FB-D7E7-A30F-8D88523D6B27}"/>
-              </a:ext>
-            </a:extLst>
-          </p:cNvPr>
-          <p:cNvSpPr>
-            <a:spLocks noGrp="1"/>
-          </p:cNvSpPr>
-          <p:nvPr>
-            <p:ph type="ctrTitle"/>
-          </p:nvPr>
-        </p:nvSpPr>
-        <p:spPr>
-          <a:xfrm>
-            <a:off x="1524000" y="1122363"/>
-            <a:ext cx="9144000" cy="2387600"/>
-          </a:xfrm>
-          <a:prstGeom prst="rect">
-            <a:avLst/>
-          </a:prstGeom>
-        </p:spPr>
-        <p:txBody>
-          <a:bodyPr/>
-          <a:lstStyle/>
-          <a:p>
-            <a:endParaRPr lang="en-US"/>
-          </a:p>
-        </p:txBody>
-      </p:sp>
-      <p:sp>
-        <p:nvSpPr>
-          <p:cNvPr id="3" name="Subtitle 2">
-            <a:extLst>
-              <a:ext uri="{FF2B5EF4-FFF2-40B4-BE49-F238E27FC236}">
-                <a16:creationId xmlns:a16="http://schemas.microsoft.com/office/drawing/2014/main" id="{32562846-E07B-443C-3836-1D12CB7EA739}"/>
-              </a:ext>
-            </a:extLst>
-          </p:cNvPr>
-          <p:cNvSpPr>
-            <a:spLocks noGrp="1"/>
-          </p:cNvSpPr>
-          <p:nvPr>
-            <p:ph type="subTitle" idx="4294967295"/>
-          </p:nvPr>
-        </p:nvSpPr>
-        <p:spPr>
-          <a:xfrm>
-            <a:off x="1524000" y="3602038"/>
-            <a:ext cx="9144000" cy="1655762"/>
-          </a:xfrm>
-        </p:spPr>
-        <p:txBody>
-          <a:bodyPr/>
-          <a:lstStyle/>
-          <a:p>
-            <a:endParaRPr lang="en-US"/>
-          </a:p>
-        </p:txBody>
-      </p:sp>
-    </p:spTree>
-    <p:extLst>
-      <p:ext uri="{BB962C8B-B14F-4D97-AF65-F5344CB8AC3E}">
-        <p14:creationId xmlns:p14="http://schemas.microsoft.com/office/powerpoint/2010/main" val="340391105"/>
-      </p:ext>
-    </p:extLst>
-  </p:cSld>
-  <p:clrMapOvr>
-    <a:masterClrMapping/>
-  </p:clrMapOvr>
-</p:sld>
-</file>
-
 <file path=ppt/theme/theme1.xml><?xml version="1.0" encoding="utf-8"?>
 <a:theme xmlns:a="http://schemas.openxmlformats.org/drawingml/2006/main" name="Office Theme">
   <a:themeElements>

--- a/content/template.pptx
+++ b/content/template.pptx
@@ -4,6 +4,9 @@
   <p:sldMasterIdLst>
     <p:sldMasterId id="2147483648" r:id="rId1"/>
   </p:sldMasterIdLst>
+  <p:sldIdLst>
+    <p:sldId id="256" r:id="rId2"/>
+  </p:sldIdLst>
   <p:sldSz cx="12192000" cy="6858000"/>
   <p:notesSz cx="6858000" cy="9144000"/>
   <p:defaultTextStyle>
@@ -975,19 +978,15 @@
         </p:spPr>
         <p:txBody>
           <a:bodyPr/>
-          <a:lstStyle>
-            <a:lvl1pPr>
-              <a:defRPr b="1"/>
-            </a:lvl1pPr>
-          </a:lstStyle>
-          <a:p>
-            <a:r>
-              <a:rPr lang="en-US" dirty="0"/>
-              <a:t>Informe de </a:t>
-            </a:r>
-            <a:r>
-              <a:rPr lang="en-US" dirty="0" err="1"/>
-              <a:t>Avance</a:t>
+          <a:lstStyle/>
+          <a:p>
+            <a:r>
+              <a:rPr lang="es-CO" sz="3200" b="1" dirty="0">
+                <a:solidFill>
+                  <a:sysClr val="windowText" lastClr="000000"/>
+                </a:solidFill>
+              </a:rPr>
+              <a:t>GESTIÓN DEL PROYECTO</a:t>
             </a:r>
             <a:endParaRPr lang="en-US" dirty="0"/>
           </a:p>
@@ -1472,17 +1471,17 @@
           </a:bodyPr>
           <a:lstStyle>
             <a:lvl1pPr>
-              <a:defRPr sz="2800" baseline="0"/>
+              <a:defRPr sz="2400"/>
             </a:lvl1pPr>
           </a:lstStyle>
           <a:p>
             <a:r>
-              <a:rPr lang="en-US" sz="3200" dirty="0"/>
-              <a:t>Informe de </a:t>
-            </a:r>
-            <a:r>
-              <a:rPr lang="en-US" sz="3200" dirty="0" err="1"/>
-              <a:t>Avance</a:t>
+              <a:rPr lang="es-CO" sz="3200" b="1" dirty="0">
+                <a:solidFill>
+                  <a:sysClr val="windowText" lastClr="000000"/>
+                </a:solidFill>
+              </a:rPr>
+              <a:t>GESTIÓN DEL PROYECTO</a:t>
             </a:r>
             <a:endParaRPr lang="en-US" dirty="0"/>
           </a:p>
@@ -3061,7 +3060,7 @@
         </p:nvSpPr>
         <p:spPr>
           <a:xfrm>
-            <a:off x="334961" y="29055"/>
+            <a:off x="334961" y="-7083"/>
             <a:ext cx="11514137" cy="718608"/>
           </a:xfrm>
           <a:prstGeom prst="rect">
@@ -3291,7 +3290,7 @@
       </p:sp>
       <p:pic>
         <p:nvPicPr>
-          <p:cNvPr id="15" name="Imagen 2" descr="Imagen que contiene Logotipo  Descripción generada automáticamente">
+          <p:cNvPr id="15" name="Imagen 2" descr="Imagen que contiene Logotipo&#10;&#10;Descripción generada automáticamente">
             <a:extLst>
               <a:ext uri="{FF2B5EF4-FFF2-40B4-BE49-F238E27FC236}">
                 <a16:creationId xmlns:a16="http://schemas.microsoft.com/office/drawing/2014/main" id="{E6F2BA06-31E3-48FE-587C-5801942D0F3C}"/>
@@ -3662,6 +3661,99 @@
 </p:sldMaster>
 </file>
 
+<file path=ppt/slides/slide1.xml><?xml version="1.0" encoding="utf-8"?>
+<p:sld xmlns:a="http://schemas.openxmlformats.org/drawingml/2006/main" xmlns:r="http://schemas.openxmlformats.org/officeDocument/2006/relationships" xmlns:p="http://schemas.openxmlformats.org/presentationml/2006/main">
+  <p:cSld>
+    <p:spTree>
+      <p:nvGrpSpPr>
+        <p:cNvPr id="1" name=""/>
+        <p:cNvGrpSpPr/>
+        <p:nvPr/>
+      </p:nvGrpSpPr>
+      <p:grpSpPr>
+        <a:xfrm>
+          <a:off x="0" y="0"/>
+          <a:ext cx="0" cy="0"/>
+          <a:chOff x="0" y="0"/>
+          <a:chExt cx="0" cy="0"/>
+        </a:xfrm>
+      </p:grpSpPr>
+      <p:sp>
+        <p:nvSpPr>
+          <p:cNvPr id="2" name="Title 1">
+            <a:extLst>
+              <a:ext uri="{FF2B5EF4-FFF2-40B4-BE49-F238E27FC236}">
+                <a16:creationId xmlns:a16="http://schemas.microsoft.com/office/drawing/2014/main" id="{DC9AB2E0-49FB-D7E7-A30F-8D88523D6B27}"/>
+              </a:ext>
+            </a:extLst>
+          </p:cNvPr>
+          <p:cNvSpPr>
+            <a:spLocks noGrp="1"/>
+          </p:cNvSpPr>
+          <p:nvPr>
+            <p:ph type="ctrTitle"/>
+          </p:nvPr>
+        </p:nvSpPr>
+        <p:spPr>
+          <a:xfrm>
+            <a:off x="1524000" y="1122363"/>
+            <a:ext cx="9144000" cy="2387600"/>
+          </a:xfrm>
+          <a:prstGeom prst="rect">
+            <a:avLst/>
+          </a:prstGeom>
+        </p:spPr>
+        <p:txBody>
+          <a:bodyPr/>
+          <a:lstStyle/>
+          <a:p>
+            <a:endParaRPr lang="en-US"/>
+          </a:p>
+        </p:txBody>
+      </p:sp>
+      <p:sp>
+        <p:nvSpPr>
+          <p:cNvPr id="3" name="Subtitle 2">
+            <a:extLst>
+              <a:ext uri="{FF2B5EF4-FFF2-40B4-BE49-F238E27FC236}">
+                <a16:creationId xmlns:a16="http://schemas.microsoft.com/office/drawing/2014/main" id="{32562846-E07B-443C-3836-1D12CB7EA739}"/>
+              </a:ext>
+            </a:extLst>
+          </p:cNvPr>
+          <p:cNvSpPr>
+            <a:spLocks noGrp="1"/>
+          </p:cNvSpPr>
+          <p:nvPr>
+            <p:ph type="subTitle" idx="4294967295"/>
+          </p:nvPr>
+        </p:nvSpPr>
+        <p:spPr>
+          <a:xfrm>
+            <a:off x="1524000" y="3602038"/>
+            <a:ext cx="9144000" cy="1655762"/>
+          </a:xfrm>
+        </p:spPr>
+        <p:txBody>
+          <a:bodyPr/>
+          <a:lstStyle/>
+          <a:p>
+            <a:endParaRPr lang="en-US"/>
+          </a:p>
+        </p:txBody>
+      </p:sp>
+    </p:spTree>
+    <p:extLst>
+      <p:ext uri="{BB962C8B-B14F-4D97-AF65-F5344CB8AC3E}">
+        <p14:creationId xmlns:p14="http://schemas.microsoft.com/office/powerpoint/2010/main" val="340391105"/>
+      </p:ext>
+    </p:extLst>
+  </p:cSld>
+  <p:clrMapOvr>
+    <a:masterClrMapping/>
+  </p:clrMapOvr>
+</p:sld>
+</file>
+
 <file path=ppt/theme/theme1.xml><?xml version="1.0" encoding="utf-8"?>
 <a:theme xmlns:a="http://schemas.openxmlformats.org/drawingml/2006/main" name="Office Theme">
   <a:themeElements>

--- a/content/template.pptx
+++ b/content/template.pptx
@@ -104,25 +104,12 @@
       </a:defRPr>
     </a:lvl9pPr>
   </p:defaultTextStyle>
-  <p:extLst>
-    <p:ext uri="{EFAFB233-063F-42B5-8137-9DF3F51BA10A}">
-      <p15:sldGuideLst xmlns:p15="http://schemas.microsoft.com/office/powerpoint/2012/main"/>
-    </p:ext>
-  </p:extLst>
 </p:presentation>
 </file>
 
 <file path=ppt/slideLayouts/slideLayout1.xml><?xml version="1.0" encoding="utf-8"?>
-<p:sldLayout xmlns:a="http://schemas.openxmlformats.org/drawingml/2006/main" xmlns:r="http://schemas.openxmlformats.org/officeDocument/2006/relationships" xmlns:p="http://schemas.openxmlformats.org/presentationml/2006/main" preserve="1" userDrawn="1">
+<p:sldLayout xmlns:a="http://schemas.openxmlformats.org/drawingml/2006/main" xmlns:r="http://schemas.openxmlformats.org/officeDocument/2006/relationships" xmlns:p="http://schemas.openxmlformats.org/presentationml/2006/main" type="title" preserve="1">
   <p:cSld name="Title Slide">
-    <p:bg>
-      <p:bgPr>
-        <a:solidFill>
-          <a:schemeClr val="tx1"/>
-        </a:solidFill>
-        <a:effectLst/>
-      </p:bgPr>
-    </p:bg>
     <p:spTree>
       <p:nvGrpSpPr>
         <p:cNvPr id="1" name=""/>
@@ -142,15 +129,15 @@
           <p:cNvPr id="2" name="Title 1">
             <a:extLst>
               <a:ext uri="{FF2B5EF4-FFF2-40B4-BE49-F238E27FC236}">
-                <a16:creationId xmlns:a16="http://schemas.microsoft.com/office/drawing/2014/main" id="{4219BD3D-0B78-75A1-A921-8818FDFF48D1}"/>
-              </a:ext>
-            </a:extLst>
-          </p:cNvPr>
-          <p:cNvSpPr>
-            <a:spLocks noGrp="1"/>
-          </p:cNvSpPr>
-          <p:nvPr>
-            <p:ph type="ctrTitle" hasCustomPrompt="1"/>
+                <a16:creationId xmlns:a16="http://schemas.microsoft.com/office/drawing/2014/main" id="{F65C88B3-624D-043A-2B81-8795DCEBC39A}"/>
+              </a:ext>
+            </a:extLst>
+          </p:cNvPr>
+          <p:cNvSpPr>
+            <a:spLocks noGrp="1"/>
+          </p:cNvSpPr>
+          <p:nvPr>
+            <p:ph type="ctrTitle"/>
           </p:nvPr>
         </p:nvSpPr>
         <p:spPr>
@@ -160,67 +147,18 @@
           </a:xfrm>
         </p:spPr>
         <p:txBody>
-          <a:bodyPr anchor="b">
-            <a:normAutofit/>
-          </a:bodyPr>
+          <a:bodyPr anchor="b"/>
           <a:lstStyle>
             <a:lvl1pPr algn="ctr">
-              <a:defRPr sz="4800">
-                <a:solidFill>
-                  <a:srgbClr val="FF40FF"/>
-                </a:solidFill>
-              </a:defRPr>
+              <a:defRPr sz="6000"/>
             </a:lvl1pPr>
           </a:lstStyle>
           <a:p>
-            <a:pPr marL="0" marR="0" lvl="0" indent="0" algn="ctr" defTabSz="914400" rtl="0" eaLnBrk="1" fontAlgn="auto" latinLnBrk="0" hangingPunct="1">
-              <a:lnSpc>
-                <a:spcPct val="90000"/>
-              </a:lnSpc>
-              <a:spcBef>
-                <a:spcPct val="0"/>
-              </a:spcBef>
-              <a:spcAft>
-                <a:spcPts val="0"/>
-              </a:spcAft>
-              <a:buClrTx/>
-              <a:buSzTx/>
-              <a:buFontTx/>
-              <a:buNone/>
-              <a:tabLst/>
-              <a:defRPr/>
-            </a:pPr>
-            <a:r>
-              <a:rPr kumimoji="0" lang="es-CO" sz="4800" b="0" i="0" u="none" strike="noStrike" kern="1200" cap="none" spc="0" normalizeH="0" baseline="0" noProof="0" dirty="0">
-                <a:ln>
-                  <a:noFill/>
-                </a:ln>
-                <a:solidFill>
-                  <a:srgbClr val="E0287A"/>
-                </a:solidFill>
-                <a:effectLst/>
-                <a:uLnTx/>
-                <a:uFillTx/>
-                <a:latin typeface="Arial Rounded MT Bold"/>
-                <a:ea typeface="+mj-ea"/>
-                <a:cs typeface="+mj-cs"/>
-              </a:rPr>
-              <a:t>Informe de Avance</a:t>
-            </a:r>
-            <a:endParaRPr kumimoji="0" lang="es-CO" sz="4800" b="0" i="0" u="none" strike="noStrike" kern="1200" cap="none" spc="0" normalizeH="0" baseline="0" noProof="0" dirty="0">
-              <a:ln>
-                <a:noFill/>
-              </a:ln>
-              <a:solidFill>
-                <a:srgbClr val="53C0EF"/>
-              </a:solidFill>
-              <a:effectLst/>
-              <a:uLnTx/>
-              <a:uFillTx/>
-              <a:latin typeface="Arial Rounded MT Bold"/>
-              <a:ea typeface="+mj-ea"/>
-              <a:cs typeface="+mj-cs"/>
-            </a:endParaRPr>
+            <a:r>
+              <a:rPr lang="en-US"/>
+              <a:t>Click to edit Master title style</a:t>
+            </a:r>
+            <a:endParaRPr lang="es-ES_tradnl"/>
           </a:p>
         </p:txBody>
       </p:sp>
@@ -229,7 +167,7 @@
           <p:cNvPr id="3" name="Subtitle 2">
             <a:extLst>
               <a:ext uri="{FF2B5EF4-FFF2-40B4-BE49-F238E27FC236}">
-                <a16:creationId xmlns:a16="http://schemas.microsoft.com/office/drawing/2014/main" id="{89906939-BCC9-B749-9295-75AFE8BEF9D2}"/>
+                <a16:creationId xmlns:a16="http://schemas.microsoft.com/office/drawing/2014/main" id="{A63841F2-4AC3-B21F-2709-BDD2BBF90390}"/>
               </a:ext>
             </a:extLst>
           </p:cNvPr>
@@ -251,11 +189,7 @@
           <a:lstStyle>
             <a:lvl1pPr marL="0" indent="0" algn="ctr">
               <a:buNone/>
-              <a:defRPr sz="2400">
-                <a:solidFill>
-                  <a:schemeClr val="bg1"/>
-                </a:solidFill>
-              </a:defRPr>
+              <a:defRPr sz="2400"/>
             </a:lvl1pPr>
             <a:lvl2pPr marL="457200" indent="0" algn="ctr">
               <a:buNone/>
@@ -295,6 +229,7 @@
               <a:rPr lang="en-US"/>
               <a:t>Click to edit Master subtitle style</a:t>
             </a:r>
+            <a:endParaRPr lang="es-ES_tradnl"/>
           </a:p>
         </p:txBody>
       </p:sp>
@@ -303,7 +238,7 @@
           <p:cNvPr id="4" name="Date Placeholder 3">
             <a:extLst>
               <a:ext uri="{FF2B5EF4-FFF2-40B4-BE49-F238E27FC236}">
-                <a16:creationId xmlns:a16="http://schemas.microsoft.com/office/drawing/2014/main" id="{3125F094-BCEC-CBD4-0A70-2B806F83DB10}"/>
+                <a16:creationId xmlns:a16="http://schemas.microsoft.com/office/drawing/2014/main" id="{1CEB5431-DF96-B33E-5F94-F3E298801936}"/>
               </a:ext>
             </a:extLst>
           </p:cNvPr>
@@ -319,11 +254,11 @@
           <a:bodyPr/>
           <a:lstStyle/>
           <a:p>
-            <a:fld id="{521F61A1-E152-4A41-9335-275FF01A2F5B}" type="datetimeFigureOut">
-              <a:rPr lang="en-US" smtClean="0"/>
-              <a:t>11/29/23</a:t>
+            <a:fld id="{B1D0D1D1-B849-0E4E-8830-1466A2D52B65}" type="datetimeFigureOut">
+              <a:rPr lang="es-ES_tradnl" smtClean="0"/>
+              <a:t>29/11/23</a:t>
             </a:fld>
-            <a:endParaRPr lang="en-US"/>
+            <a:endParaRPr lang="es-ES_tradnl"/>
           </a:p>
         </p:txBody>
       </p:sp>
@@ -332,7 +267,7 @@
           <p:cNvPr id="5" name="Footer Placeholder 4">
             <a:extLst>
               <a:ext uri="{FF2B5EF4-FFF2-40B4-BE49-F238E27FC236}">
-                <a16:creationId xmlns:a16="http://schemas.microsoft.com/office/drawing/2014/main" id="{61838B89-EC29-A46A-A9E2-3FD0529EF4B0}"/>
+                <a16:creationId xmlns:a16="http://schemas.microsoft.com/office/drawing/2014/main" id="{05FD9845-21CC-7B50-1D35-0476CA16938E}"/>
               </a:ext>
             </a:extLst>
           </p:cNvPr>
@@ -348,7 +283,7 @@
           <a:bodyPr/>
           <a:lstStyle/>
           <a:p>
-            <a:endParaRPr lang="en-US"/>
+            <a:endParaRPr lang="es-ES_tradnl"/>
           </a:p>
         </p:txBody>
       </p:sp>
@@ -357,7 +292,7 @@
           <p:cNvPr id="6" name="Slide Number Placeholder 5">
             <a:extLst>
               <a:ext uri="{FF2B5EF4-FFF2-40B4-BE49-F238E27FC236}">
-                <a16:creationId xmlns:a16="http://schemas.microsoft.com/office/drawing/2014/main" id="{A3BEA16F-06BD-D82C-D5A8-09F695AE12D2}"/>
+                <a16:creationId xmlns:a16="http://schemas.microsoft.com/office/drawing/2014/main" id="{117646FF-498A-4003-C246-0F187D508FC8}"/>
               </a:ext>
             </a:extLst>
           </p:cNvPr>
@@ -373,141 +308,18 @@
           <a:bodyPr/>
           <a:lstStyle/>
           <a:p>
-            <a:fld id="{C86C18E9-4DE4-7549-A680-73EFBA2DBFE0}" type="slidenum">
-              <a:rPr lang="en-US" smtClean="0"/>
+            <a:fld id="{B721FB27-E2AF-734E-95A0-74ADA25D2E5C}" type="slidenum">
+              <a:rPr lang="es-ES_tradnl" smtClean="0"/>
               <a:t>‹#›</a:t>
             </a:fld>
-            <a:endParaRPr lang="en-US"/>
-          </a:p>
-        </p:txBody>
-      </p:sp>
-      <p:pic>
-        <p:nvPicPr>
-          <p:cNvPr id="20" name="Imagen 2" descr="Logotipo&#10;&#10;Descripción generada automáticamente">
-            <a:extLst>
-              <a:ext uri="{FF2B5EF4-FFF2-40B4-BE49-F238E27FC236}">
-                <a16:creationId xmlns:a16="http://schemas.microsoft.com/office/drawing/2014/main" id="{DCBE7EFA-A7B3-E8EB-6193-EFDE29133A5F}"/>
-              </a:ext>
-            </a:extLst>
-          </p:cNvPr>
-          <p:cNvPicPr>
-            <a:picLocks noChangeAspect="1"/>
-          </p:cNvPicPr>
-          <p:nvPr userDrawn="1"/>
-        </p:nvPicPr>
-        <p:blipFill>
-          <a:blip r:embed="rId2"/>
-          <a:stretch>
-            <a:fillRect/>
-          </a:stretch>
-        </p:blipFill>
-        <p:spPr>
-          <a:xfrm>
-            <a:off x="10201527" y="6074008"/>
-            <a:ext cx="1590907" cy="600727"/>
-          </a:xfrm>
-          <a:prstGeom prst="rect">
-            <a:avLst/>
-          </a:prstGeom>
-        </p:spPr>
-      </p:pic>
-      <p:sp>
-        <p:nvSpPr>
-          <p:cNvPr id="21" name="CuadroTexto 1">
-            <a:extLst>
-              <a:ext uri="{FF2B5EF4-FFF2-40B4-BE49-F238E27FC236}">
-                <a16:creationId xmlns:a16="http://schemas.microsoft.com/office/drawing/2014/main" id="{A32D426F-91FF-8F40-6BA5-E40BA7F8BD52}"/>
-              </a:ext>
-            </a:extLst>
-          </p:cNvPr>
-          <p:cNvSpPr txBox="1"/>
-          <p:nvPr userDrawn="1"/>
-        </p:nvSpPr>
-        <p:spPr>
-          <a:xfrm>
-            <a:off x="592253" y="5999853"/>
-            <a:ext cx="1872208" cy="523220"/>
-          </a:xfrm>
-          <a:prstGeom prst="rect">
-            <a:avLst/>
-          </a:prstGeom>
-          <a:noFill/>
-        </p:spPr>
-        <p:txBody>
-          <a:bodyPr wrap="square" rtlCol="0">
-            <a:spAutoFit/>
-          </a:bodyPr>
-          <a:lstStyle/>
-          <a:p>
-            <a:pPr>
-              <a:tabLst>
-                <a:tab pos="2806065" algn="ctr"/>
-                <a:tab pos="5612130" algn="r"/>
-                <a:tab pos="2226310" algn="l"/>
-                <a:tab pos="2806065" algn="ctr"/>
-                <a:tab pos="5612130" algn="r"/>
-              </a:tabLst>
-            </a:pPr>
-            <a:r>
-              <a:rPr lang="es-CO" sz="1400" dirty="0">
-                <a:solidFill>
-                  <a:schemeClr val="bg1"/>
-                </a:solidFill>
-                <a:effectLst/>
-                <a:latin typeface="Bahnschrift Light" panose="020B0502040204020203" pitchFamily="34" charset="0"/>
-                <a:ea typeface="Calibri" panose="020F0502020204030204" pitchFamily="34" charset="0"/>
-                <a:cs typeface="Times New Roman" panose="02020603050405020304" pitchFamily="18" charset="0"/>
-              </a:rPr>
-              <a:t>FT-121-OP V.3</a:t>
-            </a:r>
-            <a:endParaRPr lang="es-ES" sz="1400" dirty="0">
-              <a:solidFill>
-                <a:schemeClr val="bg1"/>
-              </a:solidFill>
-              <a:effectLst/>
-              <a:latin typeface="Calibri" panose="020F0502020204030204" pitchFamily="34" charset="0"/>
-              <a:ea typeface="Calibri" panose="020F0502020204030204" pitchFamily="34" charset="0"/>
-              <a:cs typeface="Times New Roman" panose="02020603050405020304" pitchFamily="18" charset="0"/>
-            </a:endParaRPr>
-          </a:p>
-          <a:p>
-            <a:pPr>
-              <a:tabLst>
-                <a:tab pos="2806065" algn="ctr"/>
-                <a:tab pos="5612130" algn="r"/>
-                <a:tab pos="2226310" algn="l"/>
-                <a:tab pos="2806065" algn="ctr"/>
-                <a:tab pos="5612130" algn="r"/>
-              </a:tabLst>
-            </a:pPr>
-            <a:r>
-              <a:rPr lang="es-CO" sz="1400" dirty="0">
-                <a:solidFill>
-                  <a:schemeClr val="bg1"/>
-                </a:solidFill>
-                <a:effectLst/>
-                <a:latin typeface="Bahnschrift Light" panose="020B0502040204020203" pitchFamily="34" charset="0"/>
-                <a:ea typeface="Calibri" panose="020F0502020204030204" pitchFamily="34" charset="0"/>
-                <a:cs typeface="Times New Roman" panose="02020603050405020304" pitchFamily="18" charset="0"/>
-              </a:rPr>
-              <a:t>01/09/2022</a:t>
-            </a:r>
-            <a:endParaRPr lang="es-ES" sz="1400" dirty="0">
-              <a:solidFill>
-                <a:schemeClr val="bg1"/>
-              </a:solidFill>
-              <a:effectLst/>
-              <a:latin typeface="Calibri" panose="020F0502020204030204" pitchFamily="34" charset="0"/>
-              <a:ea typeface="Calibri" panose="020F0502020204030204" pitchFamily="34" charset="0"/>
-              <a:cs typeface="Times New Roman" panose="02020603050405020304" pitchFamily="18" charset="0"/>
-            </a:endParaRPr>
+            <a:endParaRPr lang="es-ES_tradnl"/>
           </a:p>
         </p:txBody>
       </p:sp>
     </p:spTree>
     <p:extLst>
       <p:ext uri="{BB962C8B-B14F-4D97-AF65-F5344CB8AC3E}">
-        <p14:creationId xmlns:p14="http://schemas.microsoft.com/office/powerpoint/2010/main" val="1686989734"/>
+        <p14:creationId xmlns:p14="http://schemas.microsoft.com/office/powerpoint/2010/main" val="732597187"/>
       </p:ext>
     </p:extLst>
   </p:cSld>
@@ -539,7 +351,7 @@
           <p:cNvPr id="2" name="Title 1">
             <a:extLst>
               <a:ext uri="{FF2B5EF4-FFF2-40B4-BE49-F238E27FC236}">
-                <a16:creationId xmlns:a16="http://schemas.microsoft.com/office/drawing/2014/main" id="{6F73203B-4D3E-BF0E-86CB-76515110CEBF}"/>
+                <a16:creationId xmlns:a16="http://schemas.microsoft.com/office/drawing/2014/main" id="{19AD242B-CF76-74C1-94DC-2307558CB468}"/>
               </a:ext>
             </a:extLst>
           </p:cNvPr>
@@ -550,15 +362,7 @@
             <p:ph type="title"/>
           </p:nvPr>
         </p:nvSpPr>
-        <p:spPr>
-          <a:xfrm>
-            <a:off x="1918010" y="365125"/>
-            <a:ext cx="9435790" cy="1325563"/>
-          </a:xfrm>
-          <a:prstGeom prst="rect">
-            <a:avLst/>
-          </a:prstGeom>
-        </p:spPr>
+        <p:spPr/>
         <p:txBody>
           <a:bodyPr/>
           <a:lstStyle/>
@@ -567,6 +371,7 @@
               <a:rPr lang="en-US"/>
               <a:t>Click to edit Master title style</a:t>
             </a:r>
+            <a:endParaRPr lang="es-ES_tradnl"/>
           </a:p>
         </p:txBody>
       </p:sp>
@@ -575,7 +380,7 @@
           <p:cNvPr id="3" name="Vertical Text Placeholder 2">
             <a:extLst>
               <a:ext uri="{FF2B5EF4-FFF2-40B4-BE49-F238E27FC236}">
-                <a16:creationId xmlns:a16="http://schemas.microsoft.com/office/drawing/2014/main" id="{D84DE4D5-5D08-FB41-02E5-006E61CC8C19}"/>
+                <a16:creationId xmlns:a16="http://schemas.microsoft.com/office/drawing/2014/main" id="{707A230B-77FE-2CC4-0C33-231934349CB4}"/>
               </a:ext>
             </a:extLst>
           </p:cNvPr>
@@ -624,6 +429,7 @@
               <a:rPr lang="en-US"/>
               <a:t>Fifth level</a:t>
             </a:r>
+            <a:endParaRPr lang="es-ES_tradnl"/>
           </a:p>
         </p:txBody>
       </p:sp>
@@ -632,7 +438,7 @@
           <p:cNvPr id="4" name="Date Placeholder 3">
             <a:extLst>
               <a:ext uri="{FF2B5EF4-FFF2-40B4-BE49-F238E27FC236}">
-                <a16:creationId xmlns:a16="http://schemas.microsoft.com/office/drawing/2014/main" id="{8E91DB31-F161-5F82-0748-1C718FD6CC02}"/>
+                <a16:creationId xmlns:a16="http://schemas.microsoft.com/office/drawing/2014/main" id="{F74DF186-99C3-94B1-355C-EC6ADB2C36A5}"/>
               </a:ext>
             </a:extLst>
           </p:cNvPr>
@@ -648,11 +454,11 @@
           <a:bodyPr/>
           <a:lstStyle/>
           <a:p>
-            <a:fld id="{521F61A1-E152-4A41-9335-275FF01A2F5B}" type="datetimeFigureOut">
-              <a:rPr lang="en-US" smtClean="0"/>
-              <a:t>11/29/23</a:t>
+            <a:fld id="{B1D0D1D1-B849-0E4E-8830-1466A2D52B65}" type="datetimeFigureOut">
+              <a:rPr lang="es-ES_tradnl" smtClean="0"/>
+              <a:t>29/11/23</a:t>
             </a:fld>
-            <a:endParaRPr lang="en-US"/>
+            <a:endParaRPr lang="es-ES_tradnl"/>
           </a:p>
         </p:txBody>
       </p:sp>
@@ -661,7 +467,7 @@
           <p:cNvPr id="5" name="Footer Placeholder 4">
             <a:extLst>
               <a:ext uri="{FF2B5EF4-FFF2-40B4-BE49-F238E27FC236}">
-                <a16:creationId xmlns:a16="http://schemas.microsoft.com/office/drawing/2014/main" id="{DB6DEBD2-0D5A-1E47-3906-05F0970842FB}"/>
+                <a16:creationId xmlns:a16="http://schemas.microsoft.com/office/drawing/2014/main" id="{9CEFE5FF-880B-CF2A-D0F8-B37BA034C57B}"/>
               </a:ext>
             </a:extLst>
           </p:cNvPr>
@@ -677,7 +483,7 @@
           <a:bodyPr/>
           <a:lstStyle/>
           <a:p>
-            <a:endParaRPr lang="en-US"/>
+            <a:endParaRPr lang="es-ES_tradnl"/>
           </a:p>
         </p:txBody>
       </p:sp>
@@ -686,7 +492,7 @@
           <p:cNvPr id="6" name="Slide Number Placeholder 5">
             <a:extLst>
               <a:ext uri="{FF2B5EF4-FFF2-40B4-BE49-F238E27FC236}">
-                <a16:creationId xmlns:a16="http://schemas.microsoft.com/office/drawing/2014/main" id="{B9FE8270-DA4F-66CB-CC95-0F2D21BE17C8}"/>
+                <a16:creationId xmlns:a16="http://schemas.microsoft.com/office/drawing/2014/main" id="{5DD06CA1-A638-B3E3-A4E1-E8F9045E5CC2}"/>
               </a:ext>
             </a:extLst>
           </p:cNvPr>
@@ -702,18 +508,18 @@
           <a:bodyPr/>
           <a:lstStyle/>
           <a:p>
-            <a:fld id="{C86C18E9-4DE4-7549-A680-73EFBA2DBFE0}" type="slidenum">
-              <a:rPr lang="en-US" smtClean="0"/>
+            <a:fld id="{B721FB27-E2AF-734E-95A0-74ADA25D2E5C}" type="slidenum">
+              <a:rPr lang="es-ES_tradnl" smtClean="0"/>
               <a:t>‹#›</a:t>
             </a:fld>
-            <a:endParaRPr lang="en-US"/>
+            <a:endParaRPr lang="es-ES_tradnl"/>
           </a:p>
         </p:txBody>
       </p:sp>
     </p:spTree>
     <p:extLst>
       <p:ext uri="{BB962C8B-B14F-4D97-AF65-F5344CB8AC3E}">
-        <p14:creationId xmlns:p14="http://schemas.microsoft.com/office/powerpoint/2010/main" val="2234926762"/>
+        <p14:creationId xmlns:p14="http://schemas.microsoft.com/office/powerpoint/2010/main" val="4056232472"/>
       </p:ext>
     </p:extLst>
   </p:cSld>
@@ -745,7 +551,7 @@
           <p:cNvPr id="2" name="Vertical Title 1">
             <a:extLst>
               <a:ext uri="{FF2B5EF4-FFF2-40B4-BE49-F238E27FC236}">
-                <a16:creationId xmlns:a16="http://schemas.microsoft.com/office/drawing/2014/main" id="{688B66D7-7617-24DB-1616-7A9B18413952}"/>
+                <a16:creationId xmlns:a16="http://schemas.microsoft.com/office/drawing/2014/main" id="{CCA126F4-D877-1025-4F83-5EE90D537389}"/>
               </a:ext>
             </a:extLst>
           </p:cNvPr>
@@ -761,9 +567,6 @@
             <a:off x="8724900" y="365125"/>
             <a:ext cx="2628900" cy="5811838"/>
           </a:xfrm>
-          <a:prstGeom prst="rect">
-            <a:avLst/>
-          </a:prstGeom>
         </p:spPr>
         <p:txBody>
           <a:bodyPr vert="eaVert"/>
@@ -773,6 +576,7 @@
               <a:rPr lang="en-US"/>
               <a:t>Click to edit Master title style</a:t>
             </a:r>
+            <a:endParaRPr lang="es-ES_tradnl"/>
           </a:p>
         </p:txBody>
       </p:sp>
@@ -781,7 +585,7 @@
           <p:cNvPr id="3" name="Vertical Text Placeholder 2">
             <a:extLst>
               <a:ext uri="{FF2B5EF4-FFF2-40B4-BE49-F238E27FC236}">
-                <a16:creationId xmlns:a16="http://schemas.microsoft.com/office/drawing/2014/main" id="{E3BCFF3C-0A33-DFC2-6717-86FB536ED578}"/>
+                <a16:creationId xmlns:a16="http://schemas.microsoft.com/office/drawing/2014/main" id="{ED0E9A97-57AE-0285-2C76-19F529138075}"/>
               </a:ext>
             </a:extLst>
           </p:cNvPr>
@@ -835,6 +639,7 @@
               <a:rPr lang="en-US"/>
               <a:t>Fifth level</a:t>
             </a:r>
+            <a:endParaRPr lang="es-ES_tradnl"/>
           </a:p>
         </p:txBody>
       </p:sp>
@@ -843,7 +648,7 @@
           <p:cNvPr id="4" name="Date Placeholder 3">
             <a:extLst>
               <a:ext uri="{FF2B5EF4-FFF2-40B4-BE49-F238E27FC236}">
-                <a16:creationId xmlns:a16="http://schemas.microsoft.com/office/drawing/2014/main" id="{451CDBD2-9147-7C85-4BFE-1DDA158579D1}"/>
+                <a16:creationId xmlns:a16="http://schemas.microsoft.com/office/drawing/2014/main" id="{BD1CC35C-5B7B-C00C-3C61-3F98E323162D}"/>
               </a:ext>
             </a:extLst>
           </p:cNvPr>
@@ -859,11 +664,11 @@
           <a:bodyPr/>
           <a:lstStyle/>
           <a:p>
-            <a:fld id="{521F61A1-E152-4A41-9335-275FF01A2F5B}" type="datetimeFigureOut">
-              <a:rPr lang="en-US" smtClean="0"/>
-              <a:t>11/29/23</a:t>
+            <a:fld id="{B1D0D1D1-B849-0E4E-8830-1466A2D52B65}" type="datetimeFigureOut">
+              <a:rPr lang="es-ES_tradnl" smtClean="0"/>
+              <a:t>29/11/23</a:t>
             </a:fld>
-            <a:endParaRPr lang="en-US"/>
+            <a:endParaRPr lang="es-ES_tradnl"/>
           </a:p>
         </p:txBody>
       </p:sp>
@@ -872,7 +677,7 @@
           <p:cNvPr id="5" name="Footer Placeholder 4">
             <a:extLst>
               <a:ext uri="{FF2B5EF4-FFF2-40B4-BE49-F238E27FC236}">
-                <a16:creationId xmlns:a16="http://schemas.microsoft.com/office/drawing/2014/main" id="{926EE272-FE27-58CE-0AD8-3AB430C29053}"/>
+                <a16:creationId xmlns:a16="http://schemas.microsoft.com/office/drawing/2014/main" id="{522D7977-3294-4882-4894-80293E81CC94}"/>
               </a:ext>
             </a:extLst>
           </p:cNvPr>
@@ -888,7 +693,7 @@
           <a:bodyPr/>
           <a:lstStyle/>
           <a:p>
-            <a:endParaRPr lang="en-US"/>
+            <a:endParaRPr lang="es-ES_tradnl"/>
           </a:p>
         </p:txBody>
       </p:sp>
@@ -897,7 +702,7 @@
           <p:cNvPr id="6" name="Slide Number Placeholder 5">
             <a:extLst>
               <a:ext uri="{FF2B5EF4-FFF2-40B4-BE49-F238E27FC236}">
-                <a16:creationId xmlns:a16="http://schemas.microsoft.com/office/drawing/2014/main" id="{BB342608-01EE-747E-BA85-F1913F5C15D9}"/>
+                <a16:creationId xmlns:a16="http://schemas.microsoft.com/office/drawing/2014/main" id="{CBDD6DC0-AED1-AF1A-1557-EA5E8D479DCA}"/>
               </a:ext>
             </a:extLst>
           </p:cNvPr>
@@ -913,18 +718,18 @@
           <a:bodyPr/>
           <a:lstStyle/>
           <a:p>
-            <a:fld id="{C86C18E9-4DE4-7549-A680-73EFBA2DBFE0}" type="slidenum">
-              <a:rPr lang="en-US" smtClean="0"/>
+            <a:fld id="{B721FB27-E2AF-734E-95A0-74ADA25D2E5C}" type="slidenum">
+              <a:rPr lang="es-ES_tradnl" smtClean="0"/>
               <a:t>‹#›</a:t>
             </a:fld>
-            <a:endParaRPr lang="en-US"/>
+            <a:endParaRPr lang="es-ES_tradnl"/>
           </a:p>
         </p:txBody>
       </p:sp>
     </p:spTree>
     <p:extLst>
       <p:ext uri="{BB962C8B-B14F-4D97-AF65-F5344CB8AC3E}">
-        <p14:creationId xmlns:p14="http://schemas.microsoft.com/office/powerpoint/2010/main" val="3582414820"/>
+        <p14:creationId xmlns:p14="http://schemas.microsoft.com/office/powerpoint/2010/main" val="3679785608"/>
       </p:ext>
     </p:extLst>
   </p:cSld>
@@ -935,7 +740,7 @@
 </file>
 
 <file path=ppt/slideLayouts/slideLayout2.xml><?xml version="1.0" encoding="utf-8"?>
-<p:sldLayout xmlns:a="http://schemas.openxmlformats.org/drawingml/2006/main" xmlns:r="http://schemas.openxmlformats.org/officeDocument/2006/relationships" xmlns:p="http://schemas.openxmlformats.org/presentationml/2006/main" preserve="1" userDrawn="1">
+<p:sldLayout xmlns:a="http://schemas.openxmlformats.org/drawingml/2006/main" xmlns:r="http://schemas.openxmlformats.org/officeDocument/2006/relationships" xmlns:p="http://schemas.openxmlformats.org/presentationml/2006/main" type="obj" preserve="1">
   <p:cSld name="Title and Content">
     <p:spTree>
       <p:nvGrpSpPr>
@@ -956,39 +761,27 @@
           <p:cNvPr id="2" name="Title 1">
             <a:extLst>
               <a:ext uri="{FF2B5EF4-FFF2-40B4-BE49-F238E27FC236}">
-                <a16:creationId xmlns:a16="http://schemas.microsoft.com/office/drawing/2014/main" id="{61ADC5F5-14F3-0D12-9B26-0D0D4412FF50}"/>
-              </a:ext>
-            </a:extLst>
-          </p:cNvPr>
-          <p:cNvSpPr>
-            <a:spLocks noGrp="1"/>
-          </p:cNvSpPr>
-          <p:nvPr>
-            <p:ph type="title" hasCustomPrompt="1"/>
-          </p:nvPr>
-        </p:nvSpPr>
-        <p:spPr>
-          <a:xfrm>
-            <a:off x="1918010" y="136525"/>
-            <a:ext cx="9435790" cy="544513"/>
-          </a:xfrm>
-          <a:prstGeom prst="rect">
-            <a:avLst/>
-          </a:prstGeom>
-        </p:spPr>
-        <p:txBody>
-          <a:bodyPr/>
-          <a:lstStyle/>
-          <a:p>
-            <a:r>
-              <a:rPr lang="es-CO" sz="3200" b="1" dirty="0">
-                <a:solidFill>
-                  <a:sysClr val="windowText" lastClr="000000"/>
-                </a:solidFill>
-              </a:rPr>
-              <a:t>GESTIÓN DEL PROYECTO</a:t>
-            </a:r>
-            <a:endParaRPr lang="en-US" dirty="0"/>
+                <a16:creationId xmlns:a16="http://schemas.microsoft.com/office/drawing/2014/main" id="{28FF95C8-FAC5-C096-F0F7-9235C6BAA4D3}"/>
+              </a:ext>
+            </a:extLst>
+          </p:cNvPr>
+          <p:cNvSpPr>
+            <a:spLocks noGrp="1"/>
+          </p:cNvSpPr>
+          <p:nvPr>
+            <p:ph type="title"/>
+          </p:nvPr>
+        </p:nvSpPr>
+        <p:spPr/>
+        <p:txBody>
+          <a:bodyPr/>
+          <a:lstStyle/>
+          <a:p>
+            <a:r>
+              <a:rPr lang="en-US"/>
+              <a:t>Click to edit Master title style</a:t>
+            </a:r>
+            <a:endParaRPr lang="es-ES_tradnl"/>
           </a:p>
         </p:txBody>
       </p:sp>
@@ -997,7 +790,7 @@
           <p:cNvPr id="3" name="Content Placeholder 2">
             <a:extLst>
               <a:ext uri="{FF2B5EF4-FFF2-40B4-BE49-F238E27FC236}">
-                <a16:creationId xmlns:a16="http://schemas.microsoft.com/office/drawing/2014/main" id="{B1FF7D3E-A41C-CC2F-9F64-74D4ADF46E5F}"/>
+                <a16:creationId xmlns:a16="http://schemas.microsoft.com/office/drawing/2014/main" id="{CEB6827E-2FAC-935D-C318-C00D054BA2DC}"/>
               </a:ext>
             </a:extLst>
           </p:cNvPr>
@@ -1046,6 +839,7 @@
               <a:rPr lang="en-US"/>
               <a:t>Fifth level</a:t>
             </a:r>
+            <a:endParaRPr lang="es-ES_tradnl"/>
           </a:p>
         </p:txBody>
       </p:sp>
@@ -1054,7 +848,7 @@
           <p:cNvPr id="4" name="Date Placeholder 3">
             <a:extLst>
               <a:ext uri="{FF2B5EF4-FFF2-40B4-BE49-F238E27FC236}">
-                <a16:creationId xmlns:a16="http://schemas.microsoft.com/office/drawing/2014/main" id="{F91ECC61-6929-EBC1-DBF6-5A29F081939F}"/>
+                <a16:creationId xmlns:a16="http://schemas.microsoft.com/office/drawing/2014/main" id="{7116B923-6147-37CD-4229-27E5201CCEFE}"/>
               </a:ext>
             </a:extLst>
           </p:cNvPr>
@@ -1070,11 +864,11 @@
           <a:bodyPr/>
           <a:lstStyle/>
           <a:p>
-            <a:fld id="{521F61A1-E152-4A41-9335-275FF01A2F5B}" type="datetimeFigureOut">
-              <a:rPr lang="en-US" smtClean="0"/>
-              <a:t>11/29/23</a:t>
+            <a:fld id="{B1D0D1D1-B849-0E4E-8830-1466A2D52B65}" type="datetimeFigureOut">
+              <a:rPr lang="es-ES_tradnl" smtClean="0"/>
+              <a:t>29/11/23</a:t>
             </a:fld>
-            <a:endParaRPr lang="en-US"/>
+            <a:endParaRPr lang="es-ES_tradnl"/>
           </a:p>
         </p:txBody>
       </p:sp>
@@ -1083,7 +877,7 @@
           <p:cNvPr id="5" name="Footer Placeholder 4">
             <a:extLst>
               <a:ext uri="{FF2B5EF4-FFF2-40B4-BE49-F238E27FC236}">
-                <a16:creationId xmlns:a16="http://schemas.microsoft.com/office/drawing/2014/main" id="{F9F582F2-CE45-6C2F-8722-A0A1C5440621}"/>
+                <a16:creationId xmlns:a16="http://schemas.microsoft.com/office/drawing/2014/main" id="{1FA7FB9A-3778-F9F1-E3DB-2932FB826037}"/>
               </a:ext>
             </a:extLst>
           </p:cNvPr>
@@ -1099,7 +893,7 @@
           <a:bodyPr/>
           <a:lstStyle/>
           <a:p>
-            <a:endParaRPr lang="en-US"/>
+            <a:endParaRPr lang="es-ES_tradnl"/>
           </a:p>
         </p:txBody>
       </p:sp>
@@ -1108,7 +902,7 @@
           <p:cNvPr id="6" name="Slide Number Placeholder 5">
             <a:extLst>
               <a:ext uri="{FF2B5EF4-FFF2-40B4-BE49-F238E27FC236}">
-                <a16:creationId xmlns:a16="http://schemas.microsoft.com/office/drawing/2014/main" id="{3DC9342E-BD4E-3707-28EA-8E8B80ADE7E9}"/>
+                <a16:creationId xmlns:a16="http://schemas.microsoft.com/office/drawing/2014/main" id="{E5A80004-CA6A-831B-38FE-A17D86389EC2}"/>
               </a:ext>
             </a:extLst>
           </p:cNvPr>
@@ -1124,18 +918,18 @@
           <a:bodyPr/>
           <a:lstStyle/>
           <a:p>
-            <a:fld id="{C86C18E9-4DE4-7549-A680-73EFBA2DBFE0}" type="slidenum">
-              <a:rPr lang="en-US" smtClean="0"/>
+            <a:fld id="{B721FB27-E2AF-734E-95A0-74ADA25D2E5C}" type="slidenum">
+              <a:rPr lang="es-ES_tradnl" smtClean="0"/>
               <a:t>‹#›</a:t>
             </a:fld>
-            <a:endParaRPr lang="en-US"/>
+            <a:endParaRPr lang="es-ES_tradnl"/>
           </a:p>
         </p:txBody>
       </p:sp>
     </p:spTree>
     <p:extLst>
       <p:ext uri="{BB962C8B-B14F-4D97-AF65-F5344CB8AC3E}">
-        <p14:creationId xmlns:p14="http://schemas.microsoft.com/office/powerpoint/2010/main" val="2312827831"/>
+        <p14:creationId xmlns:p14="http://schemas.microsoft.com/office/powerpoint/2010/main" val="2242822869"/>
       </p:ext>
     </p:extLst>
   </p:cSld>
@@ -1167,7 +961,7 @@
           <p:cNvPr id="2" name="Title 1">
             <a:extLst>
               <a:ext uri="{FF2B5EF4-FFF2-40B4-BE49-F238E27FC236}">
-                <a16:creationId xmlns:a16="http://schemas.microsoft.com/office/drawing/2014/main" id="{E74FBE29-4C2D-7AAB-6ACE-2D013EAC6403}"/>
+                <a16:creationId xmlns:a16="http://schemas.microsoft.com/office/drawing/2014/main" id="{6D0EF1AF-749A-441C-A6E5-82B73DEE1069}"/>
               </a:ext>
             </a:extLst>
           </p:cNvPr>
@@ -1183,9 +977,6 @@
             <a:off x="831850" y="1709738"/>
             <a:ext cx="10515600" cy="2852737"/>
           </a:xfrm>
-          <a:prstGeom prst="rect">
-            <a:avLst/>
-          </a:prstGeom>
         </p:spPr>
         <p:txBody>
           <a:bodyPr anchor="b"/>
@@ -1199,6 +990,7 @@
               <a:rPr lang="en-US"/>
               <a:t>Click to edit Master title style</a:t>
             </a:r>
+            <a:endParaRPr lang="es-ES_tradnl"/>
           </a:p>
         </p:txBody>
       </p:sp>
@@ -1207,7 +999,7 @@
           <p:cNvPr id="3" name="Text Placeholder 2">
             <a:extLst>
               <a:ext uri="{FF2B5EF4-FFF2-40B4-BE49-F238E27FC236}">
-                <a16:creationId xmlns:a16="http://schemas.microsoft.com/office/drawing/2014/main" id="{BFA9F92F-37A5-3151-A3A5-D9FF31A74187}"/>
+                <a16:creationId xmlns:a16="http://schemas.microsoft.com/office/drawing/2014/main" id="{16BD45F8-9AFD-C6BB-DA34-EBB651D741C8}"/>
               </a:ext>
             </a:extLst>
           </p:cNvPr>
@@ -1332,7 +1124,7 @@
           <p:cNvPr id="4" name="Date Placeholder 3">
             <a:extLst>
               <a:ext uri="{FF2B5EF4-FFF2-40B4-BE49-F238E27FC236}">
-                <a16:creationId xmlns:a16="http://schemas.microsoft.com/office/drawing/2014/main" id="{DD332A5B-908E-21D3-60F4-D58B4C91B4DD}"/>
+                <a16:creationId xmlns:a16="http://schemas.microsoft.com/office/drawing/2014/main" id="{997C38CF-2FD1-23A2-DB4F-9F71E556D369}"/>
               </a:ext>
             </a:extLst>
           </p:cNvPr>
@@ -1348,11 +1140,11 @@
           <a:bodyPr/>
           <a:lstStyle/>
           <a:p>
-            <a:fld id="{521F61A1-E152-4A41-9335-275FF01A2F5B}" type="datetimeFigureOut">
-              <a:rPr lang="en-US" smtClean="0"/>
-              <a:t>11/29/23</a:t>
+            <a:fld id="{B1D0D1D1-B849-0E4E-8830-1466A2D52B65}" type="datetimeFigureOut">
+              <a:rPr lang="es-ES_tradnl" smtClean="0"/>
+              <a:t>29/11/23</a:t>
             </a:fld>
-            <a:endParaRPr lang="en-US"/>
+            <a:endParaRPr lang="es-ES_tradnl"/>
           </a:p>
         </p:txBody>
       </p:sp>
@@ -1361,7 +1153,7 @@
           <p:cNvPr id="5" name="Footer Placeholder 4">
             <a:extLst>
               <a:ext uri="{FF2B5EF4-FFF2-40B4-BE49-F238E27FC236}">
-                <a16:creationId xmlns:a16="http://schemas.microsoft.com/office/drawing/2014/main" id="{7C873C71-D7AF-971A-0D9C-4650CF98CCE0}"/>
+                <a16:creationId xmlns:a16="http://schemas.microsoft.com/office/drawing/2014/main" id="{56FC1892-8874-C596-2426-67CF73E48A2D}"/>
               </a:ext>
             </a:extLst>
           </p:cNvPr>
@@ -1377,7 +1169,7 @@
           <a:bodyPr/>
           <a:lstStyle/>
           <a:p>
-            <a:endParaRPr lang="en-US"/>
+            <a:endParaRPr lang="es-ES_tradnl"/>
           </a:p>
         </p:txBody>
       </p:sp>
@@ -1386,7 +1178,7 @@
           <p:cNvPr id="6" name="Slide Number Placeholder 5">
             <a:extLst>
               <a:ext uri="{FF2B5EF4-FFF2-40B4-BE49-F238E27FC236}">
-                <a16:creationId xmlns:a16="http://schemas.microsoft.com/office/drawing/2014/main" id="{5A3CBA31-592C-015C-B42B-BFE3AD3EB8B2}"/>
+                <a16:creationId xmlns:a16="http://schemas.microsoft.com/office/drawing/2014/main" id="{725B12FB-A5FB-A4A5-A143-7AD74DCE618C}"/>
               </a:ext>
             </a:extLst>
           </p:cNvPr>
@@ -1402,18 +1194,18 @@
           <a:bodyPr/>
           <a:lstStyle/>
           <a:p>
-            <a:fld id="{C86C18E9-4DE4-7549-A680-73EFBA2DBFE0}" type="slidenum">
-              <a:rPr lang="en-US" smtClean="0"/>
+            <a:fld id="{B721FB27-E2AF-734E-95A0-74ADA25D2E5C}" type="slidenum">
+              <a:rPr lang="es-ES_tradnl" smtClean="0"/>
               <a:t>‹#›</a:t>
             </a:fld>
-            <a:endParaRPr lang="en-US"/>
+            <a:endParaRPr lang="es-ES_tradnl"/>
           </a:p>
         </p:txBody>
       </p:sp>
     </p:spTree>
     <p:extLst>
       <p:ext uri="{BB962C8B-B14F-4D97-AF65-F5344CB8AC3E}">
-        <p14:creationId xmlns:p14="http://schemas.microsoft.com/office/powerpoint/2010/main" val="737888786"/>
+        <p14:creationId xmlns:p14="http://schemas.microsoft.com/office/powerpoint/2010/main" val="3500442995"/>
       </p:ext>
     </p:extLst>
   </p:cSld>
@@ -1424,7 +1216,7 @@
 </file>
 
 <file path=ppt/slideLayouts/slideLayout4.xml><?xml version="1.0" encoding="utf-8"?>
-<p:sldLayout xmlns:a="http://schemas.openxmlformats.org/drawingml/2006/main" xmlns:r="http://schemas.openxmlformats.org/officeDocument/2006/relationships" xmlns:p="http://schemas.openxmlformats.org/presentationml/2006/main" preserve="1" userDrawn="1">
+<p:sldLayout xmlns:a="http://schemas.openxmlformats.org/drawingml/2006/main" xmlns:r="http://schemas.openxmlformats.org/officeDocument/2006/relationships" xmlns:p="http://schemas.openxmlformats.org/presentationml/2006/main" type="twoObj" preserve="1">
   <p:cSld name="Two Content">
     <p:spTree>
       <p:nvGrpSpPr>
@@ -1445,45 +1237,33 @@
           <p:cNvPr id="2" name="Title 1">
             <a:extLst>
               <a:ext uri="{FF2B5EF4-FFF2-40B4-BE49-F238E27FC236}">
-                <a16:creationId xmlns:a16="http://schemas.microsoft.com/office/drawing/2014/main" id="{C3CB3866-5705-B61D-51CB-5041E55BBBD9}"/>
-              </a:ext>
-            </a:extLst>
-          </p:cNvPr>
-          <p:cNvSpPr>
-            <a:spLocks noGrp="1"/>
-          </p:cNvSpPr>
-          <p:nvPr>
-            <p:ph type="title" hasCustomPrompt="1"/>
-          </p:nvPr>
-        </p:nvSpPr>
-        <p:spPr>
-          <a:xfrm>
-            <a:off x="203200" y="136525"/>
-            <a:ext cx="11664122" cy="544513"/>
-          </a:xfrm>
-          <a:prstGeom prst="rect">
-            <a:avLst/>
-          </a:prstGeom>
-        </p:spPr>
+                <a16:creationId xmlns:a16="http://schemas.microsoft.com/office/drawing/2014/main" id="{031ABDF3-40B0-9FFD-785D-6EE24EA30E17}"/>
+              </a:ext>
+            </a:extLst>
+          </p:cNvPr>
+          <p:cNvSpPr>
+            <a:spLocks noGrp="1"/>
+          </p:cNvSpPr>
+          <p:nvPr>
+            <p:ph type="title"/>
+          </p:nvPr>
+        </p:nvSpPr>
+        <p:spPr/>
         <p:txBody>
           <a:bodyPr>
             <a:normAutofit/>
           </a:bodyPr>
           <a:lstStyle>
             <a:lvl1pPr>
-              <a:defRPr sz="2400"/>
+              <a:defRPr sz="2800"/>
             </a:lvl1pPr>
           </a:lstStyle>
           <a:p>
             <a:r>
-              <a:rPr lang="es-CO" sz="3200" b="1" dirty="0">
-                <a:solidFill>
-                  <a:sysClr val="windowText" lastClr="000000"/>
-                </a:solidFill>
-              </a:rPr>
-              <a:t>GESTIÓN DEL PROYECTO</a:t>
-            </a:r>
-            <a:endParaRPr lang="en-US" dirty="0"/>
+              <a:rPr lang="en-US"/>
+              <a:t>Click to edit Master title style</a:t>
+            </a:r>
+            <a:endParaRPr lang="es-ES_tradnl"/>
           </a:p>
         </p:txBody>
       </p:sp>
@@ -1492,7 +1272,7 @@
           <p:cNvPr id="3" name="Content Placeholder 2">
             <a:extLst>
               <a:ext uri="{FF2B5EF4-FFF2-40B4-BE49-F238E27FC236}">
-                <a16:creationId xmlns:a16="http://schemas.microsoft.com/office/drawing/2014/main" id="{81B8B7FE-8A5B-8415-89A4-40F055D4CFFD}"/>
+                <a16:creationId xmlns:a16="http://schemas.microsoft.com/office/drawing/2014/main" id="{225B9B42-F4CD-335E-A027-A49C9670E89C}"/>
               </a:ext>
             </a:extLst>
           </p:cNvPr>
@@ -1505,8 +1285,8 @@
         </p:nvSpPr>
         <p:spPr>
           <a:xfrm>
-            <a:off x="203200" y="1825625"/>
-            <a:ext cx="7406640" cy="4351338"/>
+            <a:off x="838200" y="1825625"/>
+            <a:ext cx="5181600" cy="4351338"/>
           </a:xfrm>
         </p:spPr>
         <p:txBody>
@@ -1515,37 +1295,38 @@
           <a:p>
             <a:pPr lvl="0"/>
             <a:r>
-              <a:rPr lang="en-US" dirty="0"/>
+              <a:rPr lang="en-US"/>
               <a:t>Click to edit Master text styles</a:t>
             </a:r>
           </a:p>
           <a:p>
             <a:pPr lvl="1"/>
             <a:r>
-              <a:rPr lang="en-US" dirty="0"/>
+              <a:rPr lang="en-US"/>
               <a:t>Second level</a:t>
             </a:r>
           </a:p>
           <a:p>
             <a:pPr lvl="2"/>
             <a:r>
-              <a:rPr lang="en-US" dirty="0"/>
+              <a:rPr lang="en-US"/>
               <a:t>Third level</a:t>
             </a:r>
           </a:p>
           <a:p>
             <a:pPr lvl="3"/>
             <a:r>
-              <a:rPr lang="en-US" dirty="0"/>
+              <a:rPr lang="en-US"/>
               <a:t>Fourth level</a:t>
             </a:r>
           </a:p>
           <a:p>
             <a:pPr lvl="4"/>
             <a:r>
-              <a:rPr lang="en-US" dirty="0"/>
+              <a:rPr lang="en-US"/>
               <a:t>Fifth level</a:t>
             </a:r>
+            <a:endParaRPr lang="es-ES_tradnl"/>
           </a:p>
         </p:txBody>
       </p:sp>
@@ -1554,7 +1335,7 @@
           <p:cNvPr id="4" name="Content Placeholder 3">
             <a:extLst>
               <a:ext uri="{FF2B5EF4-FFF2-40B4-BE49-F238E27FC236}">
-                <a16:creationId xmlns:a16="http://schemas.microsoft.com/office/drawing/2014/main" id="{0878F77F-FF66-F251-EAC2-F9D7B60D34D6}"/>
+                <a16:creationId xmlns:a16="http://schemas.microsoft.com/office/drawing/2014/main" id="{C261DBA9-0B0C-4FAA-DEB6-7E988D31A3EC}"/>
               </a:ext>
             </a:extLst>
           </p:cNvPr>
@@ -1567,65 +1348,48 @@
         </p:nvSpPr>
         <p:spPr>
           <a:xfrm>
-            <a:off x="7609840" y="1825625"/>
-            <a:ext cx="3743960" cy="4351338"/>
+            <a:off x="6172200" y="1825625"/>
+            <a:ext cx="5181600" cy="4351338"/>
           </a:xfrm>
         </p:spPr>
         <p:txBody>
-          <a:bodyPr>
-            <a:normAutofit/>
-          </a:bodyPr>
-          <a:lstStyle>
-            <a:lvl1pPr>
-              <a:defRPr sz="1400"/>
-            </a:lvl1pPr>
-            <a:lvl2pPr>
-              <a:defRPr sz="1400"/>
-            </a:lvl2pPr>
-            <a:lvl3pPr>
-              <a:defRPr sz="1400"/>
-            </a:lvl3pPr>
-            <a:lvl4pPr>
-              <a:defRPr sz="1400"/>
-            </a:lvl4pPr>
-            <a:lvl5pPr>
-              <a:defRPr sz="1400"/>
-            </a:lvl5pPr>
-          </a:lstStyle>
+          <a:bodyPr/>
+          <a:lstStyle/>
           <a:p>
             <a:pPr lvl="0"/>
             <a:r>
-              <a:rPr lang="en-US" dirty="0"/>
+              <a:rPr lang="en-US"/>
               <a:t>Click to edit Master text styles</a:t>
             </a:r>
           </a:p>
           <a:p>
             <a:pPr lvl="1"/>
             <a:r>
-              <a:rPr lang="en-US" dirty="0"/>
+              <a:rPr lang="en-US"/>
               <a:t>Second level</a:t>
             </a:r>
           </a:p>
           <a:p>
             <a:pPr lvl="2"/>
             <a:r>
-              <a:rPr lang="en-US" dirty="0"/>
+              <a:rPr lang="en-US"/>
               <a:t>Third level</a:t>
             </a:r>
           </a:p>
           <a:p>
             <a:pPr lvl="3"/>
             <a:r>
-              <a:rPr lang="en-US" dirty="0"/>
+              <a:rPr lang="en-US"/>
               <a:t>Fourth level</a:t>
             </a:r>
           </a:p>
           <a:p>
             <a:pPr lvl="4"/>
             <a:r>
-              <a:rPr lang="en-US" dirty="0"/>
+              <a:rPr lang="en-US"/>
               <a:t>Fifth level</a:t>
             </a:r>
+            <a:endParaRPr lang="es-ES_tradnl"/>
           </a:p>
         </p:txBody>
       </p:sp>
@@ -1634,7 +1398,7 @@
           <p:cNvPr id="5" name="Date Placeholder 4">
             <a:extLst>
               <a:ext uri="{FF2B5EF4-FFF2-40B4-BE49-F238E27FC236}">
-                <a16:creationId xmlns:a16="http://schemas.microsoft.com/office/drawing/2014/main" id="{2D9A5B4E-102B-7943-127C-1B5E42A92933}"/>
+                <a16:creationId xmlns:a16="http://schemas.microsoft.com/office/drawing/2014/main" id="{88F326DD-C5A5-30DC-B25A-A55BD443BC4F}"/>
               </a:ext>
             </a:extLst>
           </p:cNvPr>
@@ -1650,11 +1414,11 @@
           <a:bodyPr/>
           <a:lstStyle/>
           <a:p>
-            <a:fld id="{521F61A1-E152-4A41-9335-275FF01A2F5B}" type="datetimeFigureOut">
-              <a:rPr lang="en-US" smtClean="0"/>
-              <a:t>11/29/23</a:t>
+            <a:fld id="{B1D0D1D1-B849-0E4E-8830-1466A2D52B65}" type="datetimeFigureOut">
+              <a:rPr lang="es-ES_tradnl" smtClean="0"/>
+              <a:t>29/11/23</a:t>
             </a:fld>
-            <a:endParaRPr lang="en-US"/>
+            <a:endParaRPr lang="es-ES_tradnl"/>
           </a:p>
         </p:txBody>
       </p:sp>
@@ -1663,7 +1427,7 @@
           <p:cNvPr id="6" name="Footer Placeholder 5">
             <a:extLst>
               <a:ext uri="{FF2B5EF4-FFF2-40B4-BE49-F238E27FC236}">
-                <a16:creationId xmlns:a16="http://schemas.microsoft.com/office/drawing/2014/main" id="{E4FBA9D1-E526-E64F-8A1E-2232C3A34F13}"/>
+                <a16:creationId xmlns:a16="http://schemas.microsoft.com/office/drawing/2014/main" id="{9575FF1F-0D0F-2B5C-D55F-0D0994137D1D}"/>
               </a:ext>
             </a:extLst>
           </p:cNvPr>
@@ -1679,7 +1443,7 @@
           <a:bodyPr/>
           <a:lstStyle/>
           <a:p>
-            <a:endParaRPr lang="en-US"/>
+            <a:endParaRPr lang="es-ES_tradnl"/>
           </a:p>
         </p:txBody>
       </p:sp>
@@ -1688,7 +1452,7 @@
           <p:cNvPr id="7" name="Slide Number Placeholder 6">
             <a:extLst>
               <a:ext uri="{FF2B5EF4-FFF2-40B4-BE49-F238E27FC236}">
-                <a16:creationId xmlns:a16="http://schemas.microsoft.com/office/drawing/2014/main" id="{FC1994CD-B34E-129B-E495-9BB94CB2C299}"/>
+                <a16:creationId xmlns:a16="http://schemas.microsoft.com/office/drawing/2014/main" id="{354A9E24-DF66-697E-1805-5DB6C78FA774}"/>
               </a:ext>
             </a:extLst>
           </p:cNvPr>
@@ -1704,18 +1468,18 @@
           <a:bodyPr/>
           <a:lstStyle/>
           <a:p>
-            <a:fld id="{C86C18E9-4DE4-7549-A680-73EFBA2DBFE0}" type="slidenum">
-              <a:rPr lang="en-US" smtClean="0"/>
+            <a:fld id="{B721FB27-E2AF-734E-95A0-74ADA25D2E5C}" type="slidenum">
+              <a:rPr lang="es-ES_tradnl" smtClean="0"/>
               <a:t>‹#›</a:t>
             </a:fld>
-            <a:endParaRPr lang="en-US"/>
+            <a:endParaRPr lang="es-ES_tradnl"/>
           </a:p>
         </p:txBody>
       </p:sp>
     </p:spTree>
     <p:extLst>
       <p:ext uri="{BB962C8B-B14F-4D97-AF65-F5344CB8AC3E}">
-        <p14:creationId xmlns:p14="http://schemas.microsoft.com/office/powerpoint/2010/main" val="3714754813"/>
+        <p14:creationId xmlns:p14="http://schemas.microsoft.com/office/powerpoint/2010/main" val="1002809041"/>
       </p:ext>
     </p:extLst>
   </p:cSld>
@@ -1726,7 +1490,7 @@
 </file>
 
 <file path=ppt/slideLayouts/slideLayout5.xml><?xml version="1.0" encoding="utf-8"?>
-<p:sldLayout xmlns:a="http://schemas.openxmlformats.org/drawingml/2006/main" xmlns:r="http://schemas.openxmlformats.org/officeDocument/2006/relationships" xmlns:p="http://schemas.openxmlformats.org/presentationml/2006/main" preserve="1" userDrawn="1">
+<p:sldLayout xmlns:a="http://schemas.openxmlformats.org/drawingml/2006/main" xmlns:r="http://schemas.openxmlformats.org/officeDocument/2006/relationships" xmlns:p="http://schemas.openxmlformats.org/presentationml/2006/main" type="twoTxTwoObj" preserve="1">
   <p:cSld name="Comparison">
     <p:spTree>
       <p:nvGrpSpPr>
@@ -1747,39 +1511,32 @@
           <p:cNvPr id="2" name="Title 1">
             <a:extLst>
               <a:ext uri="{FF2B5EF4-FFF2-40B4-BE49-F238E27FC236}">
-                <a16:creationId xmlns:a16="http://schemas.microsoft.com/office/drawing/2014/main" id="{CBED99A6-95A2-E0BB-1AE3-A7E450B8968A}"/>
-              </a:ext>
-            </a:extLst>
-          </p:cNvPr>
-          <p:cNvSpPr>
-            <a:spLocks noGrp="1"/>
-          </p:cNvSpPr>
-          <p:nvPr>
-            <p:ph type="title" hasCustomPrompt="1"/>
+                <a16:creationId xmlns:a16="http://schemas.microsoft.com/office/drawing/2014/main" id="{2F8317D3-F2AA-EA19-6A41-87AF1EEF8AA5}"/>
+              </a:ext>
+            </a:extLst>
+          </p:cNvPr>
+          <p:cNvSpPr>
+            <a:spLocks noGrp="1"/>
+          </p:cNvSpPr>
+          <p:nvPr>
+            <p:ph type="title"/>
           </p:nvPr>
         </p:nvSpPr>
         <p:spPr>
           <a:xfrm>
-            <a:off x="1962614" y="136525"/>
-            <a:ext cx="9392773" cy="593725"/>
+            <a:off x="839788" y="365125"/>
+            <a:ext cx="10515600" cy="1325563"/>
           </a:xfrm>
-          <a:prstGeom prst="rect">
-            <a:avLst/>
-          </a:prstGeom>
         </p:spPr>
         <p:txBody>
           <a:bodyPr/>
           <a:lstStyle/>
           <a:p>
             <a:r>
-              <a:rPr lang="es-CO" sz="3200" b="1" dirty="0">
-                <a:solidFill>
-                  <a:sysClr val="windowText" lastClr="000000"/>
-                </a:solidFill>
-              </a:rPr>
-              <a:t>GESTIÓN DEL PROYECTO</a:t>
-            </a:r>
-            <a:endParaRPr lang="en-US" dirty="0"/>
+              <a:rPr lang="en-US"/>
+              <a:t>Click to edit Master title style</a:t>
+            </a:r>
+            <a:endParaRPr lang="es-ES_tradnl"/>
           </a:p>
         </p:txBody>
       </p:sp>
@@ -1788,7 +1545,7 @@
           <p:cNvPr id="3" name="Text Placeholder 2">
             <a:extLst>
               <a:ext uri="{FF2B5EF4-FFF2-40B4-BE49-F238E27FC236}">
-                <a16:creationId xmlns:a16="http://schemas.microsoft.com/office/drawing/2014/main" id="{9E69C782-8C52-87E9-A8B6-2096548EEE67}"/>
+                <a16:creationId xmlns:a16="http://schemas.microsoft.com/office/drawing/2014/main" id="{AB14B588-A5F8-FB18-CB62-CF7EE8EECD90}"/>
               </a:ext>
             </a:extLst>
           </p:cNvPr>
@@ -1859,7 +1616,7 @@
           <p:cNvPr id="4" name="Content Placeholder 3">
             <a:extLst>
               <a:ext uri="{FF2B5EF4-FFF2-40B4-BE49-F238E27FC236}">
-                <a16:creationId xmlns:a16="http://schemas.microsoft.com/office/drawing/2014/main" id="{B466C046-A6AC-104D-61A0-C92519F8644F}"/>
+                <a16:creationId xmlns:a16="http://schemas.microsoft.com/office/drawing/2014/main" id="{32FD259B-B206-3404-7552-0E9ACB0B9D0E}"/>
               </a:ext>
             </a:extLst>
           </p:cNvPr>
@@ -1882,37 +1639,38 @@
           <a:p>
             <a:pPr lvl="0"/>
             <a:r>
-              <a:rPr lang="en-US" dirty="0"/>
+              <a:rPr lang="en-US"/>
               <a:t>Click to edit Master text styles</a:t>
             </a:r>
           </a:p>
           <a:p>
             <a:pPr lvl="1"/>
             <a:r>
-              <a:rPr lang="en-US" dirty="0"/>
+              <a:rPr lang="en-US"/>
               <a:t>Second level</a:t>
             </a:r>
           </a:p>
           <a:p>
             <a:pPr lvl="2"/>
             <a:r>
-              <a:rPr lang="en-US" dirty="0"/>
+              <a:rPr lang="en-US"/>
               <a:t>Third level</a:t>
             </a:r>
           </a:p>
           <a:p>
             <a:pPr lvl="3"/>
             <a:r>
-              <a:rPr lang="en-US" dirty="0"/>
+              <a:rPr lang="en-US"/>
               <a:t>Fourth level</a:t>
             </a:r>
           </a:p>
           <a:p>
             <a:pPr lvl="4"/>
             <a:r>
-              <a:rPr lang="en-US" dirty="0"/>
+              <a:rPr lang="en-US"/>
               <a:t>Fifth level</a:t>
             </a:r>
+            <a:endParaRPr lang="es-ES_tradnl"/>
           </a:p>
         </p:txBody>
       </p:sp>
@@ -1921,7 +1679,7 @@
           <p:cNvPr id="5" name="Text Placeholder 4">
             <a:extLst>
               <a:ext uri="{FF2B5EF4-FFF2-40B4-BE49-F238E27FC236}">
-                <a16:creationId xmlns:a16="http://schemas.microsoft.com/office/drawing/2014/main" id="{D218D877-C077-48CF-E223-A03CB997F889}"/>
+                <a16:creationId xmlns:a16="http://schemas.microsoft.com/office/drawing/2014/main" id="{9F64B129-3FBB-ACE2-3D7C-09BBD4712BB3}"/>
               </a:ext>
             </a:extLst>
           </p:cNvPr>
@@ -1992,7 +1750,7 @@
           <p:cNvPr id="6" name="Content Placeholder 5">
             <a:extLst>
               <a:ext uri="{FF2B5EF4-FFF2-40B4-BE49-F238E27FC236}">
-                <a16:creationId xmlns:a16="http://schemas.microsoft.com/office/drawing/2014/main" id="{9E70A395-F125-3253-1027-1C90D4E51BB6}"/>
+                <a16:creationId xmlns:a16="http://schemas.microsoft.com/office/drawing/2014/main" id="{0DF758BE-7537-0896-E584-C2619D9EFAD8}"/>
               </a:ext>
             </a:extLst>
           </p:cNvPr>
@@ -2046,6 +1804,7 @@
               <a:rPr lang="en-US"/>
               <a:t>Fifth level</a:t>
             </a:r>
+            <a:endParaRPr lang="es-ES_tradnl"/>
           </a:p>
         </p:txBody>
       </p:sp>
@@ -2054,7 +1813,7 @@
           <p:cNvPr id="7" name="Date Placeholder 6">
             <a:extLst>
               <a:ext uri="{FF2B5EF4-FFF2-40B4-BE49-F238E27FC236}">
-                <a16:creationId xmlns:a16="http://schemas.microsoft.com/office/drawing/2014/main" id="{2CD109C0-780A-8DFC-2DA1-A5110A5768EA}"/>
+                <a16:creationId xmlns:a16="http://schemas.microsoft.com/office/drawing/2014/main" id="{2BB1CDF9-CFA7-46F0-2F71-4D58612EF857}"/>
               </a:ext>
             </a:extLst>
           </p:cNvPr>
@@ -2070,11 +1829,11 @@
           <a:bodyPr/>
           <a:lstStyle/>
           <a:p>
-            <a:fld id="{521F61A1-E152-4A41-9335-275FF01A2F5B}" type="datetimeFigureOut">
-              <a:rPr lang="en-US" smtClean="0"/>
-              <a:t>11/29/23</a:t>
+            <a:fld id="{B1D0D1D1-B849-0E4E-8830-1466A2D52B65}" type="datetimeFigureOut">
+              <a:rPr lang="es-ES_tradnl" smtClean="0"/>
+              <a:t>29/11/23</a:t>
             </a:fld>
-            <a:endParaRPr lang="en-US"/>
+            <a:endParaRPr lang="es-ES_tradnl"/>
           </a:p>
         </p:txBody>
       </p:sp>
@@ -2083,7 +1842,7 @@
           <p:cNvPr id="8" name="Footer Placeholder 7">
             <a:extLst>
               <a:ext uri="{FF2B5EF4-FFF2-40B4-BE49-F238E27FC236}">
-                <a16:creationId xmlns:a16="http://schemas.microsoft.com/office/drawing/2014/main" id="{50A9B83F-0A24-2BDF-AEEE-98D94FAF1E09}"/>
+                <a16:creationId xmlns:a16="http://schemas.microsoft.com/office/drawing/2014/main" id="{8EAB4C7F-6B13-CAB9-950D-A59D58BA4286}"/>
               </a:ext>
             </a:extLst>
           </p:cNvPr>
@@ -2099,7 +1858,7 @@
           <a:bodyPr/>
           <a:lstStyle/>
           <a:p>
-            <a:endParaRPr lang="en-US"/>
+            <a:endParaRPr lang="es-ES_tradnl"/>
           </a:p>
         </p:txBody>
       </p:sp>
@@ -2108,7 +1867,7 @@
           <p:cNvPr id="9" name="Slide Number Placeholder 8">
             <a:extLst>
               <a:ext uri="{FF2B5EF4-FFF2-40B4-BE49-F238E27FC236}">
-                <a16:creationId xmlns:a16="http://schemas.microsoft.com/office/drawing/2014/main" id="{DD5F4CD1-7404-E085-C5C5-5DE6BEB99027}"/>
+                <a16:creationId xmlns:a16="http://schemas.microsoft.com/office/drawing/2014/main" id="{CCC531E9-E8C6-0BC5-5E5E-1EDF3BC5CE3E}"/>
               </a:ext>
             </a:extLst>
           </p:cNvPr>
@@ -2124,18 +1883,18 @@
           <a:bodyPr/>
           <a:lstStyle/>
           <a:p>
-            <a:fld id="{C86C18E9-4DE4-7549-A680-73EFBA2DBFE0}" type="slidenum">
-              <a:rPr lang="en-US" smtClean="0"/>
+            <a:fld id="{B721FB27-E2AF-734E-95A0-74ADA25D2E5C}" type="slidenum">
+              <a:rPr lang="es-ES_tradnl" smtClean="0"/>
               <a:t>‹#›</a:t>
             </a:fld>
-            <a:endParaRPr lang="en-US"/>
+            <a:endParaRPr lang="es-ES_tradnl"/>
           </a:p>
         </p:txBody>
       </p:sp>
     </p:spTree>
     <p:extLst>
       <p:ext uri="{BB962C8B-B14F-4D97-AF65-F5344CB8AC3E}">
-        <p14:creationId xmlns:p14="http://schemas.microsoft.com/office/powerpoint/2010/main" val="989089785"/>
+        <p14:creationId xmlns:p14="http://schemas.microsoft.com/office/powerpoint/2010/main" val="2548480994"/>
       </p:ext>
     </p:extLst>
   </p:cSld>
@@ -2146,7 +1905,7 @@
 </file>
 
 <file path=ppt/slideLayouts/slideLayout6.xml><?xml version="1.0" encoding="utf-8"?>
-<p:sldLayout xmlns:a="http://schemas.openxmlformats.org/drawingml/2006/main" xmlns:r="http://schemas.openxmlformats.org/officeDocument/2006/relationships" xmlns:p="http://schemas.openxmlformats.org/presentationml/2006/main" preserve="1" userDrawn="1">
+<p:sldLayout xmlns:a="http://schemas.openxmlformats.org/drawingml/2006/main" xmlns:r="http://schemas.openxmlformats.org/officeDocument/2006/relationships" xmlns:p="http://schemas.openxmlformats.org/presentationml/2006/main" type="titleOnly" preserve="1">
   <p:cSld name="Title Only">
     <p:spTree>
       <p:nvGrpSpPr>
@@ -2167,39 +1926,27 @@
           <p:cNvPr id="2" name="Title 1">
             <a:extLst>
               <a:ext uri="{FF2B5EF4-FFF2-40B4-BE49-F238E27FC236}">
-                <a16:creationId xmlns:a16="http://schemas.microsoft.com/office/drawing/2014/main" id="{4CEFCBAE-9F98-0D97-6FCC-293A662C4756}"/>
-              </a:ext>
-            </a:extLst>
-          </p:cNvPr>
-          <p:cNvSpPr>
-            <a:spLocks noGrp="1"/>
-          </p:cNvSpPr>
-          <p:nvPr>
-            <p:ph type="title" hasCustomPrompt="1"/>
-          </p:nvPr>
-        </p:nvSpPr>
-        <p:spPr>
-          <a:xfrm>
-            <a:off x="1918010" y="136525"/>
-            <a:ext cx="9435790" cy="593725"/>
-          </a:xfrm>
-          <a:prstGeom prst="rect">
-            <a:avLst/>
-          </a:prstGeom>
-        </p:spPr>
-        <p:txBody>
-          <a:bodyPr/>
-          <a:lstStyle/>
-          <a:p>
-            <a:r>
-              <a:rPr lang="es-CO" sz="3200" b="1" dirty="0">
-                <a:solidFill>
-                  <a:sysClr val="windowText" lastClr="000000"/>
-                </a:solidFill>
-              </a:rPr>
-              <a:t>GESTIÓN DEL PROYECTO</a:t>
-            </a:r>
-            <a:endParaRPr lang="en-US" dirty="0"/>
+                <a16:creationId xmlns:a16="http://schemas.microsoft.com/office/drawing/2014/main" id="{0C37FAE2-8750-D0C0-7DC0-3F77C25C20F8}"/>
+              </a:ext>
+            </a:extLst>
+          </p:cNvPr>
+          <p:cNvSpPr>
+            <a:spLocks noGrp="1"/>
+          </p:cNvSpPr>
+          <p:nvPr>
+            <p:ph type="title"/>
+          </p:nvPr>
+        </p:nvSpPr>
+        <p:spPr/>
+        <p:txBody>
+          <a:bodyPr/>
+          <a:lstStyle/>
+          <a:p>
+            <a:r>
+              <a:rPr lang="en-US"/>
+              <a:t>Click to edit Master title style</a:t>
+            </a:r>
+            <a:endParaRPr lang="es-ES_tradnl"/>
           </a:p>
         </p:txBody>
       </p:sp>
@@ -2208,7 +1955,7 @@
           <p:cNvPr id="3" name="Date Placeholder 2">
             <a:extLst>
               <a:ext uri="{FF2B5EF4-FFF2-40B4-BE49-F238E27FC236}">
-                <a16:creationId xmlns:a16="http://schemas.microsoft.com/office/drawing/2014/main" id="{9B7EA868-6C0D-5065-54E1-04F1A1250264}"/>
+                <a16:creationId xmlns:a16="http://schemas.microsoft.com/office/drawing/2014/main" id="{45DB4746-FCA5-E254-BC65-355315A056E7}"/>
               </a:ext>
             </a:extLst>
           </p:cNvPr>
@@ -2224,11 +1971,11 @@
           <a:bodyPr/>
           <a:lstStyle/>
           <a:p>
-            <a:fld id="{521F61A1-E152-4A41-9335-275FF01A2F5B}" type="datetimeFigureOut">
-              <a:rPr lang="en-US" smtClean="0"/>
-              <a:t>11/29/23</a:t>
+            <a:fld id="{B1D0D1D1-B849-0E4E-8830-1466A2D52B65}" type="datetimeFigureOut">
+              <a:rPr lang="es-ES_tradnl" smtClean="0"/>
+              <a:t>29/11/23</a:t>
             </a:fld>
-            <a:endParaRPr lang="en-US"/>
+            <a:endParaRPr lang="es-ES_tradnl"/>
           </a:p>
         </p:txBody>
       </p:sp>
@@ -2237,7 +1984,7 @@
           <p:cNvPr id="4" name="Footer Placeholder 3">
             <a:extLst>
               <a:ext uri="{FF2B5EF4-FFF2-40B4-BE49-F238E27FC236}">
-                <a16:creationId xmlns:a16="http://schemas.microsoft.com/office/drawing/2014/main" id="{8AE02867-3B3F-06B8-D320-61D6C780A1E2}"/>
+                <a16:creationId xmlns:a16="http://schemas.microsoft.com/office/drawing/2014/main" id="{6F651032-F9B4-3783-A9D1-8D9E44DFEE06}"/>
               </a:ext>
             </a:extLst>
           </p:cNvPr>
@@ -2253,7 +2000,7 @@
           <a:bodyPr/>
           <a:lstStyle/>
           <a:p>
-            <a:endParaRPr lang="en-US"/>
+            <a:endParaRPr lang="es-ES_tradnl"/>
           </a:p>
         </p:txBody>
       </p:sp>
@@ -2262,7 +2009,7 @@
           <p:cNvPr id="5" name="Slide Number Placeholder 4">
             <a:extLst>
               <a:ext uri="{FF2B5EF4-FFF2-40B4-BE49-F238E27FC236}">
-                <a16:creationId xmlns:a16="http://schemas.microsoft.com/office/drawing/2014/main" id="{10319079-C46A-AF19-4C6E-D449BD6C21CA}"/>
+                <a16:creationId xmlns:a16="http://schemas.microsoft.com/office/drawing/2014/main" id="{E0D447FA-C8A7-D953-2882-28B9B97A7B8E}"/>
               </a:ext>
             </a:extLst>
           </p:cNvPr>
@@ -2278,18 +2025,18 @@
           <a:bodyPr/>
           <a:lstStyle/>
           <a:p>
-            <a:fld id="{C86C18E9-4DE4-7549-A680-73EFBA2DBFE0}" type="slidenum">
-              <a:rPr lang="en-US" smtClean="0"/>
+            <a:fld id="{B721FB27-E2AF-734E-95A0-74ADA25D2E5C}" type="slidenum">
+              <a:rPr lang="es-ES_tradnl" smtClean="0"/>
               <a:t>‹#›</a:t>
             </a:fld>
-            <a:endParaRPr lang="en-US"/>
+            <a:endParaRPr lang="es-ES_tradnl"/>
           </a:p>
         </p:txBody>
       </p:sp>
     </p:spTree>
     <p:extLst>
       <p:ext uri="{BB962C8B-B14F-4D97-AF65-F5344CB8AC3E}">
-        <p14:creationId xmlns:p14="http://schemas.microsoft.com/office/powerpoint/2010/main" val="2800487879"/>
+        <p14:creationId xmlns:p14="http://schemas.microsoft.com/office/powerpoint/2010/main" val="3466545145"/>
       </p:ext>
     </p:extLst>
   </p:cSld>
@@ -2321,7 +2068,7 @@
           <p:cNvPr id="2" name="Date Placeholder 1">
             <a:extLst>
               <a:ext uri="{FF2B5EF4-FFF2-40B4-BE49-F238E27FC236}">
-                <a16:creationId xmlns:a16="http://schemas.microsoft.com/office/drawing/2014/main" id="{CF92B0F8-6154-DC90-B25D-696CAFAEF103}"/>
+                <a16:creationId xmlns:a16="http://schemas.microsoft.com/office/drawing/2014/main" id="{057B0581-BCFF-3911-BDE5-F8ECAAD9FC2A}"/>
               </a:ext>
             </a:extLst>
           </p:cNvPr>
@@ -2337,11 +2084,11 @@
           <a:bodyPr/>
           <a:lstStyle/>
           <a:p>
-            <a:fld id="{521F61A1-E152-4A41-9335-275FF01A2F5B}" type="datetimeFigureOut">
-              <a:rPr lang="en-US" smtClean="0"/>
-              <a:t>11/29/23</a:t>
+            <a:fld id="{B1D0D1D1-B849-0E4E-8830-1466A2D52B65}" type="datetimeFigureOut">
+              <a:rPr lang="es-ES_tradnl" smtClean="0"/>
+              <a:t>29/11/23</a:t>
             </a:fld>
-            <a:endParaRPr lang="en-US"/>
+            <a:endParaRPr lang="es-ES_tradnl"/>
           </a:p>
         </p:txBody>
       </p:sp>
@@ -2350,7 +2097,7 @@
           <p:cNvPr id="3" name="Footer Placeholder 2">
             <a:extLst>
               <a:ext uri="{FF2B5EF4-FFF2-40B4-BE49-F238E27FC236}">
-                <a16:creationId xmlns:a16="http://schemas.microsoft.com/office/drawing/2014/main" id="{FB819280-84B9-685B-2AB6-FB17272F95F6}"/>
+                <a16:creationId xmlns:a16="http://schemas.microsoft.com/office/drawing/2014/main" id="{CB679D30-51F0-5CFD-1A11-959EC6D57432}"/>
               </a:ext>
             </a:extLst>
           </p:cNvPr>
@@ -2366,7 +2113,7 @@
           <a:bodyPr/>
           <a:lstStyle/>
           <a:p>
-            <a:endParaRPr lang="en-US"/>
+            <a:endParaRPr lang="es-ES_tradnl"/>
           </a:p>
         </p:txBody>
       </p:sp>
@@ -2375,7 +2122,7 @@
           <p:cNvPr id="4" name="Slide Number Placeholder 3">
             <a:extLst>
               <a:ext uri="{FF2B5EF4-FFF2-40B4-BE49-F238E27FC236}">
-                <a16:creationId xmlns:a16="http://schemas.microsoft.com/office/drawing/2014/main" id="{CAC49CA3-9658-4463-77CB-124CE82EE445}"/>
+                <a16:creationId xmlns:a16="http://schemas.microsoft.com/office/drawing/2014/main" id="{91A950E9-D23A-56A5-EFD4-C21501A7903B}"/>
               </a:ext>
             </a:extLst>
           </p:cNvPr>
@@ -2391,18 +2138,18 @@
           <a:bodyPr/>
           <a:lstStyle/>
           <a:p>
-            <a:fld id="{C86C18E9-4DE4-7549-A680-73EFBA2DBFE0}" type="slidenum">
-              <a:rPr lang="en-US" smtClean="0"/>
+            <a:fld id="{B721FB27-E2AF-734E-95A0-74ADA25D2E5C}" type="slidenum">
+              <a:rPr lang="es-ES_tradnl" smtClean="0"/>
               <a:t>‹#›</a:t>
             </a:fld>
-            <a:endParaRPr lang="en-US"/>
+            <a:endParaRPr lang="es-ES_tradnl"/>
           </a:p>
         </p:txBody>
       </p:sp>
     </p:spTree>
     <p:extLst>
       <p:ext uri="{BB962C8B-B14F-4D97-AF65-F5344CB8AC3E}">
-        <p14:creationId xmlns:p14="http://schemas.microsoft.com/office/powerpoint/2010/main" val="4046703494"/>
+        <p14:creationId xmlns:p14="http://schemas.microsoft.com/office/powerpoint/2010/main" val="2144497250"/>
       </p:ext>
     </p:extLst>
   </p:cSld>
@@ -2413,7 +2160,7 @@
 </file>
 
 <file path=ppt/slideLayouts/slideLayout8.xml><?xml version="1.0" encoding="utf-8"?>
-<p:sldLayout xmlns:a="http://schemas.openxmlformats.org/drawingml/2006/main" xmlns:r="http://schemas.openxmlformats.org/officeDocument/2006/relationships" xmlns:p="http://schemas.openxmlformats.org/presentationml/2006/main" preserve="1" userDrawn="1">
+<p:sldLayout xmlns:a="http://schemas.openxmlformats.org/drawingml/2006/main" xmlns:r="http://schemas.openxmlformats.org/officeDocument/2006/relationships" xmlns:p="http://schemas.openxmlformats.org/presentationml/2006/main" type="objTx" preserve="1">
   <p:cSld name="Content with Caption">
     <p:spTree>
       <p:nvGrpSpPr>
@@ -2434,7 +2181,7 @@
           <p:cNvPr id="2" name="Title 1">
             <a:extLst>
               <a:ext uri="{FF2B5EF4-FFF2-40B4-BE49-F238E27FC236}">
-                <a16:creationId xmlns:a16="http://schemas.microsoft.com/office/drawing/2014/main" id="{0BCA3EBC-C5A1-0587-774C-974BDD62E4DA}"/>
+                <a16:creationId xmlns:a16="http://schemas.microsoft.com/office/drawing/2014/main" id="{C4060216-DB1F-242E-C2C0-8104EA36E1CB}"/>
               </a:ext>
             </a:extLst>
           </p:cNvPr>
@@ -2450,9 +2197,6 @@
             <a:off x="839788" y="457200"/>
             <a:ext cx="3932237" cy="1600200"/>
           </a:xfrm>
-          <a:prstGeom prst="rect">
-            <a:avLst/>
-          </a:prstGeom>
         </p:spPr>
         <p:txBody>
           <a:bodyPr anchor="b"/>
@@ -2466,6 +2210,7 @@
               <a:rPr lang="en-US"/>
               <a:t>Click to edit Master title style</a:t>
             </a:r>
+            <a:endParaRPr lang="es-ES_tradnl"/>
           </a:p>
         </p:txBody>
       </p:sp>
@@ -2474,7 +2219,7 @@
           <p:cNvPr id="3" name="Content Placeholder 2">
             <a:extLst>
               <a:ext uri="{FF2B5EF4-FFF2-40B4-BE49-F238E27FC236}">
-                <a16:creationId xmlns:a16="http://schemas.microsoft.com/office/drawing/2014/main" id="{B6840198-DA0F-2214-1FEC-91C52B1B579F}"/>
+                <a16:creationId xmlns:a16="http://schemas.microsoft.com/office/drawing/2014/main" id="{96CA21B1-22A7-0FD9-760D-D236648BE0AA}"/>
               </a:ext>
             </a:extLst>
           </p:cNvPr>
@@ -2556,6 +2301,7 @@
               <a:rPr lang="en-US"/>
               <a:t>Fifth level</a:t>
             </a:r>
+            <a:endParaRPr lang="es-ES_tradnl"/>
           </a:p>
         </p:txBody>
       </p:sp>
@@ -2564,7 +2310,7 @@
           <p:cNvPr id="4" name="Text Placeholder 3">
             <a:extLst>
               <a:ext uri="{FF2B5EF4-FFF2-40B4-BE49-F238E27FC236}">
-                <a16:creationId xmlns:a16="http://schemas.microsoft.com/office/drawing/2014/main" id="{1E4CF194-8870-7777-5567-0A9995ADC192}"/>
+                <a16:creationId xmlns:a16="http://schemas.microsoft.com/office/drawing/2014/main" id="{03CD4C79-9FC1-BB8D-9036-F31D16C385A9}"/>
               </a:ext>
             </a:extLst>
           </p:cNvPr>
@@ -2635,7 +2381,7 @@
           <p:cNvPr id="5" name="Date Placeholder 4">
             <a:extLst>
               <a:ext uri="{FF2B5EF4-FFF2-40B4-BE49-F238E27FC236}">
-                <a16:creationId xmlns:a16="http://schemas.microsoft.com/office/drawing/2014/main" id="{6E0E1B18-4D27-8311-A73D-7F278ACCAB3E}"/>
+                <a16:creationId xmlns:a16="http://schemas.microsoft.com/office/drawing/2014/main" id="{8D890C90-905C-E7A4-AB61-FF90E0F7C91C}"/>
               </a:ext>
             </a:extLst>
           </p:cNvPr>
@@ -2651,11 +2397,11 @@
           <a:bodyPr/>
           <a:lstStyle/>
           <a:p>
-            <a:fld id="{521F61A1-E152-4A41-9335-275FF01A2F5B}" type="datetimeFigureOut">
-              <a:rPr lang="en-US" smtClean="0"/>
-              <a:t>11/29/23</a:t>
+            <a:fld id="{B1D0D1D1-B849-0E4E-8830-1466A2D52B65}" type="datetimeFigureOut">
+              <a:rPr lang="es-ES_tradnl" smtClean="0"/>
+              <a:t>29/11/23</a:t>
             </a:fld>
-            <a:endParaRPr lang="en-US"/>
+            <a:endParaRPr lang="es-ES_tradnl"/>
           </a:p>
         </p:txBody>
       </p:sp>
@@ -2664,7 +2410,7 @@
           <p:cNvPr id="6" name="Footer Placeholder 5">
             <a:extLst>
               <a:ext uri="{FF2B5EF4-FFF2-40B4-BE49-F238E27FC236}">
-                <a16:creationId xmlns:a16="http://schemas.microsoft.com/office/drawing/2014/main" id="{6C5F0995-1C2B-511F-845A-E8FAFBBA159C}"/>
+                <a16:creationId xmlns:a16="http://schemas.microsoft.com/office/drawing/2014/main" id="{2E089972-6104-D91C-B71B-5A7A8AADFAF9}"/>
               </a:ext>
             </a:extLst>
           </p:cNvPr>
@@ -2680,7 +2426,7 @@
           <a:bodyPr/>
           <a:lstStyle/>
           <a:p>
-            <a:endParaRPr lang="en-US"/>
+            <a:endParaRPr lang="es-ES_tradnl"/>
           </a:p>
         </p:txBody>
       </p:sp>
@@ -2689,7 +2435,7 @@
           <p:cNvPr id="7" name="Slide Number Placeholder 6">
             <a:extLst>
               <a:ext uri="{FF2B5EF4-FFF2-40B4-BE49-F238E27FC236}">
-                <a16:creationId xmlns:a16="http://schemas.microsoft.com/office/drawing/2014/main" id="{D6E7ADCF-36A8-C41A-B829-7AE4EA12D0A1}"/>
+                <a16:creationId xmlns:a16="http://schemas.microsoft.com/office/drawing/2014/main" id="{320C50EA-4F85-BB1F-AF91-5A824A5D748F}"/>
               </a:ext>
             </a:extLst>
           </p:cNvPr>
@@ -2705,18 +2451,18 @@
           <a:bodyPr/>
           <a:lstStyle/>
           <a:p>
-            <a:fld id="{C86C18E9-4DE4-7549-A680-73EFBA2DBFE0}" type="slidenum">
-              <a:rPr lang="en-US" smtClean="0"/>
+            <a:fld id="{B721FB27-E2AF-734E-95A0-74ADA25D2E5C}" type="slidenum">
+              <a:rPr lang="es-ES_tradnl" smtClean="0"/>
               <a:t>‹#›</a:t>
             </a:fld>
-            <a:endParaRPr lang="en-US"/>
+            <a:endParaRPr lang="es-ES_tradnl"/>
           </a:p>
         </p:txBody>
       </p:sp>
     </p:spTree>
     <p:extLst>
       <p:ext uri="{BB962C8B-B14F-4D97-AF65-F5344CB8AC3E}">
-        <p14:creationId xmlns:p14="http://schemas.microsoft.com/office/powerpoint/2010/main" val="3887294386"/>
+        <p14:creationId xmlns:p14="http://schemas.microsoft.com/office/powerpoint/2010/main" val="3366755684"/>
       </p:ext>
     </p:extLst>
   </p:cSld>
@@ -2748,7 +2494,7 @@
           <p:cNvPr id="2" name="Title 1">
             <a:extLst>
               <a:ext uri="{FF2B5EF4-FFF2-40B4-BE49-F238E27FC236}">
-                <a16:creationId xmlns:a16="http://schemas.microsoft.com/office/drawing/2014/main" id="{ED46599A-88E3-1243-3F2C-1D0B65E44D50}"/>
+                <a16:creationId xmlns:a16="http://schemas.microsoft.com/office/drawing/2014/main" id="{764F3287-A564-CB54-AFD1-E67A0CAA6AE1}"/>
               </a:ext>
             </a:extLst>
           </p:cNvPr>
@@ -2764,9 +2510,6 @@
             <a:off x="839788" y="457200"/>
             <a:ext cx="3932237" cy="1600200"/>
           </a:xfrm>
-          <a:prstGeom prst="rect">
-            <a:avLst/>
-          </a:prstGeom>
         </p:spPr>
         <p:txBody>
           <a:bodyPr anchor="b"/>
@@ -2780,6 +2523,7 @@
               <a:rPr lang="en-US"/>
               <a:t>Click to edit Master title style</a:t>
             </a:r>
+            <a:endParaRPr lang="es-ES_tradnl"/>
           </a:p>
         </p:txBody>
       </p:sp>
@@ -2788,7 +2532,7 @@
           <p:cNvPr id="3" name="Picture Placeholder 2">
             <a:extLst>
               <a:ext uri="{FF2B5EF4-FFF2-40B4-BE49-F238E27FC236}">
-                <a16:creationId xmlns:a16="http://schemas.microsoft.com/office/drawing/2014/main" id="{A1D3988E-D4C5-D2FF-D12E-58518E2E464B}"/>
+                <a16:creationId xmlns:a16="http://schemas.microsoft.com/office/drawing/2014/main" id="{E8D378D9-A55E-0314-B160-8FAD77049085}"/>
               </a:ext>
             </a:extLst>
           </p:cNvPr>
@@ -2846,7 +2590,7 @@
             </a:lvl9pPr>
           </a:lstStyle>
           <a:p>
-            <a:endParaRPr lang="en-US"/>
+            <a:endParaRPr lang="es-ES_tradnl"/>
           </a:p>
         </p:txBody>
       </p:sp>
@@ -2855,7 +2599,7 @@
           <p:cNvPr id="4" name="Text Placeholder 3">
             <a:extLst>
               <a:ext uri="{FF2B5EF4-FFF2-40B4-BE49-F238E27FC236}">
-                <a16:creationId xmlns:a16="http://schemas.microsoft.com/office/drawing/2014/main" id="{35E1500A-AE37-A13F-7846-21135CAC26DD}"/>
+                <a16:creationId xmlns:a16="http://schemas.microsoft.com/office/drawing/2014/main" id="{BDA240C0-8A84-97F9-EB63-A6BABD1A4267}"/>
               </a:ext>
             </a:extLst>
           </p:cNvPr>
@@ -2926,7 +2670,7 @@
           <p:cNvPr id="5" name="Date Placeholder 4">
             <a:extLst>
               <a:ext uri="{FF2B5EF4-FFF2-40B4-BE49-F238E27FC236}">
-                <a16:creationId xmlns:a16="http://schemas.microsoft.com/office/drawing/2014/main" id="{3EB7C437-8554-D9D3-1E7D-9487EBEEB4E4}"/>
+                <a16:creationId xmlns:a16="http://schemas.microsoft.com/office/drawing/2014/main" id="{12C18837-93D3-99B3-C42C-6F0AA77BF2EC}"/>
               </a:ext>
             </a:extLst>
           </p:cNvPr>
@@ -2942,11 +2686,11 @@
           <a:bodyPr/>
           <a:lstStyle/>
           <a:p>
-            <a:fld id="{521F61A1-E152-4A41-9335-275FF01A2F5B}" type="datetimeFigureOut">
-              <a:rPr lang="en-US" smtClean="0"/>
-              <a:t>11/29/23</a:t>
+            <a:fld id="{B1D0D1D1-B849-0E4E-8830-1466A2D52B65}" type="datetimeFigureOut">
+              <a:rPr lang="es-ES_tradnl" smtClean="0"/>
+              <a:t>29/11/23</a:t>
             </a:fld>
-            <a:endParaRPr lang="en-US"/>
+            <a:endParaRPr lang="es-ES_tradnl"/>
           </a:p>
         </p:txBody>
       </p:sp>
@@ -2955,7 +2699,7 @@
           <p:cNvPr id="6" name="Footer Placeholder 5">
             <a:extLst>
               <a:ext uri="{FF2B5EF4-FFF2-40B4-BE49-F238E27FC236}">
-                <a16:creationId xmlns:a16="http://schemas.microsoft.com/office/drawing/2014/main" id="{ED8CF74B-4DC5-91EC-C05C-9C034FB4C064}"/>
+                <a16:creationId xmlns:a16="http://schemas.microsoft.com/office/drawing/2014/main" id="{E0402106-EE43-6605-F437-DB1A2D48D158}"/>
               </a:ext>
             </a:extLst>
           </p:cNvPr>
@@ -2971,7 +2715,7 @@
           <a:bodyPr/>
           <a:lstStyle/>
           <a:p>
-            <a:endParaRPr lang="en-US"/>
+            <a:endParaRPr lang="es-ES_tradnl"/>
           </a:p>
         </p:txBody>
       </p:sp>
@@ -2980,7 +2724,7 @@
           <p:cNvPr id="7" name="Slide Number Placeholder 6">
             <a:extLst>
               <a:ext uri="{FF2B5EF4-FFF2-40B4-BE49-F238E27FC236}">
-                <a16:creationId xmlns:a16="http://schemas.microsoft.com/office/drawing/2014/main" id="{F9DBDFCC-8383-20EC-6915-D32D83514F71}"/>
+                <a16:creationId xmlns:a16="http://schemas.microsoft.com/office/drawing/2014/main" id="{D36F2BC2-72FC-94F8-745A-3E7ACECB8027}"/>
               </a:ext>
             </a:extLst>
           </p:cNvPr>
@@ -2996,18 +2740,18 @@
           <a:bodyPr/>
           <a:lstStyle/>
           <a:p>
-            <a:fld id="{C86C18E9-4DE4-7549-A680-73EFBA2DBFE0}" type="slidenum">
-              <a:rPr lang="en-US" smtClean="0"/>
+            <a:fld id="{B721FB27-E2AF-734E-95A0-74ADA25D2E5C}" type="slidenum">
+              <a:rPr lang="es-ES_tradnl" smtClean="0"/>
               <a:t>‹#›</a:t>
             </a:fld>
-            <a:endParaRPr lang="en-US"/>
+            <a:endParaRPr lang="es-ES_tradnl"/>
           </a:p>
         </p:txBody>
       </p:sp>
     </p:spTree>
     <p:extLst>
       <p:ext uri="{BB962C8B-B14F-4D97-AF65-F5344CB8AC3E}">
-        <p14:creationId xmlns:p14="http://schemas.microsoft.com/office/powerpoint/2010/main" val="847868890"/>
+        <p14:creationId xmlns:p14="http://schemas.microsoft.com/office/powerpoint/2010/main" val="3841677296"/>
       </p:ext>
     </p:extLst>
   </p:cSld>
@@ -3021,12 +2765,9 @@
 <p:sldMaster xmlns:a="http://schemas.openxmlformats.org/drawingml/2006/main" xmlns:r="http://schemas.openxmlformats.org/officeDocument/2006/relationships" xmlns:p="http://schemas.openxmlformats.org/presentationml/2006/main">
   <p:cSld>
     <p:bg>
-      <p:bgPr>
-        <a:solidFill>
-          <a:schemeClr val="bg1"/>
-        </a:solidFill>
-        <a:effectLst/>
-      </p:bgPr>
+      <p:bgRef idx="1001">
+        <a:schemeClr val="bg1"/>
+      </p:bgRef>
     </p:bg>
     <p:spTree>
       <p:nvGrpSpPr>
@@ -3047,7 +2788,7 @@
           <p:cNvPr id="2" name="Title Placeholder 1">
             <a:extLst>
               <a:ext uri="{FF2B5EF4-FFF2-40B4-BE49-F238E27FC236}">
-                <a16:creationId xmlns:a16="http://schemas.microsoft.com/office/drawing/2014/main" id="{904B8A23-0C05-4B48-3386-0EC59D1C72BD}"/>
+                <a16:creationId xmlns:a16="http://schemas.microsoft.com/office/drawing/2014/main" id="{69F049EE-2EC1-C5B0-4552-54D3A46EA42D}"/>
               </a:ext>
             </a:extLst>
           </p:cNvPr>
@@ -3060,8 +2801,8 @@
         </p:nvSpPr>
         <p:spPr>
           <a:xfrm>
-            <a:off x="334961" y="-7083"/>
-            <a:ext cx="11514137" cy="718608"/>
+            <a:off x="838200" y="365125"/>
+            <a:ext cx="10515600" cy="1325563"/>
           </a:xfrm>
           <a:prstGeom prst="rect">
             <a:avLst/>
@@ -3074,13 +2815,10 @@
           <a:lstStyle/>
           <a:p>
             <a:r>
-              <a:rPr lang="es-CO" sz="3600" b="1" dirty="0">
-                <a:solidFill>
-                  <a:sysClr val="windowText" lastClr="000000"/>
-                </a:solidFill>
-              </a:rPr>
-              <a:t>GESTIÓN DEL PROYECTO</a:t>
-            </a:r>
+              <a:rPr lang="en-US"/>
+              <a:t>Click to edit Master title style</a:t>
+            </a:r>
+            <a:endParaRPr lang="es-ES_tradnl"/>
           </a:p>
         </p:txBody>
       </p:sp>
@@ -3089,7 +2827,7 @@
           <p:cNvPr id="3" name="Text Placeholder 2">
             <a:extLst>
               <a:ext uri="{FF2B5EF4-FFF2-40B4-BE49-F238E27FC236}">
-                <a16:creationId xmlns:a16="http://schemas.microsoft.com/office/drawing/2014/main" id="{901105BC-1BFE-801D-A7F3-9D15BB08DA1E}"/>
+                <a16:creationId xmlns:a16="http://schemas.microsoft.com/office/drawing/2014/main" id="{215E1DEF-6FCC-154A-22BE-CDA49CF72943}"/>
               </a:ext>
             </a:extLst>
           </p:cNvPr>
@@ -3117,37 +2855,38 @@
           <a:p>
             <a:pPr lvl="0"/>
             <a:r>
-              <a:rPr lang="en-US" dirty="0"/>
+              <a:rPr lang="en-US"/>
               <a:t>Click to edit Master text styles</a:t>
             </a:r>
           </a:p>
           <a:p>
             <a:pPr lvl="1"/>
             <a:r>
-              <a:rPr lang="en-US" dirty="0"/>
+              <a:rPr lang="en-US"/>
               <a:t>Second level</a:t>
             </a:r>
           </a:p>
           <a:p>
             <a:pPr lvl="2"/>
             <a:r>
-              <a:rPr lang="en-US" dirty="0"/>
+              <a:rPr lang="en-US"/>
               <a:t>Third level</a:t>
             </a:r>
           </a:p>
           <a:p>
             <a:pPr lvl="3"/>
             <a:r>
-              <a:rPr lang="en-US" dirty="0"/>
+              <a:rPr lang="en-US"/>
               <a:t>Fourth level</a:t>
             </a:r>
           </a:p>
           <a:p>
             <a:pPr lvl="4"/>
             <a:r>
-              <a:rPr lang="en-US" dirty="0"/>
+              <a:rPr lang="en-US"/>
               <a:t>Fifth level</a:t>
             </a:r>
+            <a:endParaRPr lang="es-ES_tradnl"/>
           </a:p>
         </p:txBody>
       </p:sp>
@@ -3156,7 +2895,7 @@
           <p:cNvPr id="4" name="Date Placeholder 3">
             <a:extLst>
               <a:ext uri="{FF2B5EF4-FFF2-40B4-BE49-F238E27FC236}">
-                <a16:creationId xmlns:a16="http://schemas.microsoft.com/office/drawing/2014/main" id="{F4B30AC6-CBCF-3EF1-384F-43812102C6FF}"/>
+                <a16:creationId xmlns:a16="http://schemas.microsoft.com/office/drawing/2014/main" id="{4A6285B7-6EC4-1DE4-7A89-8787147C2511}"/>
               </a:ext>
             </a:extLst>
           </p:cNvPr>
@@ -3190,11 +2929,11 @@
             </a:lvl1pPr>
           </a:lstStyle>
           <a:p>
-            <a:fld id="{521F61A1-E152-4A41-9335-275FF01A2F5B}" type="datetimeFigureOut">
-              <a:rPr lang="en-US" smtClean="0"/>
-              <a:t>11/29/23</a:t>
+            <a:fld id="{B1D0D1D1-B849-0E4E-8830-1466A2D52B65}" type="datetimeFigureOut">
+              <a:rPr lang="es-ES_tradnl" smtClean="0"/>
+              <a:t>29/11/23</a:t>
             </a:fld>
-            <a:endParaRPr lang="en-US"/>
+            <a:endParaRPr lang="es-ES_tradnl"/>
           </a:p>
         </p:txBody>
       </p:sp>
@@ -3203,7 +2942,7 @@
           <p:cNvPr id="5" name="Footer Placeholder 4">
             <a:extLst>
               <a:ext uri="{FF2B5EF4-FFF2-40B4-BE49-F238E27FC236}">
-                <a16:creationId xmlns:a16="http://schemas.microsoft.com/office/drawing/2014/main" id="{2287B5F0-5133-CF04-5B55-5C4645349522}"/>
+                <a16:creationId xmlns:a16="http://schemas.microsoft.com/office/drawing/2014/main" id="{CA1F07D2-18AB-23C2-014B-C17F6195B550}"/>
               </a:ext>
             </a:extLst>
           </p:cNvPr>
@@ -3237,7 +2976,7 @@
             </a:lvl1pPr>
           </a:lstStyle>
           <a:p>
-            <a:endParaRPr lang="en-US"/>
+            <a:endParaRPr lang="es-ES_tradnl"/>
           </a:p>
         </p:txBody>
       </p:sp>
@@ -3246,7 +2985,7 @@
           <p:cNvPr id="6" name="Slide Number Placeholder 5">
             <a:extLst>
               <a:ext uri="{FF2B5EF4-FFF2-40B4-BE49-F238E27FC236}">
-                <a16:creationId xmlns:a16="http://schemas.microsoft.com/office/drawing/2014/main" id="{54B05027-D10F-4653-BE82-1DA5F74B20B2}"/>
+                <a16:creationId xmlns:a16="http://schemas.microsoft.com/office/drawing/2014/main" id="{52C8D9B9-C8AE-64D2-308A-802B6179A635}"/>
               </a:ext>
             </a:extLst>
           </p:cNvPr>
@@ -3280,87 +3019,18 @@
             </a:lvl1pPr>
           </a:lstStyle>
           <a:p>
-            <a:fld id="{C86C18E9-4DE4-7549-A680-73EFBA2DBFE0}" type="slidenum">
-              <a:rPr lang="en-US" smtClean="0"/>
+            <a:fld id="{B721FB27-E2AF-734E-95A0-74ADA25D2E5C}" type="slidenum">
+              <a:rPr lang="es-ES_tradnl" smtClean="0"/>
               <a:t>‹#›</a:t>
             </a:fld>
-            <a:endParaRPr lang="en-US"/>
-          </a:p>
-        </p:txBody>
-      </p:sp>
-      <p:pic>
-        <p:nvPicPr>
-          <p:cNvPr id="15" name="Imagen 2" descr="Imagen que contiene Logotipo&#10;&#10;Descripción generada automáticamente">
-            <a:extLst>
-              <a:ext uri="{FF2B5EF4-FFF2-40B4-BE49-F238E27FC236}">
-                <a16:creationId xmlns:a16="http://schemas.microsoft.com/office/drawing/2014/main" id="{E6F2BA06-31E3-48FE-587C-5801942D0F3C}"/>
-              </a:ext>
-            </a:extLst>
-          </p:cNvPr>
-          <p:cNvPicPr>
-            <a:picLocks noChangeAspect="1"/>
-          </p:cNvPicPr>
-          <p:nvPr userDrawn="1"/>
-        </p:nvPicPr>
-        <p:blipFill>
-          <a:blip r:embed="rId13"/>
-          <a:stretch>
-            <a:fillRect/>
-          </a:stretch>
-        </p:blipFill>
-        <p:spPr>
-          <a:xfrm>
-            <a:off x="9774043" y="5840772"/>
-            <a:ext cx="2417957" cy="1090632"/>
-          </a:xfrm>
-          <a:prstGeom prst="rect">
-            <a:avLst/>
-          </a:prstGeom>
-        </p:spPr>
-      </p:pic>
-      <p:cxnSp>
-        <p:nvCxnSpPr>
-          <p:cNvPr id="17" name="Conector recto 8">
-            <a:extLst>
-              <a:ext uri="{FF2B5EF4-FFF2-40B4-BE49-F238E27FC236}">
-                <a16:creationId xmlns:a16="http://schemas.microsoft.com/office/drawing/2014/main" id="{72848D0B-5CDA-2C5A-0D4C-D2D738FEE4C9}"/>
-              </a:ext>
-            </a:extLst>
-          </p:cNvPr>
-          <p:cNvCxnSpPr>
-            <a:cxnSpLocks/>
-          </p:cNvCxnSpPr>
-          <p:nvPr userDrawn="1"/>
-        </p:nvCxnSpPr>
-        <p:spPr>
-          <a:xfrm flipV="1">
-            <a:off x="342900" y="685798"/>
-            <a:ext cx="11514138" cy="1"/>
-          </a:xfrm>
-          <a:prstGeom prst="line">
-            <a:avLst/>
-          </a:prstGeom>
-          <a:ln w="28575"/>
-        </p:spPr>
-        <p:style>
-          <a:lnRef idx="1">
-            <a:schemeClr val="accent2"/>
-          </a:lnRef>
-          <a:fillRef idx="0">
-            <a:schemeClr val="accent2"/>
-          </a:fillRef>
-          <a:effectRef idx="0">
-            <a:schemeClr val="accent2"/>
-          </a:effectRef>
-          <a:fontRef idx="minor">
-            <a:schemeClr val="tx1"/>
-          </a:fontRef>
-        </p:style>
-      </p:cxnSp>
+            <a:endParaRPr lang="es-ES_tradnl"/>
+          </a:p>
+        </p:txBody>
+      </p:sp>
     </p:spTree>
     <p:extLst>
       <p:ext uri="{BB962C8B-B14F-4D97-AF65-F5344CB8AC3E}">
-        <p14:creationId xmlns:p14="http://schemas.microsoft.com/office/powerpoint/2010/main" val="50873290"/>
+        <p14:creationId xmlns:p14="http://schemas.microsoft.com/office/powerpoint/2010/main" val="1679509666"/>
       </p:ext>
     </p:extLst>
   </p:cSld>
@@ -3380,7 +3050,7 @@
   </p:sldLayoutIdLst>
   <p:txStyles>
     <p:titleStyle>
-      <a:lvl1pPr algn="ctr" defTabSz="914400" rtl="0" eaLnBrk="1" latinLnBrk="0" hangingPunct="1">
+      <a:lvl1pPr algn="l" defTabSz="914400" rtl="0" eaLnBrk="1" latinLnBrk="0" hangingPunct="1">
         <a:lnSpc>
           <a:spcPct val="90000"/>
         </a:lnSpc>
@@ -3388,11 +3058,11 @@
           <a:spcPct val="0"/>
         </a:spcBef>
         <a:buNone/>
-        <a:defRPr sz="3200" kern="1200">
+        <a:defRPr sz="4400" kern="1200">
           <a:solidFill>
             <a:schemeClr val="tx1"/>
           </a:solidFill>
-          <a:latin typeface="+mn-lt"/>
+          <a:latin typeface="+mj-lt"/>
           <a:ea typeface="+mj-ea"/>
           <a:cs typeface="+mj-cs"/>
         </a:defRPr>
@@ -3683,7 +3353,7 @@
           <p:cNvPr id="2" name="Title 1">
             <a:extLst>
               <a:ext uri="{FF2B5EF4-FFF2-40B4-BE49-F238E27FC236}">
-                <a16:creationId xmlns:a16="http://schemas.microsoft.com/office/drawing/2014/main" id="{DC9AB2E0-49FB-D7E7-A30F-8D88523D6B27}"/>
+                <a16:creationId xmlns:a16="http://schemas.microsoft.com/office/drawing/2014/main" id="{919C5BDE-8CE3-B282-784A-9290F12D3052}"/>
               </a:ext>
             </a:extLst>
           </p:cNvPr>
@@ -3694,20 +3364,12 @@
             <p:ph type="ctrTitle"/>
           </p:nvPr>
         </p:nvSpPr>
-        <p:spPr>
-          <a:xfrm>
-            <a:off x="1524000" y="1122363"/>
-            <a:ext cx="9144000" cy="2387600"/>
-          </a:xfrm>
-          <a:prstGeom prst="rect">
-            <a:avLst/>
-          </a:prstGeom>
-        </p:spPr>
-        <p:txBody>
-          <a:bodyPr/>
-          <a:lstStyle/>
-          <a:p>
-            <a:endParaRPr lang="en-US"/>
+        <p:spPr/>
+        <p:txBody>
+          <a:bodyPr/>
+          <a:lstStyle/>
+          <a:p>
+            <a:endParaRPr lang="es-ES_tradnl"/>
           </a:p>
         </p:txBody>
       </p:sp>
@@ -3716,35 +3378,30 @@
           <p:cNvPr id="3" name="Subtitle 2">
             <a:extLst>
               <a:ext uri="{FF2B5EF4-FFF2-40B4-BE49-F238E27FC236}">
-                <a16:creationId xmlns:a16="http://schemas.microsoft.com/office/drawing/2014/main" id="{32562846-E07B-443C-3836-1D12CB7EA739}"/>
-              </a:ext>
-            </a:extLst>
-          </p:cNvPr>
-          <p:cNvSpPr>
-            <a:spLocks noGrp="1"/>
-          </p:cNvSpPr>
-          <p:nvPr>
-            <p:ph type="subTitle" idx="4294967295"/>
-          </p:nvPr>
-        </p:nvSpPr>
-        <p:spPr>
-          <a:xfrm>
-            <a:off x="1524000" y="3602038"/>
-            <a:ext cx="9144000" cy="1655762"/>
-          </a:xfrm>
-        </p:spPr>
-        <p:txBody>
-          <a:bodyPr/>
-          <a:lstStyle/>
-          <a:p>
-            <a:endParaRPr lang="en-US"/>
+                <a16:creationId xmlns:a16="http://schemas.microsoft.com/office/drawing/2014/main" id="{890D511F-CD93-3E42-A30F-7C076679FBE9}"/>
+              </a:ext>
+            </a:extLst>
+          </p:cNvPr>
+          <p:cNvSpPr>
+            <a:spLocks noGrp="1"/>
+          </p:cNvSpPr>
+          <p:nvPr>
+            <p:ph type="subTitle" idx="1"/>
+          </p:nvPr>
+        </p:nvSpPr>
+        <p:spPr/>
+        <p:txBody>
+          <a:bodyPr/>
+          <a:lstStyle/>
+          <a:p>
+            <a:endParaRPr lang="es-ES_tradnl"/>
           </a:p>
         </p:txBody>
       </p:sp>
     </p:spTree>
     <p:extLst>
       <p:ext uri="{BB962C8B-B14F-4D97-AF65-F5344CB8AC3E}">
-        <p14:creationId xmlns:p14="http://schemas.microsoft.com/office/powerpoint/2010/main" val="340391105"/>
+        <p14:creationId xmlns:p14="http://schemas.microsoft.com/office/powerpoint/2010/main" val="840904016"/>
       </p:ext>
     </p:extLst>
   </p:cSld>

--- a/content/template.pptx
+++ b/content/template.pptx
@@ -104,6 +104,11 @@
       </a:defRPr>
     </a:lvl9pPr>
   </p:defaultTextStyle>
+  <p:extLst>
+    <p:ext uri="{EFAFB233-063F-42B5-8137-9DF3F51BA10A}">
+      <p15:sldGuideLst xmlns:p15="http://schemas.microsoft.com/office/powerpoint/2012/main"/>
+    </p:ext>
+  </p:extLst>
 </p:presentation>
 </file>
 
@@ -155,10 +160,10 @@
           </a:lstStyle>
           <a:p>
             <a:r>
-              <a:rPr lang="en-US"/>
+              <a:rPr lang="en-US" dirty="0"/>
               <a:t>Click to edit Master title style</a:t>
             </a:r>
-            <a:endParaRPr lang="es-ES_tradnl"/>
+            <a:endParaRPr lang="es-ES_tradnl" dirty="0"/>
           </a:p>
         </p:txBody>
       </p:sp>
@@ -979,18 +984,33 @@
           </a:xfrm>
         </p:spPr>
         <p:txBody>
-          <a:bodyPr anchor="b"/>
+          <a:bodyPr anchor="b">
+            <a:normAutofit/>
+          </a:bodyPr>
           <a:lstStyle>
             <a:lvl1pPr>
-              <a:defRPr sz="6000"/>
+              <a:defRPr kumimoji="0" lang="es-ES_tradnl" sz="6000" b="0" i="0" u="none" strike="noStrike" kern="1200" cap="none" spc="0" normalizeH="0" baseline="0" dirty="0">
+                <a:ln>
+                  <a:noFill/>
+                </a:ln>
+                <a:solidFill>
+                  <a:srgbClr val="E0287A"/>
+                </a:solidFill>
+                <a:effectLst/>
+                <a:uLnTx/>
+                <a:uFillTx/>
+                <a:latin typeface="Arial Rounded MT Bold"/>
+                <a:ea typeface="+mj-ea"/>
+                <a:cs typeface="+mj-cs"/>
+              </a:defRPr>
             </a:lvl1pPr>
           </a:lstStyle>
           <a:p>
             <a:r>
-              <a:rPr lang="en-US"/>
+              <a:rPr lang="en-US" dirty="0"/>
               <a:t>Click to edit Master title style</a:t>
             </a:r>
-            <a:endParaRPr lang="es-ES_tradnl"/>
+            <a:endParaRPr lang="es-ES_tradnl" dirty="0"/>
           </a:p>
         </p:txBody>
       </p:sp>
@@ -1260,10 +1280,10 @@
           </a:lstStyle>
           <a:p>
             <a:r>
-              <a:rPr lang="en-US"/>
+              <a:rPr lang="en-US" dirty="0"/>
               <a:t>Click to edit Master title style</a:t>
             </a:r>
-            <a:endParaRPr lang="es-ES_tradnl"/>
+            <a:endParaRPr lang="es-ES_tradnl" dirty="0"/>
           </a:p>
         </p:txBody>
       </p:sp>
@@ -1943,10 +1963,10 @@
           <a:lstStyle/>
           <a:p>
             <a:r>
-              <a:rPr lang="en-US"/>
+              <a:rPr lang="en-US" dirty="0"/>
               <a:t>Click to edit Master title style</a:t>
             </a:r>
-            <a:endParaRPr lang="es-ES_tradnl"/>
+            <a:endParaRPr lang="es-ES_tradnl" dirty="0"/>
           </a:p>
         </p:txBody>
       </p:sp>
@@ -2207,10 +2227,10 @@
           </a:lstStyle>
           <a:p>
             <a:r>
-              <a:rPr lang="en-US"/>
+              <a:rPr lang="en-US" dirty="0"/>
               <a:t>Click to edit Master title style</a:t>
             </a:r>
-            <a:endParaRPr lang="es-ES_tradnl"/>
+            <a:endParaRPr lang="es-ES_tradnl" dirty="0"/>
           </a:p>
         </p:txBody>
       </p:sp>
@@ -2801,8 +2821,8 @@
         </p:nvSpPr>
         <p:spPr>
           <a:xfrm>
-            <a:off x="838200" y="365125"/>
-            <a:ext cx="10515600" cy="1325563"/>
+            <a:off x="838200" y="68264"/>
+            <a:ext cx="10515600" cy="563562"/>
           </a:xfrm>
           <a:prstGeom prst="rect">
             <a:avLst/>
@@ -2810,15 +2830,15 @@
         </p:spPr>
         <p:txBody>
           <a:bodyPr vert="horz" lIns="91440" tIns="45720" rIns="91440" bIns="45720" rtlCol="0" anchor="ctr">
-            <a:normAutofit/>
+            <a:noAutofit/>
           </a:bodyPr>
           <a:lstStyle/>
           <a:p>
             <a:r>
-              <a:rPr lang="en-US"/>
+              <a:rPr lang="en-US" dirty="0"/>
               <a:t>Click to edit Master title style</a:t>
             </a:r>
-            <a:endParaRPr lang="es-ES_tradnl"/>
+            <a:endParaRPr lang="es-ES_tradnl" dirty="0"/>
           </a:p>
         </p:txBody>
       </p:sp>
@@ -3027,6 +3047,45 @@
           </a:p>
         </p:txBody>
       </p:sp>
+      <p:cxnSp>
+        <p:nvCxnSpPr>
+          <p:cNvPr id="7" name="Conector recto 8">
+            <a:extLst>
+              <a:ext uri="{FF2B5EF4-FFF2-40B4-BE49-F238E27FC236}">
+                <a16:creationId xmlns:a16="http://schemas.microsoft.com/office/drawing/2014/main" id="{FA7CE3D9-7CF8-667A-08D4-C7B2818A43DD}"/>
+              </a:ext>
+            </a:extLst>
+          </p:cNvPr>
+          <p:cNvCxnSpPr>
+            <a:cxnSpLocks/>
+          </p:cNvCxnSpPr>
+          <p:nvPr userDrawn="1"/>
+        </p:nvCxnSpPr>
+        <p:spPr>
+          <a:xfrm flipV="1">
+            <a:off x="342900" y="685798"/>
+            <a:ext cx="11514138" cy="1"/>
+          </a:xfrm>
+          <a:prstGeom prst="line">
+            <a:avLst/>
+          </a:prstGeom>
+          <a:ln w="28575"/>
+        </p:spPr>
+        <p:style>
+          <a:lnRef idx="1">
+            <a:schemeClr val="accent2"/>
+          </a:lnRef>
+          <a:fillRef idx="0">
+            <a:schemeClr val="accent2"/>
+          </a:fillRef>
+          <a:effectRef idx="0">
+            <a:schemeClr val="accent2"/>
+          </a:effectRef>
+          <a:fontRef idx="minor">
+            <a:schemeClr val="tx1"/>
+          </a:fontRef>
+        </p:style>
+      </p:cxnSp>
     </p:spTree>
     <p:extLst>
       <p:ext uri="{BB962C8B-B14F-4D97-AF65-F5344CB8AC3E}">
@@ -3058,11 +3117,11 @@
           <a:spcPct val="0"/>
         </a:spcBef>
         <a:buNone/>
-        <a:defRPr sz="4400" kern="1200">
+        <a:defRPr sz="3600" kern="1200">
           <a:solidFill>
             <a:schemeClr val="tx1"/>
           </a:solidFill>
-          <a:latin typeface="+mj-lt"/>
+          <a:latin typeface="+mn-lt"/>
           <a:ea typeface="+mj-ea"/>
           <a:cs typeface="+mj-cs"/>
         </a:defRPr>

--- a/content/template.pptx
+++ b/content/template.pptx
@@ -115,6 +115,14 @@
 <file path=ppt/slideLayouts/slideLayout1.xml><?xml version="1.0" encoding="utf-8"?>
 <p:sldLayout xmlns:a="http://schemas.openxmlformats.org/drawingml/2006/main" xmlns:r="http://schemas.openxmlformats.org/officeDocument/2006/relationships" xmlns:p="http://schemas.openxmlformats.org/presentationml/2006/main" type="title" preserve="1">
   <p:cSld name="Title Slide">
+    <p:bg>
+      <p:bgPr>
+        <a:solidFill>
+          <a:schemeClr val="tx1"/>
+        </a:solidFill>
+        <a:effectLst/>
+      </p:bgPr>
+    </p:bg>
     <p:spTree>
       <p:nvGrpSpPr>
         <p:cNvPr id="1" name=""/>
@@ -155,7 +163,20 @@
           <a:bodyPr anchor="b"/>
           <a:lstStyle>
             <a:lvl1pPr algn="ctr">
-              <a:defRPr sz="6000"/>
+              <a:defRPr kumimoji="0" lang="es-ES_tradnl" sz="6000" b="0" i="0" u="none" strike="noStrike" kern="1200" cap="none" spc="0" normalizeH="0" baseline="0" dirty="0">
+                <a:ln>
+                  <a:noFill/>
+                </a:ln>
+                <a:solidFill>
+                  <a:srgbClr val="E0287A"/>
+                </a:solidFill>
+                <a:effectLst/>
+                <a:uLnTx/>
+                <a:uFillTx/>
+                <a:latin typeface="Arial Rounded MT Bold"/>
+                <a:ea typeface="+mj-ea"/>
+                <a:cs typeface="+mj-cs"/>
+              </a:defRPr>
             </a:lvl1pPr>
           </a:lstStyle>
           <a:p>
@@ -194,7 +215,11 @@
           <a:lstStyle>
             <a:lvl1pPr marL="0" indent="0" algn="ctr">
               <a:buNone/>
-              <a:defRPr sz="2400"/>
+              <a:defRPr sz="2400">
+                <a:solidFill>
+                  <a:schemeClr val="bg1"/>
+                </a:solidFill>
+              </a:defRPr>
             </a:lvl1pPr>
             <a:lvl2pPr marL="457200" indent="0" algn="ctr">
               <a:buNone/>
@@ -3086,6 +3111,36 @@
           </a:fontRef>
         </p:style>
       </p:cxnSp>
+      <p:pic>
+        <p:nvPicPr>
+          <p:cNvPr id="8" name="Imagen 2" descr="Imagen que contiene Logotipo&#10;&#10;Descripción generada automáticamente">
+            <a:extLst>
+              <a:ext uri="{FF2B5EF4-FFF2-40B4-BE49-F238E27FC236}">
+                <a16:creationId xmlns:a16="http://schemas.microsoft.com/office/drawing/2014/main" id="{8ABF1EFF-BEA6-E82B-E081-A04EED7D1735}"/>
+              </a:ext>
+            </a:extLst>
+          </p:cNvPr>
+          <p:cNvPicPr>
+            <a:picLocks noChangeAspect="1"/>
+          </p:cNvPicPr>
+          <p:nvPr userDrawn="1"/>
+        </p:nvPicPr>
+        <p:blipFill>
+          <a:blip r:embed="rId13"/>
+          <a:stretch>
+            <a:fillRect/>
+          </a:stretch>
+        </p:blipFill>
+        <p:spPr>
+          <a:xfrm>
+            <a:off x="9774043" y="5840772"/>
+            <a:ext cx="2417957" cy="1090632"/>
+          </a:xfrm>
+          <a:prstGeom prst="rect">
+            <a:avLst/>
+          </a:prstGeom>
+        </p:spPr>
+      </p:pic>
     </p:spTree>
     <p:extLst>
       <p:ext uri="{BB962C8B-B14F-4D97-AF65-F5344CB8AC3E}">

--- a/content/template.pptx
+++ b/content/template.pptx
@@ -163,7 +163,7 @@
           <a:bodyPr anchor="b"/>
           <a:lstStyle>
             <a:lvl1pPr algn="ctr">
-              <a:defRPr kumimoji="0" lang="es-ES_tradnl" sz="6000" b="0" i="0" u="none" strike="noStrike" kern="1200" cap="none" spc="0" normalizeH="0" baseline="0" dirty="0">
+              <a:defRPr kumimoji="0" lang="es-ES_tradnl" sz="4000" b="0" i="0" u="none" strike="noStrike" kern="1200" cap="none" spc="0" normalizeH="0" baseline="0" dirty="0">
                 <a:ln>
                   <a:noFill/>
                 </a:ln>
@@ -343,6 +343,99 @@
               <a:t>‹#›</a:t>
             </a:fld>
             <a:endParaRPr lang="es-ES_tradnl"/>
+          </a:p>
+        </p:txBody>
+      </p:sp>
+      <p:sp>
+        <p:nvSpPr>
+          <p:cNvPr id="7" name="CuadroTexto 1">
+            <a:extLst>
+              <a:ext uri="{FF2B5EF4-FFF2-40B4-BE49-F238E27FC236}">
+                <a16:creationId xmlns:a16="http://schemas.microsoft.com/office/drawing/2014/main" id="{E3B822DA-C428-6BBB-9F46-9CEC620F177D}"/>
+              </a:ext>
+            </a:extLst>
+          </p:cNvPr>
+          <p:cNvSpPr txBox="1"/>
+          <p:nvPr userDrawn="1"/>
+        </p:nvSpPr>
+        <p:spPr>
+          <a:xfrm>
+            <a:off x="592253" y="5999853"/>
+            <a:ext cx="1872208" cy="523220"/>
+          </a:xfrm>
+          <a:prstGeom prst="rect">
+            <a:avLst/>
+          </a:prstGeom>
+          <a:noFill/>
+        </p:spPr>
+        <p:txBody>
+          <a:bodyPr wrap="square" rtlCol="0">
+            <a:spAutoFit/>
+          </a:bodyPr>
+          <a:lstStyle/>
+          <a:p>
+            <a:pPr>
+              <a:tabLst>
+                <a:tab pos="2806065" algn="ctr"/>
+                <a:tab pos="5612130" algn="r"/>
+                <a:tab pos="2226310" algn="l"/>
+                <a:tab pos="2806065" algn="ctr"/>
+                <a:tab pos="5612130" algn="r"/>
+              </a:tabLst>
+            </a:pPr>
+            <a:r>
+              <a:rPr lang="es-CO" sz="1400" dirty="0">
+                <a:solidFill>
+                  <a:schemeClr val="bg1"/>
+                </a:solidFill>
+                <a:effectLst/>
+                <a:latin typeface="Bahnschrift Light" panose="020B0502040204020203" pitchFamily="34" charset="0"/>
+                <a:ea typeface="Calibri" panose="020F0502020204030204" pitchFamily="34" charset="0"/>
+                <a:cs typeface="Times New Roman" panose="02020603050405020304" pitchFamily="18" charset="0"/>
+              </a:rPr>
+              <a:t>FT-121-OP V.3</a:t>
+            </a:r>
+            <a:endParaRPr lang="es-ES" sz="1400" dirty="0">
+              <a:solidFill>
+                <a:schemeClr val="bg1"/>
+              </a:solidFill>
+              <a:effectLst/>
+              <a:latin typeface="Calibri" panose="020F0502020204030204" pitchFamily="34" charset="0"/>
+              <a:ea typeface="Calibri" panose="020F0502020204030204" pitchFamily="34" charset="0"/>
+              <a:cs typeface="Times New Roman" panose="02020603050405020304" pitchFamily="18" charset="0"/>
+            </a:endParaRPr>
+          </a:p>
+          <a:p>
+            <a:pPr>
+              <a:tabLst>
+                <a:tab pos="2806065" algn="ctr"/>
+                <a:tab pos="5612130" algn="r"/>
+                <a:tab pos="2226310" algn="l"/>
+                <a:tab pos="2806065" algn="ctr"/>
+                <a:tab pos="5612130" algn="r"/>
+              </a:tabLst>
+            </a:pPr>
+            <a:r>
+              <a:rPr lang="es-CO" sz="1400" dirty="0">
+                <a:solidFill>
+                  <a:schemeClr val="bg1"/>
+                </a:solidFill>
+                <a:effectLst/>
+                <a:latin typeface="Bahnschrift Light" panose="020B0502040204020203" pitchFamily="34" charset="0"/>
+                <a:ea typeface="Calibri" panose="020F0502020204030204" pitchFamily="34" charset="0"/>
+                <a:cs typeface="Times New Roman" panose="02020603050405020304" pitchFamily="18" charset="0"/>
+              </a:rPr>
+              <a:t>01/09/2022</a:t>
+            </a:r>
+            <a:endParaRPr lang="es-ES" sz="1400" dirty="0">
+              <a:solidFill>
+                <a:schemeClr val="bg1"/>
+              </a:solidFill>
+              <a:effectLst/>
+              <a:latin typeface="Calibri" panose="020F0502020204030204" pitchFamily="34" charset="0"/>
+              <a:ea typeface="Calibri" panose="020F0502020204030204" pitchFamily="34" charset="0"/>
+              <a:cs typeface="Times New Roman" panose="02020603050405020304" pitchFamily="18" charset="0"/>
+            </a:endParaRPr>
           </a:p>
         </p:txBody>
       </p:sp>
@@ -546,6 +639,45 @@
           </a:p>
         </p:txBody>
       </p:sp>
+      <p:cxnSp>
+        <p:nvCxnSpPr>
+          <p:cNvPr id="7" name="Conector recto 8">
+            <a:extLst>
+              <a:ext uri="{FF2B5EF4-FFF2-40B4-BE49-F238E27FC236}">
+                <a16:creationId xmlns:a16="http://schemas.microsoft.com/office/drawing/2014/main" id="{29CDE70E-0C5A-939A-ABED-23A3A539B1A8}"/>
+              </a:ext>
+            </a:extLst>
+          </p:cNvPr>
+          <p:cNvCxnSpPr>
+            <a:cxnSpLocks/>
+          </p:cNvCxnSpPr>
+          <p:nvPr userDrawn="1"/>
+        </p:nvCxnSpPr>
+        <p:spPr>
+          <a:xfrm flipV="1">
+            <a:off x="342900" y="685798"/>
+            <a:ext cx="11514138" cy="1"/>
+          </a:xfrm>
+          <a:prstGeom prst="line">
+            <a:avLst/>
+          </a:prstGeom>
+          <a:ln w="28575"/>
+        </p:spPr>
+        <p:style>
+          <a:lnRef idx="1">
+            <a:schemeClr val="accent2"/>
+          </a:lnRef>
+          <a:fillRef idx="0">
+            <a:schemeClr val="accent2"/>
+          </a:fillRef>
+          <a:effectRef idx="0">
+            <a:schemeClr val="accent2"/>
+          </a:effectRef>
+          <a:fontRef idx="minor">
+            <a:schemeClr val="tx1"/>
+          </a:fontRef>
+        </p:style>
+      </p:cxnSp>
     </p:spTree>
     <p:extLst>
       <p:ext uri="{BB962C8B-B14F-4D97-AF65-F5344CB8AC3E}">
@@ -956,6 +1088,45 @@
           </a:p>
         </p:txBody>
       </p:sp>
+      <p:cxnSp>
+        <p:nvCxnSpPr>
+          <p:cNvPr id="7" name="Conector recto 8">
+            <a:extLst>
+              <a:ext uri="{FF2B5EF4-FFF2-40B4-BE49-F238E27FC236}">
+                <a16:creationId xmlns:a16="http://schemas.microsoft.com/office/drawing/2014/main" id="{08837630-1E38-046F-A401-9257C2E3BDBC}"/>
+              </a:ext>
+            </a:extLst>
+          </p:cNvPr>
+          <p:cNvCxnSpPr>
+            <a:cxnSpLocks/>
+          </p:cNvCxnSpPr>
+          <p:nvPr userDrawn="1"/>
+        </p:nvCxnSpPr>
+        <p:spPr>
+          <a:xfrm flipV="1">
+            <a:off x="342900" y="685798"/>
+            <a:ext cx="11514138" cy="1"/>
+          </a:xfrm>
+          <a:prstGeom prst="line">
+            <a:avLst/>
+          </a:prstGeom>
+          <a:ln w="28575"/>
+        </p:spPr>
+        <p:style>
+          <a:lnRef idx="1">
+            <a:schemeClr val="accent2"/>
+          </a:lnRef>
+          <a:fillRef idx="0">
+            <a:schemeClr val="accent2"/>
+          </a:fillRef>
+          <a:effectRef idx="0">
+            <a:schemeClr val="accent2"/>
+          </a:effectRef>
+          <a:fontRef idx="minor">
+            <a:schemeClr val="tx1"/>
+          </a:fontRef>
+        </p:style>
+      </p:cxnSp>
     </p:spTree>
     <p:extLst>
       <p:ext uri="{BB962C8B-B14F-4D97-AF65-F5344CB8AC3E}">
@@ -1521,6 +1692,45 @@
           </a:p>
         </p:txBody>
       </p:sp>
+      <p:cxnSp>
+        <p:nvCxnSpPr>
+          <p:cNvPr id="8" name="Conector recto 8">
+            <a:extLst>
+              <a:ext uri="{FF2B5EF4-FFF2-40B4-BE49-F238E27FC236}">
+                <a16:creationId xmlns:a16="http://schemas.microsoft.com/office/drawing/2014/main" id="{7F0AA4A1-86BE-8D2A-58AE-6D5D90243D20}"/>
+              </a:ext>
+            </a:extLst>
+          </p:cNvPr>
+          <p:cNvCxnSpPr>
+            <a:cxnSpLocks/>
+          </p:cNvCxnSpPr>
+          <p:nvPr userDrawn="1"/>
+        </p:nvCxnSpPr>
+        <p:spPr>
+          <a:xfrm flipV="1">
+            <a:off x="342900" y="685798"/>
+            <a:ext cx="11514138" cy="1"/>
+          </a:xfrm>
+          <a:prstGeom prst="line">
+            <a:avLst/>
+          </a:prstGeom>
+          <a:ln w="28575"/>
+        </p:spPr>
+        <p:style>
+          <a:lnRef idx="1">
+            <a:schemeClr val="accent2"/>
+          </a:lnRef>
+          <a:fillRef idx="0">
+            <a:schemeClr val="accent2"/>
+          </a:fillRef>
+          <a:effectRef idx="0">
+            <a:schemeClr val="accent2"/>
+          </a:effectRef>
+          <a:fontRef idx="minor">
+            <a:schemeClr val="tx1"/>
+          </a:fontRef>
+        </p:style>
+      </p:cxnSp>
     </p:spTree>
     <p:extLst>
       <p:ext uri="{BB962C8B-B14F-4D97-AF65-F5344CB8AC3E}">
@@ -1936,6 +2146,45 @@
           </a:p>
         </p:txBody>
       </p:sp>
+      <p:cxnSp>
+        <p:nvCxnSpPr>
+          <p:cNvPr id="10" name="Conector recto 8">
+            <a:extLst>
+              <a:ext uri="{FF2B5EF4-FFF2-40B4-BE49-F238E27FC236}">
+                <a16:creationId xmlns:a16="http://schemas.microsoft.com/office/drawing/2014/main" id="{2DC66339-2A8A-4150-8A11-5A5917737DA7}"/>
+              </a:ext>
+            </a:extLst>
+          </p:cNvPr>
+          <p:cNvCxnSpPr>
+            <a:cxnSpLocks/>
+          </p:cNvCxnSpPr>
+          <p:nvPr userDrawn="1"/>
+        </p:nvCxnSpPr>
+        <p:spPr>
+          <a:xfrm flipV="1">
+            <a:off x="342900" y="685798"/>
+            <a:ext cx="11514138" cy="1"/>
+          </a:xfrm>
+          <a:prstGeom prst="line">
+            <a:avLst/>
+          </a:prstGeom>
+          <a:ln w="28575"/>
+        </p:spPr>
+        <p:style>
+          <a:lnRef idx="1">
+            <a:schemeClr val="accent2"/>
+          </a:lnRef>
+          <a:fillRef idx="0">
+            <a:schemeClr val="accent2"/>
+          </a:fillRef>
+          <a:effectRef idx="0">
+            <a:schemeClr val="accent2"/>
+          </a:effectRef>
+          <a:fontRef idx="minor">
+            <a:schemeClr val="tx1"/>
+          </a:fontRef>
+        </p:style>
+      </p:cxnSp>
     </p:spTree>
     <p:extLst>
       <p:ext uri="{BB962C8B-B14F-4D97-AF65-F5344CB8AC3E}">
@@ -2078,6 +2327,45 @@
           </a:p>
         </p:txBody>
       </p:sp>
+      <p:cxnSp>
+        <p:nvCxnSpPr>
+          <p:cNvPr id="6" name="Conector recto 8">
+            <a:extLst>
+              <a:ext uri="{FF2B5EF4-FFF2-40B4-BE49-F238E27FC236}">
+                <a16:creationId xmlns:a16="http://schemas.microsoft.com/office/drawing/2014/main" id="{E72349E0-4A54-59B6-9EC3-BA2092A0080F}"/>
+              </a:ext>
+            </a:extLst>
+          </p:cNvPr>
+          <p:cNvCxnSpPr>
+            <a:cxnSpLocks/>
+          </p:cNvCxnSpPr>
+          <p:nvPr userDrawn="1"/>
+        </p:nvCxnSpPr>
+        <p:spPr>
+          <a:xfrm flipV="1">
+            <a:off x="342900" y="685798"/>
+            <a:ext cx="11514138" cy="1"/>
+          </a:xfrm>
+          <a:prstGeom prst="line">
+            <a:avLst/>
+          </a:prstGeom>
+          <a:ln w="28575"/>
+        </p:spPr>
+        <p:style>
+          <a:lnRef idx="1">
+            <a:schemeClr val="accent2"/>
+          </a:lnRef>
+          <a:fillRef idx="0">
+            <a:schemeClr val="accent2"/>
+          </a:fillRef>
+          <a:effectRef idx="0">
+            <a:schemeClr val="accent2"/>
+          </a:effectRef>
+          <a:fontRef idx="minor">
+            <a:schemeClr val="tx1"/>
+          </a:fontRef>
+        </p:style>
+      </p:cxnSp>
     </p:spTree>
     <p:extLst>
       <p:ext uri="{BB962C8B-B14F-4D97-AF65-F5344CB8AC3E}">
@@ -2191,6 +2479,45 @@
           </a:p>
         </p:txBody>
       </p:sp>
+      <p:cxnSp>
+        <p:nvCxnSpPr>
+          <p:cNvPr id="5" name="Conector recto 8">
+            <a:extLst>
+              <a:ext uri="{FF2B5EF4-FFF2-40B4-BE49-F238E27FC236}">
+                <a16:creationId xmlns:a16="http://schemas.microsoft.com/office/drawing/2014/main" id="{32DDB316-B678-58BE-B1F3-DC641CFC2BDE}"/>
+              </a:ext>
+            </a:extLst>
+          </p:cNvPr>
+          <p:cNvCxnSpPr>
+            <a:cxnSpLocks/>
+          </p:cNvCxnSpPr>
+          <p:nvPr userDrawn="1"/>
+        </p:nvCxnSpPr>
+        <p:spPr>
+          <a:xfrm flipV="1">
+            <a:off x="342900" y="685798"/>
+            <a:ext cx="11514138" cy="1"/>
+          </a:xfrm>
+          <a:prstGeom prst="line">
+            <a:avLst/>
+          </a:prstGeom>
+          <a:ln w="28575"/>
+        </p:spPr>
+        <p:style>
+          <a:lnRef idx="1">
+            <a:schemeClr val="accent2"/>
+          </a:lnRef>
+          <a:fillRef idx="0">
+            <a:schemeClr val="accent2"/>
+          </a:fillRef>
+          <a:effectRef idx="0">
+            <a:schemeClr val="accent2"/>
+          </a:effectRef>
+          <a:fontRef idx="minor">
+            <a:schemeClr val="tx1"/>
+          </a:fontRef>
+        </p:style>
+      </p:cxnSp>
     </p:spTree>
     <p:extLst>
       <p:ext uri="{BB962C8B-B14F-4D97-AF65-F5344CB8AC3E}">
@@ -3072,45 +3399,6 @@
           </a:p>
         </p:txBody>
       </p:sp>
-      <p:cxnSp>
-        <p:nvCxnSpPr>
-          <p:cNvPr id="7" name="Conector recto 8">
-            <a:extLst>
-              <a:ext uri="{FF2B5EF4-FFF2-40B4-BE49-F238E27FC236}">
-                <a16:creationId xmlns:a16="http://schemas.microsoft.com/office/drawing/2014/main" id="{FA7CE3D9-7CF8-667A-08D4-C7B2818A43DD}"/>
-              </a:ext>
-            </a:extLst>
-          </p:cNvPr>
-          <p:cNvCxnSpPr>
-            <a:cxnSpLocks/>
-          </p:cNvCxnSpPr>
-          <p:nvPr userDrawn="1"/>
-        </p:nvCxnSpPr>
-        <p:spPr>
-          <a:xfrm flipV="1">
-            <a:off x="342900" y="685798"/>
-            <a:ext cx="11514138" cy="1"/>
-          </a:xfrm>
-          <a:prstGeom prst="line">
-            <a:avLst/>
-          </a:prstGeom>
-          <a:ln w="28575"/>
-        </p:spPr>
-        <p:style>
-          <a:lnRef idx="1">
-            <a:schemeClr val="accent2"/>
-          </a:lnRef>
-          <a:fillRef idx="0">
-            <a:schemeClr val="accent2"/>
-          </a:fillRef>
-          <a:effectRef idx="0">
-            <a:schemeClr val="accent2"/>
-          </a:effectRef>
-          <a:fontRef idx="minor">
-            <a:schemeClr val="tx1"/>
-          </a:fontRef>
-        </p:style>
-      </p:cxnSp>
       <p:pic>
         <p:nvPicPr>
           <p:cNvPr id="8" name="Imagen 2" descr="Imagen que contiene Logotipo&#10;&#10;Descripción generada automáticamente">

--- a/content/template.pptx
+++ b/content/template.pptx
@@ -360,82 +360,36 @@
         </p:nvSpPr>
         <p:spPr>
           <a:xfrm>
-            <a:off x="592253" y="5999853"/>
-            <a:ext cx="1872208" cy="523220"/>
+            <a:off x="838200" y="6048573"/>
+            <a:ext cx="1872208" cy="307777"/>
           </a:xfrm>
           <a:prstGeom prst="rect">
             <a:avLst/>
           </a:prstGeom>
-          <a:noFill/>
         </p:spPr>
         <p:txBody>
-          <a:bodyPr wrap="square" rtlCol="0">
-            <a:spAutoFit/>
-          </a:bodyPr>
-          <a:lstStyle/>
-          <a:p>
-            <a:pPr>
-              <a:tabLst>
-                <a:tab pos="2806065" algn="ctr"/>
-                <a:tab pos="5612130" algn="r"/>
-                <a:tab pos="2226310" algn="l"/>
-                <a:tab pos="2806065" algn="ctr"/>
-                <a:tab pos="5612130" algn="r"/>
-              </a:tabLst>
-            </a:pPr>
-            <a:r>
-              <a:rPr lang="es-CO" sz="1400" dirty="0">
+          <a:bodyPr vert="horz" lIns="91440" tIns="45720" rIns="91440" bIns="45720" rtlCol="0" anchor="ctr"/>
+          <a:lstStyle>
+            <a:defPPr>
+              <a:defRPr lang="en-US"/>
+            </a:defPPr>
+            <a:lvl1pPr>
+              <a:defRPr sz="1200">
                 <a:solidFill>
-                  <a:schemeClr val="bg1"/>
+                  <a:schemeClr val="tx1">
+                    <a:tint val="75000"/>
+                  </a:schemeClr>
                 </a:solidFill>
-                <a:effectLst/>
-                <a:latin typeface="Bahnschrift Light" panose="020B0502040204020203" pitchFamily="34" charset="0"/>
-                <a:ea typeface="Calibri" panose="020F0502020204030204" pitchFamily="34" charset="0"/>
-                <a:cs typeface="Times New Roman" panose="02020603050405020304" pitchFamily="18" charset="0"/>
-              </a:rPr>
+              </a:defRPr>
+            </a:lvl1pPr>
+          </a:lstStyle>
+          <a:p>
+            <a:pPr lvl="0"/>
+            <a:r>
+              <a:rPr lang="es-CO" dirty="0"/>
               <a:t>FT-121-OP V.3</a:t>
             </a:r>
-            <a:endParaRPr lang="es-ES" sz="1400" dirty="0">
-              <a:solidFill>
-                <a:schemeClr val="bg1"/>
-              </a:solidFill>
-              <a:effectLst/>
-              <a:latin typeface="Calibri" panose="020F0502020204030204" pitchFamily="34" charset="0"/>
-              <a:ea typeface="Calibri" panose="020F0502020204030204" pitchFamily="34" charset="0"/>
-              <a:cs typeface="Times New Roman" panose="02020603050405020304" pitchFamily="18" charset="0"/>
-            </a:endParaRPr>
-          </a:p>
-          <a:p>
-            <a:pPr>
-              <a:tabLst>
-                <a:tab pos="2806065" algn="ctr"/>
-                <a:tab pos="5612130" algn="r"/>
-                <a:tab pos="2226310" algn="l"/>
-                <a:tab pos="2806065" algn="ctr"/>
-                <a:tab pos="5612130" algn="r"/>
-              </a:tabLst>
-            </a:pPr>
-            <a:r>
-              <a:rPr lang="es-CO" sz="1400" dirty="0">
-                <a:solidFill>
-                  <a:schemeClr val="bg1"/>
-                </a:solidFill>
-                <a:effectLst/>
-                <a:latin typeface="Bahnschrift Light" panose="020B0502040204020203" pitchFamily="34" charset="0"/>
-                <a:ea typeface="Calibri" panose="020F0502020204030204" pitchFamily="34" charset="0"/>
-                <a:cs typeface="Times New Roman" panose="02020603050405020304" pitchFamily="18" charset="0"/>
-              </a:rPr>
-              <a:t>01/09/2022</a:t>
-            </a:r>
-            <a:endParaRPr lang="es-ES" sz="1400" dirty="0">
-              <a:solidFill>
-                <a:schemeClr val="bg1"/>
-              </a:solidFill>
-              <a:effectLst/>
-              <a:latin typeface="Calibri" panose="020F0502020204030204" pitchFamily="34" charset="0"/>
-              <a:ea typeface="Calibri" panose="020F0502020204030204" pitchFamily="34" charset="0"/>
-              <a:cs typeface="Times New Roman" panose="02020603050405020304" pitchFamily="18" charset="0"/>
-            </a:endParaRPr>
+            <a:endParaRPr lang="es-ES" dirty="0"/>
           </a:p>
         </p:txBody>
       </p:sp>

--- a/content/template.pptx
+++ b/content/template.pptx
@@ -286,7 +286,7 @@
           <a:p>
             <a:fld id="{B1D0D1D1-B849-0E4E-8830-1466A2D52B65}" type="datetimeFigureOut">
               <a:rPr lang="es-ES_tradnl" smtClean="0"/>
-              <a:t>29/11/23</a:t>
+              <a:t>30/11/23</a:t>
             </a:fld>
             <a:endParaRPr lang="es-ES_tradnl"/>
           </a:p>
@@ -533,7 +533,7 @@
           <a:p>
             <a:fld id="{B1D0D1D1-B849-0E4E-8830-1466A2D52B65}" type="datetimeFigureOut">
               <a:rPr lang="es-ES_tradnl" smtClean="0"/>
-              <a:t>29/11/23</a:t>
+              <a:t>30/11/23</a:t>
             </a:fld>
             <a:endParaRPr lang="es-ES_tradnl"/>
           </a:p>
@@ -782,7 +782,7 @@
           <a:p>
             <a:fld id="{B1D0D1D1-B849-0E4E-8830-1466A2D52B65}" type="datetimeFigureOut">
               <a:rPr lang="es-ES_tradnl" smtClean="0"/>
-              <a:t>29/11/23</a:t>
+              <a:t>30/11/23</a:t>
             </a:fld>
             <a:endParaRPr lang="es-ES_tradnl"/>
           </a:p>
@@ -919,8 +919,41 @@
         </p:nvSpPr>
         <p:spPr/>
         <p:txBody>
-          <a:bodyPr/>
-          <a:lstStyle/>
+          <a:bodyPr>
+            <a:normAutofit/>
+          </a:bodyPr>
+          <a:lstStyle>
+            <a:lvl1pPr>
+              <a:defRPr sz="2000" b="0" i="0">
+                <a:latin typeface="Arial" panose="020B0604020202020204" pitchFamily="34" charset="0"/>
+                <a:cs typeface="Arial" panose="020B0604020202020204" pitchFamily="34" charset="0"/>
+              </a:defRPr>
+            </a:lvl1pPr>
+            <a:lvl2pPr>
+              <a:defRPr sz="1800" b="0" i="0">
+                <a:latin typeface="Arial" panose="020B0604020202020204" pitchFamily="34" charset="0"/>
+                <a:cs typeface="Arial" panose="020B0604020202020204" pitchFamily="34" charset="0"/>
+              </a:defRPr>
+            </a:lvl2pPr>
+            <a:lvl3pPr>
+              <a:defRPr sz="1600" b="0" i="0">
+                <a:latin typeface="Arial" panose="020B0604020202020204" pitchFamily="34" charset="0"/>
+                <a:cs typeface="Arial" panose="020B0604020202020204" pitchFamily="34" charset="0"/>
+              </a:defRPr>
+            </a:lvl3pPr>
+            <a:lvl4pPr>
+              <a:defRPr sz="1400" b="0" i="0">
+                <a:latin typeface="Arial" panose="020B0604020202020204" pitchFamily="34" charset="0"/>
+                <a:cs typeface="Arial" panose="020B0604020202020204" pitchFamily="34" charset="0"/>
+              </a:defRPr>
+            </a:lvl4pPr>
+            <a:lvl5pPr>
+              <a:defRPr sz="1400" b="0" i="0">
+                <a:latin typeface="Arial" panose="020B0604020202020204" pitchFamily="34" charset="0"/>
+                <a:cs typeface="Arial" panose="020B0604020202020204" pitchFamily="34" charset="0"/>
+              </a:defRPr>
+            </a:lvl5pPr>
+          </a:lstStyle>
           <a:p>
             <a:pPr lvl="0"/>
             <a:r>
@@ -982,7 +1015,7 @@
           <a:p>
             <a:fld id="{B1D0D1D1-B849-0E4E-8830-1466A2D52B65}" type="datetimeFigureOut">
               <a:rPr lang="es-ES_tradnl" smtClean="0"/>
-              <a:t>29/11/23</a:t>
+              <a:t>30/11/23</a:t>
             </a:fld>
             <a:endParaRPr lang="es-ES_tradnl"/>
           </a:p>
@@ -1312,7 +1345,7 @@
           <a:p>
             <a:fld id="{B1D0D1D1-B849-0E4E-8830-1466A2D52B65}" type="datetimeFigureOut">
               <a:rPr lang="es-ES_tradnl" smtClean="0"/>
-              <a:t>29/11/23</a:t>
+              <a:t>30/11/23</a:t>
             </a:fld>
             <a:endParaRPr lang="es-ES_tradnl"/>
           </a:p>
@@ -1460,8 +1493,41 @@
           </a:xfrm>
         </p:spPr>
         <p:txBody>
-          <a:bodyPr/>
-          <a:lstStyle/>
+          <a:bodyPr>
+            <a:normAutofit/>
+          </a:bodyPr>
+          <a:lstStyle>
+            <a:lvl1pPr>
+              <a:defRPr sz="2000" b="0" i="0">
+                <a:latin typeface="Arial" panose="020B0604020202020204" pitchFamily="34" charset="0"/>
+                <a:cs typeface="Arial" panose="020B0604020202020204" pitchFamily="34" charset="0"/>
+              </a:defRPr>
+            </a:lvl1pPr>
+            <a:lvl2pPr>
+              <a:defRPr sz="1800" b="0" i="0">
+                <a:latin typeface="Arial" panose="020B0604020202020204" pitchFamily="34" charset="0"/>
+                <a:cs typeface="Arial" panose="020B0604020202020204" pitchFamily="34" charset="0"/>
+              </a:defRPr>
+            </a:lvl2pPr>
+            <a:lvl3pPr>
+              <a:defRPr sz="1600" b="0" i="0">
+                <a:latin typeface="Arial" panose="020B0604020202020204" pitchFamily="34" charset="0"/>
+                <a:cs typeface="Arial" panose="020B0604020202020204" pitchFamily="34" charset="0"/>
+              </a:defRPr>
+            </a:lvl3pPr>
+            <a:lvl4pPr>
+              <a:defRPr sz="1400" b="0" i="0">
+                <a:latin typeface="Arial" panose="020B0604020202020204" pitchFamily="34" charset="0"/>
+                <a:cs typeface="Arial" panose="020B0604020202020204" pitchFamily="34" charset="0"/>
+              </a:defRPr>
+            </a:lvl4pPr>
+            <a:lvl5pPr>
+              <a:defRPr sz="1400" b="0" i="0">
+                <a:latin typeface="Arial" panose="020B0604020202020204" pitchFamily="34" charset="0"/>
+                <a:cs typeface="Arial" panose="020B0604020202020204" pitchFamily="34" charset="0"/>
+              </a:defRPr>
+            </a:lvl5pPr>
+          </a:lstStyle>
           <a:p>
             <a:pPr lvl="0"/>
             <a:r>
@@ -1523,8 +1589,41 @@
           </a:xfrm>
         </p:spPr>
         <p:txBody>
-          <a:bodyPr/>
-          <a:lstStyle/>
+          <a:bodyPr>
+            <a:normAutofit/>
+          </a:bodyPr>
+          <a:lstStyle>
+            <a:lvl1pPr>
+              <a:defRPr sz="2000" b="0" i="0">
+                <a:latin typeface="Arial" panose="020B0604020202020204" pitchFamily="34" charset="0"/>
+                <a:cs typeface="Arial" panose="020B0604020202020204" pitchFamily="34" charset="0"/>
+              </a:defRPr>
+            </a:lvl1pPr>
+            <a:lvl2pPr>
+              <a:defRPr sz="1800" b="0" i="0">
+                <a:latin typeface="Arial" panose="020B0604020202020204" pitchFamily="34" charset="0"/>
+                <a:cs typeface="Arial" panose="020B0604020202020204" pitchFamily="34" charset="0"/>
+              </a:defRPr>
+            </a:lvl2pPr>
+            <a:lvl3pPr>
+              <a:defRPr sz="1600" b="0" i="0">
+                <a:latin typeface="Arial" panose="020B0604020202020204" pitchFamily="34" charset="0"/>
+                <a:cs typeface="Arial" panose="020B0604020202020204" pitchFamily="34" charset="0"/>
+              </a:defRPr>
+            </a:lvl3pPr>
+            <a:lvl4pPr>
+              <a:defRPr sz="1400" b="0" i="0">
+                <a:latin typeface="Arial" panose="020B0604020202020204" pitchFamily="34" charset="0"/>
+                <a:cs typeface="Arial" panose="020B0604020202020204" pitchFamily="34" charset="0"/>
+              </a:defRPr>
+            </a:lvl4pPr>
+            <a:lvl5pPr>
+              <a:defRPr sz="1400" b="0" i="0">
+                <a:latin typeface="Arial" panose="020B0604020202020204" pitchFamily="34" charset="0"/>
+                <a:cs typeface="Arial" panose="020B0604020202020204" pitchFamily="34" charset="0"/>
+              </a:defRPr>
+            </a:lvl5pPr>
+          </a:lstStyle>
           <a:p>
             <a:pPr lvl="0"/>
             <a:r>
@@ -1586,7 +1685,7 @@
           <a:p>
             <a:fld id="{B1D0D1D1-B849-0E4E-8830-1466A2D52B65}" type="datetimeFigureOut">
               <a:rPr lang="es-ES_tradnl" smtClean="0"/>
-              <a:t>29/11/23</a:t>
+              <a:t>30/11/23</a:t>
             </a:fld>
             <a:endParaRPr lang="es-ES_tradnl"/>
           </a:p>
@@ -1776,7 +1875,10 @@
           <a:lstStyle>
             <a:lvl1pPr marL="0" indent="0">
               <a:buNone/>
-              <a:defRPr sz="2400" b="1"/>
+              <a:defRPr sz="2400" b="1">
+                <a:latin typeface="Arial" panose="020B0604020202020204" pitchFamily="34" charset="0"/>
+                <a:cs typeface="Arial" panose="020B0604020202020204" pitchFamily="34" charset="0"/>
+              </a:defRPr>
             </a:lvl1pPr>
             <a:lvl2pPr marL="457200" indent="0">
               <a:buNone/>
@@ -1843,8 +1945,41 @@
           </a:xfrm>
         </p:spPr>
         <p:txBody>
-          <a:bodyPr/>
-          <a:lstStyle/>
+          <a:bodyPr>
+            <a:normAutofit/>
+          </a:bodyPr>
+          <a:lstStyle>
+            <a:lvl1pPr>
+              <a:defRPr sz="2000">
+                <a:latin typeface="Arial" panose="020B0604020202020204" pitchFamily="34" charset="0"/>
+                <a:cs typeface="Arial" panose="020B0604020202020204" pitchFamily="34" charset="0"/>
+              </a:defRPr>
+            </a:lvl1pPr>
+            <a:lvl2pPr>
+              <a:defRPr sz="1800">
+                <a:latin typeface="Arial" panose="020B0604020202020204" pitchFamily="34" charset="0"/>
+                <a:cs typeface="Arial" panose="020B0604020202020204" pitchFamily="34" charset="0"/>
+              </a:defRPr>
+            </a:lvl2pPr>
+            <a:lvl3pPr>
+              <a:defRPr sz="1600">
+                <a:latin typeface="Arial" panose="020B0604020202020204" pitchFamily="34" charset="0"/>
+                <a:cs typeface="Arial" panose="020B0604020202020204" pitchFamily="34" charset="0"/>
+              </a:defRPr>
+            </a:lvl3pPr>
+            <a:lvl4pPr>
+              <a:defRPr sz="1400">
+                <a:latin typeface="Arial" panose="020B0604020202020204" pitchFamily="34" charset="0"/>
+                <a:cs typeface="Arial" panose="020B0604020202020204" pitchFamily="34" charset="0"/>
+              </a:defRPr>
+            </a:lvl4pPr>
+            <a:lvl5pPr>
+              <a:defRPr sz="1400">
+                <a:latin typeface="Arial" panose="020B0604020202020204" pitchFamily="34" charset="0"/>
+                <a:cs typeface="Arial" panose="020B0604020202020204" pitchFamily="34" charset="0"/>
+              </a:defRPr>
+            </a:lvl5pPr>
+          </a:lstStyle>
           <a:p>
             <a:pPr lvl="0"/>
             <a:r>
@@ -1910,7 +2045,10 @@
           <a:lstStyle>
             <a:lvl1pPr marL="0" indent="0">
               <a:buNone/>
-              <a:defRPr sz="2400" b="1"/>
+              <a:defRPr sz="2400" b="1">
+                <a:latin typeface="Arial" panose="020B0604020202020204" pitchFamily="34" charset="0"/>
+                <a:cs typeface="Arial" panose="020B0604020202020204" pitchFamily="34" charset="0"/>
+              </a:defRPr>
             </a:lvl1pPr>
             <a:lvl2pPr marL="457200" indent="0">
               <a:buNone/>
@@ -1977,8 +2115,41 @@
           </a:xfrm>
         </p:spPr>
         <p:txBody>
-          <a:bodyPr/>
-          <a:lstStyle/>
+          <a:bodyPr>
+            <a:normAutofit/>
+          </a:bodyPr>
+          <a:lstStyle>
+            <a:lvl1pPr>
+              <a:defRPr sz="2000">
+                <a:latin typeface="Arial" panose="020B0604020202020204" pitchFamily="34" charset="0"/>
+                <a:cs typeface="Arial" panose="020B0604020202020204" pitchFamily="34" charset="0"/>
+              </a:defRPr>
+            </a:lvl1pPr>
+            <a:lvl2pPr>
+              <a:defRPr sz="1800">
+                <a:latin typeface="Arial" panose="020B0604020202020204" pitchFamily="34" charset="0"/>
+                <a:cs typeface="Arial" panose="020B0604020202020204" pitchFamily="34" charset="0"/>
+              </a:defRPr>
+            </a:lvl2pPr>
+            <a:lvl3pPr>
+              <a:defRPr sz="1600">
+                <a:latin typeface="Arial" panose="020B0604020202020204" pitchFamily="34" charset="0"/>
+                <a:cs typeface="Arial" panose="020B0604020202020204" pitchFamily="34" charset="0"/>
+              </a:defRPr>
+            </a:lvl3pPr>
+            <a:lvl4pPr>
+              <a:defRPr sz="1400">
+                <a:latin typeface="Arial" panose="020B0604020202020204" pitchFamily="34" charset="0"/>
+                <a:cs typeface="Arial" panose="020B0604020202020204" pitchFamily="34" charset="0"/>
+              </a:defRPr>
+            </a:lvl4pPr>
+            <a:lvl5pPr>
+              <a:defRPr sz="1400">
+                <a:latin typeface="Arial" panose="020B0604020202020204" pitchFamily="34" charset="0"/>
+                <a:cs typeface="Arial" panose="020B0604020202020204" pitchFamily="34" charset="0"/>
+              </a:defRPr>
+            </a:lvl5pPr>
+          </a:lstStyle>
           <a:p>
             <a:pPr lvl="0"/>
             <a:r>
@@ -2040,7 +2211,7 @@
           <a:p>
             <a:fld id="{B1D0D1D1-B849-0E4E-8830-1466A2D52B65}" type="datetimeFigureOut">
               <a:rPr lang="es-ES_tradnl" smtClean="0"/>
-              <a:t>29/11/23</a:t>
+              <a:t>30/11/23</a:t>
             </a:fld>
             <a:endParaRPr lang="es-ES_tradnl"/>
           </a:p>
@@ -2221,7 +2392,7 @@
           <a:p>
             <a:fld id="{B1D0D1D1-B849-0E4E-8830-1466A2D52B65}" type="datetimeFigureOut">
               <a:rPr lang="es-ES_tradnl" smtClean="0"/>
-              <a:t>29/11/23</a:t>
+              <a:t>30/11/23</a:t>
             </a:fld>
             <a:endParaRPr lang="es-ES_tradnl"/>
           </a:p>
@@ -2373,7 +2544,7 @@
           <a:p>
             <a:fld id="{B1D0D1D1-B849-0E4E-8830-1466A2D52B65}" type="datetimeFigureOut">
               <a:rPr lang="es-ES_tradnl" smtClean="0"/>
-              <a:t>29/11/23</a:t>
+              <a:t>30/11/23</a:t>
             </a:fld>
             <a:endParaRPr lang="es-ES_tradnl"/>
           </a:p>
@@ -2566,19 +2737,34 @@
           <a:bodyPr/>
           <a:lstStyle>
             <a:lvl1pPr>
-              <a:defRPr sz="3200"/>
+              <a:defRPr sz="3200">
+                <a:latin typeface="Arial" panose="020B0604020202020204" pitchFamily="34" charset="0"/>
+                <a:cs typeface="Arial" panose="020B0604020202020204" pitchFamily="34" charset="0"/>
+              </a:defRPr>
             </a:lvl1pPr>
             <a:lvl2pPr>
-              <a:defRPr sz="2800"/>
+              <a:defRPr sz="2000">
+                <a:latin typeface="Arial" panose="020B0604020202020204" pitchFamily="34" charset="0"/>
+                <a:cs typeface="Arial" panose="020B0604020202020204" pitchFamily="34" charset="0"/>
+              </a:defRPr>
             </a:lvl2pPr>
             <a:lvl3pPr>
-              <a:defRPr sz="2400"/>
+              <a:defRPr sz="2400">
+                <a:latin typeface="Arial" panose="020B0604020202020204" pitchFamily="34" charset="0"/>
+                <a:cs typeface="Arial" panose="020B0604020202020204" pitchFamily="34" charset="0"/>
+              </a:defRPr>
             </a:lvl3pPr>
             <a:lvl4pPr>
-              <a:defRPr sz="2000"/>
+              <a:defRPr sz="2000">
+                <a:latin typeface="Arial" panose="020B0604020202020204" pitchFamily="34" charset="0"/>
+                <a:cs typeface="Arial" panose="020B0604020202020204" pitchFamily="34" charset="0"/>
+              </a:defRPr>
             </a:lvl4pPr>
             <a:lvl5pPr>
-              <a:defRPr sz="2000"/>
+              <a:defRPr sz="2000">
+                <a:latin typeface="Arial" panose="020B0604020202020204" pitchFamily="34" charset="0"/>
+                <a:cs typeface="Arial" panose="020B0604020202020204" pitchFamily="34" charset="0"/>
+              </a:defRPr>
             </a:lvl5pPr>
             <a:lvl6pPr>
               <a:defRPr sz="2000"/>
@@ -2658,7 +2844,10 @@
           <a:lstStyle>
             <a:lvl1pPr marL="0" indent="0">
               <a:buNone/>
-              <a:defRPr sz="1600"/>
+              <a:defRPr sz="1600">
+                <a:latin typeface="Arial" panose="020B0604020202020204" pitchFamily="34" charset="0"/>
+                <a:cs typeface="Arial" panose="020B0604020202020204" pitchFamily="34" charset="0"/>
+              </a:defRPr>
             </a:lvl1pPr>
             <a:lvl2pPr marL="457200" indent="0">
               <a:buNone/>
@@ -2725,7 +2914,7 @@
           <a:p>
             <a:fld id="{B1D0D1D1-B849-0E4E-8830-1466A2D52B65}" type="datetimeFigureOut">
               <a:rPr lang="es-ES_tradnl" smtClean="0"/>
-              <a:t>29/11/23</a:t>
+              <a:t>30/11/23</a:t>
             </a:fld>
             <a:endParaRPr lang="es-ES_tradnl"/>
           </a:p>
@@ -3014,7 +3203,7 @@
           <a:p>
             <a:fld id="{B1D0D1D1-B849-0E4E-8830-1466A2D52B65}" type="datetimeFigureOut">
               <a:rPr lang="es-ES_tradnl" smtClean="0"/>
-              <a:t>29/11/23</a:t>
+              <a:t>30/11/23</a:t>
             </a:fld>
             <a:endParaRPr lang="es-ES_tradnl"/>
           </a:p>
@@ -3257,7 +3446,7 @@
           <a:p>
             <a:fld id="{B1D0D1D1-B849-0E4E-8830-1466A2D52B65}" type="datetimeFigureOut">
               <a:rPr lang="es-ES_tradnl" smtClean="0"/>
-              <a:t>29/11/23</a:t>
+              <a:t>30/11/23</a:t>
             </a:fld>
             <a:endParaRPr lang="es-ES_tradnl"/>
           </a:p>
@@ -3418,7 +3607,7 @@
           <a:solidFill>
             <a:schemeClr val="tx1"/>
           </a:solidFill>
-          <a:latin typeface="+mn-lt"/>
+          <a:latin typeface="Arial Rounded MT Bold" panose="020F0704030504030204" pitchFamily="34" charset="77"/>
           <a:ea typeface="+mj-ea"/>
           <a:cs typeface="+mj-cs"/>
         </a:defRPr>

--- a/content/template.pptx
+++ b/content/template.pptx
@@ -1128,7 +1128,7 @@
 </file>
 
 <file path=ppt/slideLayouts/slideLayout3.xml><?xml version="1.0" encoding="utf-8"?>
-<p:sldLayout xmlns:a="http://schemas.openxmlformats.org/drawingml/2006/main" xmlns:r="http://schemas.openxmlformats.org/officeDocument/2006/relationships" xmlns:p="http://schemas.openxmlformats.org/presentationml/2006/main" type="secHead" preserve="1">
+<p:sldLayout xmlns:a="http://schemas.openxmlformats.org/drawingml/2006/main" xmlns:r="http://schemas.openxmlformats.org/officeDocument/2006/relationships" xmlns:p="http://schemas.openxmlformats.org/presentationml/2006/main" preserve="1" userDrawn="1">
   <p:cSld name="Section Header">
     <p:spTree>
       <p:nvGrpSpPr>
@@ -1144,190 +1144,2074 @@
           <a:chExt cx="0" cy="0"/>
         </a:xfrm>
       </p:grpSpPr>
-      <p:sp>
-        <p:nvSpPr>
-          <p:cNvPr id="2" name="Title 1">
-            <a:extLst>
-              <a:ext uri="{FF2B5EF4-FFF2-40B4-BE49-F238E27FC236}">
-                <a16:creationId xmlns:a16="http://schemas.microsoft.com/office/drawing/2014/main" id="{6D0EF1AF-749A-441C-A6E5-82B73DEE1069}"/>
-              </a:ext>
-            </a:extLst>
-          </p:cNvPr>
-          <p:cNvSpPr>
-            <a:spLocks noGrp="1"/>
-          </p:cNvSpPr>
-          <p:nvPr>
-            <p:ph type="title"/>
-          </p:nvPr>
-        </p:nvSpPr>
+      <p:pic>
+        <p:nvPicPr>
+          <p:cNvPr id="7" name="Picture 6">
+            <a:extLst>
+              <a:ext uri="{FF2B5EF4-FFF2-40B4-BE49-F238E27FC236}">
+                <a16:creationId xmlns:a16="http://schemas.microsoft.com/office/drawing/2014/main" id="{8A8AD206-46D9-1F1A-63D0-A9FFB503F9D1}"/>
+              </a:ext>
+            </a:extLst>
+          </p:cNvPr>
+          <p:cNvPicPr>
+            <a:picLocks noChangeAspect="1"/>
+          </p:cNvPicPr>
+          <p:nvPr userDrawn="1"/>
+        </p:nvPicPr>
+        <p:blipFill rotWithShape="1">
+          <a:blip r:embed="rId2" cstate="screen">
+            <a:extLst>
+              <a:ext uri="{28A0092B-C50C-407E-A947-70E740481C1C}">
+                <a14:useLocalDpi xmlns:a14="http://schemas.microsoft.com/office/drawing/2010/main"/>
+              </a:ext>
+            </a:extLst>
+          </a:blip>
+          <a:srcRect/>
+          <a:stretch/>
+        </p:blipFill>
         <p:spPr>
           <a:xfrm>
-            <a:off x="831850" y="1709738"/>
-            <a:ext cx="10515600" cy="2852737"/>
+            <a:off x="1" y="1"/>
+            <a:ext cx="12192000" cy="6857999"/>
+          </a:xfrm>
+          <a:prstGeom prst="rect">
+            <a:avLst/>
+          </a:prstGeom>
+        </p:spPr>
+      </p:pic>
+      <p:sp>
+        <p:nvSpPr>
+          <p:cNvPr id="8" name="Rectangle 7">
+            <a:extLst>
+              <a:ext uri="{FF2B5EF4-FFF2-40B4-BE49-F238E27FC236}">
+                <a16:creationId xmlns:a16="http://schemas.microsoft.com/office/drawing/2014/main" id="{D5CE9FB6-6948-F33D-CB6E-7FC93F71D6E1}"/>
+              </a:ext>
+            </a:extLst>
+          </p:cNvPr>
+          <p:cNvSpPr/>
+          <p:nvPr userDrawn="1"/>
+        </p:nvSpPr>
+        <p:spPr>
+          <a:xfrm>
+            <a:off x="0" y="0"/>
+            <a:ext cx="4906046" cy="6858000"/>
+          </a:xfrm>
+          <a:prstGeom prst="rect">
+            <a:avLst/>
+          </a:prstGeom>
+          <a:solidFill>
+            <a:schemeClr val="accent1">
+              <a:alpha val="82000"/>
+            </a:schemeClr>
+          </a:solidFill>
+          <a:ln>
+            <a:noFill/>
+          </a:ln>
+        </p:spPr>
+        <p:style>
+          <a:lnRef idx="2">
+            <a:schemeClr val="accent1">
+              <a:shade val="50000"/>
+            </a:schemeClr>
+          </a:lnRef>
+          <a:fillRef idx="1">
+            <a:schemeClr val="accent1"/>
+          </a:fillRef>
+          <a:effectRef idx="0">
+            <a:schemeClr val="accent1"/>
+          </a:effectRef>
+          <a:fontRef idx="minor">
+            <a:schemeClr val="lt1"/>
+          </a:fontRef>
+        </p:style>
+        <p:txBody>
+          <a:bodyPr rtlCol="0" anchor="ctr"/>
+          <a:lstStyle/>
+          <a:p>
+            <a:pPr algn="ctr"/>
+            <a:endParaRPr lang="en-US"/>
+          </a:p>
+        </p:txBody>
+      </p:sp>
+      <p:sp>
+        <p:nvSpPr>
+          <p:cNvPr id="9" name="Freeform: Shape 14">
+            <a:extLst>
+              <a:ext uri="{FF2B5EF4-FFF2-40B4-BE49-F238E27FC236}">
+                <a16:creationId xmlns:a16="http://schemas.microsoft.com/office/drawing/2014/main" id="{227FF8E3-0493-9116-5526-9C0BE824160A}"/>
+              </a:ext>
+            </a:extLst>
+          </p:cNvPr>
+          <p:cNvSpPr/>
+          <p:nvPr userDrawn="1"/>
+        </p:nvSpPr>
+        <p:spPr>
+          <a:xfrm>
+            <a:off x="0" y="3413126"/>
+            <a:ext cx="3656180" cy="3444875"/>
+          </a:xfrm>
+          <a:custGeom>
+            <a:avLst/>
+            <a:gdLst>
+              <a:gd name="connsiteX0" fmla="*/ 3548079 w 3656180"/>
+              <a:gd name="connsiteY0" fmla="*/ 3397376 h 3444875"/>
+              <a:gd name="connsiteX1" fmla="*/ 3532636 w 3656180"/>
+              <a:gd name="connsiteY1" fmla="*/ 3444875 h 3444875"/>
+              <a:gd name="connsiteX2" fmla="*/ 3498557 w 3656180"/>
+              <a:gd name="connsiteY2" fmla="*/ 3444875 h 3444875"/>
+              <a:gd name="connsiteX3" fmla="*/ 3632186 w 3656180"/>
+              <a:gd name="connsiteY3" fmla="*/ 3005171 h 3444875"/>
+              <a:gd name="connsiteX4" fmla="*/ 3619689 w 3656180"/>
+              <a:gd name="connsiteY4" fmla="*/ 3087624 h 3444875"/>
+              <a:gd name="connsiteX5" fmla="*/ 3274274 w 3656180"/>
+              <a:gd name="connsiteY5" fmla="*/ 3444875 h 3444875"/>
+              <a:gd name="connsiteX6" fmla="*/ 3173756 w 3656180"/>
+              <a:gd name="connsiteY6" fmla="*/ 3444875 h 3444875"/>
+              <a:gd name="connsiteX7" fmla="*/ 3656180 w 3656180"/>
+              <a:gd name="connsiteY7" fmla="*/ 2670622 h 3444875"/>
+              <a:gd name="connsiteX8" fmla="*/ 3655079 w 3656180"/>
+              <a:gd name="connsiteY8" fmla="*/ 2727515 h 3444875"/>
+              <a:gd name="connsiteX9" fmla="*/ 2961486 w 3656180"/>
+              <a:gd name="connsiteY9" fmla="*/ 3444875 h 3444875"/>
+              <a:gd name="connsiteX10" fmla="*/ 2848952 w 3656180"/>
+              <a:gd name="connsiteY10" fmla="*/ 3444875 h 3444875"/>
+              <a:gd name="connsiteX11" fmla="*/ 3642163 w 3656180"/>
+              <a:gd name="connsiteY11" fmla="*/ 2372524 h 3444875"/>
+              <a:gd name="connsiteX12" fmla="*/ 3646069 w 3656180"/>
+              <a:gd name="connsiteY12" fmla="*/ 2413324 h 3444875"/>
+              <a:gd name="connsiteX13" fmla="*/ 2648697 w 3656180"/>
+              <a:gd name="connsiteY13" fmla="*/ 3444875 h 3444875"/>
+              <a:gd name="connsiteX14" fmla="*/ 2524143 w 3656180"/>
+              <a:gd name="connsiteY14" fmla="*/ 3444875 h 3444875"/>
+              <a:gd name="connsiteX15" fmla="*/ 3599765 w 3656180"/>
+              <a:gd name="connsiteY15" fmla="*/ 2101653 h 3444875"/>
+              <a:gd name="connsiteX16" fmla="*/ 3605841 w 3656180"/>
+              <a:gd name="connsiteY16" fmla="*/ 2131427 h 3444875"/>
+              <a:gd name="connsiteX17" fmla="*/ 2335906 w 3656180"/>
+              <a:gd name="connsiteY17" fmla="*/ 3444875 h 3444875"/>
+              <a:gd name="connsiteX18" fmla="*/ 2199336 w 3656180"/>
+              <a:gd name="connsiteY18" fmla="*/ 3444875 h 3444875"/>
+              <a:gd name="connsiteX19" fmla="*/ 3534501 w 3656180"/>
+              <a:gd name="connsiteY19" fmla="*/ 1852715 h 3444875"/>
+              <a:gd name="connsiteX20" fmla="*/ 3541305 w 3656180"/>
+              <a:gd name="connsiteY20" fmla="*/ 1874665 h 3444875"/>
+              <a:gd name="connsiteX21" fmla="*/ 2023117 w 3656180"/>
+              <a:gd name="connsiteY21" fmla="*/ 3444875 h 3444875"/>
+              <a:gd name="connsiteX22" fmla="*/ 1874535 w 3656180"/>
+              <a:gd name="connsiteY22" fmla="*/ 3444875 h 3444875"/>
+              <a:gd name="connsiteX23" fmla="*/ 3449800 w 3656180"/>
+              <a:gd name="connsiteY23" fmla="*/ 1622417 h 3444875"/>
+              <a:gd name="connsiteX24" fmla="*/ 3456617 w 3656180"/>
+              <a:gd name="connsiteY24" fmla="*/ 1638749 h 3444875"/>
+              <a:gd name="connsiteX25" fmla="*/ 1710333 w 3656180"/>
+              <a:gd name="connsiteY25" fmla="*/ 3444875 h 3444875"/>
+              <a:gd name="connsiteX26" fmla="*/ 1549729 w 3656180"/>
+              <a:gd name="connsiteY26" fmla="*/ 3444875 h 3444875"/>
+              <a:gd name="connsiteX27" fmla="*/ 3347982 w 3656180"/>
+              <a:gd name="connsiteY27" fmla="*/ 1408540 h 3444875"/>
+              <a:gd name="connsiteX28" fmla="*/ 3354494 w 3656180"/>
+              <a:gd name="connsiteY28" fmla="*/ 1420867 h 3444875"/>
+              <a:gd name="connsiteX29" fmla="*/ 1397545 w 3656180"/>
+              <a:gd name="connsiteY29" fmla="*/ 3444875 h 3444875"/>
+              <a:gd name="connsiteX30" fmla="*/ 1224922 w 3656180"/>
+              <a:gd name="connsiteY30" fmla="*/ 3444875 h 3444875"/>
+              <a:gd name="connsiteX31" fmla="*/ 3230590 w 3656180"/>
+              <a:gd name="connsiteY31" fmla="*/ 1209610 h 3444875"/>
+              <a:gd name="connsiteX32" fmla="*/ 3236787 w 3656180"/>
+              <a:gd name="connsiteY32" fmla="*/ 1219113 h 3444875"/>
+              <a:gd name="connsiteX33" fmla="*/ 1084761 w 3656180"/>
+              <a:gd name="connsiteY33" fmla="*/ 3444875 h 3444875"/>
+              <a:gd name="connsiteX34" fmla="*/ 900119 w 3656180"/>
+              <a:gd name="connsiteY34" fmla="*/ 3444875 h 3444875"/>
+              <a:gd name="connsiteX35" fmla="*/ 3098633 w 3656180"/>
+              <a:gd name="connsiteY35" fmla="*/ 1024630 h 3444875"/>
+              <a:gd name="connsiteX36" fmla="*/ 3104614 w 3656180"/>
+              <a:gd name="connsiteY36" fmla="*/ 1032303 h 3444875"/>
+              <a:gd name="connsiteX37" fmla="*/ 771968 w 3656180"/>
+              <a:gd name="connsiteY37" fmla="*/ 3444875 h 3444875"/>
+              <a:gd name="connsiteX38" fmla="*/ 575311 w 3656180"/>
+              <a:gd name="connsiteY38" fmla="*/ 3444875 h 3444875"/>
+              <a:gd name="connsiteX39" fmla="*/ 2952730 w 3656180"/>
+              <a:gd name="connsiteY39" fmla="*/ 853035 h 3444875"/>
+              <a:gd name="connsiteX40" fmla="*/ 2958798 w 3656180"/>
+              <a:gd name="connsiteY40" fmla="*/ 859603 h 3444875"/>
+              <a:gd name="connsiteX41" fmla="*/ 459182 w 3656180"/>
+              <a:gd name="connsiteY41" fmla="*/ 3444875 h 3444875"/>
+              <a:gd name="connsiteX42" fmla="*/ 250505 w 3656180"/>
+              <a:gd name="connsiteY42" fmla="*/ 3444875 h 3444875"/>
+              <a:gd name="connsiteX43" fmla="*/ 2793131 w 3656180"/>
+              <a:gd name="connsiteY43" fmla="*/ 694585 h 3444875"/>
+              <a:gd name="connsiteX44" fmla="*/ 2799725 w 3656180"/>
+              <a:gd name="connsiteY44" fmla="*/ 700629 h 3444875"/>
+              <a:gd name="connsiteX45" fmla="*/ 146395 w 3656180"/>
+              <a:gd name="connsiteY45" fmla="*/ 3444875 h 3444875"/>
+              <a:gd name="connsiteX46" fmla="*/ 0 w 3656180"/>
+              <a:gd name="connsiteY46" fmla="*/ 3444875 h 3444875"/>
+              <a:gd name="connsiteX47" fmla="*/ 0 w 3656180"/>
+              <a:gd name="connsiteY47" fmla="*/ 3373614 h 3444875"/>
+              <a:gd name="connsiteX48" fmla="*/ 2619730 w 3656180"/>
+              <a:gd name="connsiteY48" fmla="*/ 549358 h 3444875"/>
+              <a:gd name="connsiteX49" fmla="*/ 2627431 w 3656180"/>
+              <a:gd name="connsiteY49" fmla="*/ 555312 h 3444875"/>
+              <a:gd name="connsiteX50" fmla="*/ 0 w 3656180"/>
+              <a:gd name="connsiteY50" fmla="*/ 3272777 h 3444875"/>
+              <a:gd name="connsiteX51" fmla="*/ 0 w 3656180"/>
+              <a:gd name="connsiteY51" fmla="*/ 3062073 h 3444875"/>
+              <a:gd name="connsiteX52" fmla="*/ 2432170 w 3656180"/>
+              <a:gd name="connsiteY52" fmla="*/ 417720 h 3444875"/>
+              <a:gd name="connsiteX53" fmla="*/ 2441711 w 3656180"/>
+              <a:gd name="connsiteY53" fmla="*/ 423891 h 3444875"/>
+              <a:gd name="connsiteX54" fmla="*/ 0 w 3656180"/>
+              <a:gd name="connsiteY54" fmla="*/ 2949268 h 3444875"/>
+              <a:gd name="connsiteX55" fmla="*/ 0 w 3656180"/>
+              <a:gd name="connsiteY55" fmla="*/ 2750542 h 3444875"/>
+              <a:gd name="connsiteX56" fmla="*/ 2229608 w 3656180"/>
+              <a:gd name="connsiteY56" fmla="*/ 300471 h 3444875"/>
+              <a:gd name="connsiteX57" fmla="*/ 2241987 w 3656180"/>
+              <a:gd name="connsiteY57" fmla="*/ 306955 h 3444875"/>
+              <a:gd name="connsiteX58" fmla="*/ 0 w 3656180"/>
+              <a:gd name="connsiteY58" fmla="*/ 2625766 h 3444875"/>
+              <a:gd name="connsiteX59" fmla="*/ 0 w 3656180"/>
+              <a:gd name="connsiteY59" fmla="*/ 2438996 h 3444875"/>
+              <a:gd name="connsiteX60" fmla="*/ 2010843 w 3656180"/>
+              <a:gd name="connsiteY60" fmla="*/ 198759 h 3444875"/>
+              <a:gd name="connsiteX61" fmla="*/ 2027243 w 3656180"/>
+              <a:gd name="connsiteY61" fmla="*/ 205550 h 3444875"/>
+              <a:gd name="connsiteX62" fmla="*/ 0 w 3656180"/>
+              <a:gd name="connsiteY62" fmla="*/ 2302258 h 3444875"/>
+              <a:gd name="connsiteX63" fmla="*/ 0 w 3656180"/>
+              <a:gd name="connsiteY63" fmla="*/ 2127460 h 3444875"/>
+              <a:gd name="connsiteX64" fmla="*/ 1773991 w 3656180"/>
+              <a:gd name="connsiteY64" fmla="*/ 114408 h 3444875"/>
+              <a:gd name="connsiteX65" fmla="*/ 1796028 w 3656180"/>
+              <a:gd name="connsiteY65" fmla="*/ 121185 h 3444875"/>
+              <a:gd name="connsiteX66" fmla="*/ 0 w 3656180"/>
+              <a:gd name="connsiteY66" fmla="*/ 1978755 h 3444875"/>
+              <a:gd name="connsiteX67" fmla="*/ 0 w 3656180"/>
+              <a:gd name="connsiteY67" fmla="*/ 1815934 h 3444875"/>
+              <a:gd name="connsiteX68" fmla="*/ 245157 w 3656180"/>
+              <a:gd name="connsiteY68" fmla="*/ 107669 h 3444875"/>
+              <a:gd name="connsiteX69" fmla="*/ 0 w 3656180"/>
+              <a:gd name="connsiteY69" fmla="*/ 361226 h 3444875"/>
+              <a:gd name="connsiteX70" fmla="*/ 0 w 3656180"/>
+              <a:gd name="connsiteY70" fmla="*/ 258242 h 3444875"/>
+              <a:gd name="connsiteX71" fmla="*/ 112323 w 3656180"/>
+              <a:gd name="connsiteY71" fmla="*/ 150509 h 3444875"/>
+              <a:gd name="connsiteX72" fmla="*/ 245157 w 3656180"/>
+              <a:gd name="connsiteY72" fmla="*/ 107669 h 3444875"/>
+              <a:gd name="connsiteX73" fmla="*/ 1516194 w 3656180"/>
+              <a:gd name="connsiteY73" fmla="*/ 50130 h 3444875"/>
+              <a:gd name="connsiteX74" fmla="*/ 1546086 w 3656180"/>
+              <a:gd name="connsiteY74" fmla="*/ 56182 h 3444875"/>
+              <a:gd name="connsiteX75" fmla="*/ 0 w 3656180"/>
+              <a:gd name="connsiteY75" fmla="*/ 1655245 h 3444875"/>
+              <a:gd name="connsiteX76" fmla="*/ 0 w 3656180"/>
+              <a:gd name="connsiteY76" fmla="*/ 1504390 h 3444875"/>
+              <a:gd name="connsiteX77" fmla="*/ 638934 w 3656180"/>
+              <a:gd name="connsiteY77" fmla="*/ 23899 h 3444875"/>
+              <a:gd name="connsiteX78" fmla="*/ 0 w 3656180"/>
+              <a:gd name="connsiteY78" fmla="*/ 684727 h 3444875"/>
+              <a:gd name="connsiteX79" fmla="*/ 0 w 3656180"/>
+              <a:gd name="connsiteY79" fmla="*/ 569779 h 3444875"/>
+              <a:gd name="connsiteX80" fmla="*/ 556153 w 3656180"/>
+              <a:gd name="connsiteY80" fmla="*/ 36345 h 3444875"/>
+              <a:gd name="connsiteX81" fmla="*/ 638934 w 3656180"/>
+              <a:gd name="connsiteY81" fmla="*/ 23899 h 3444875"/>
+              <a:gd name="connsiteX82" fmla="*/ 1233160 w 3656180"/>
+              <a:gd name="connsiteY82" fmla="*/ 10073 h 3444875"/>
+              <a:gd name="connsiteX83" fmla="*/ 1274124 w 3656180"/>
+              <a:gd name="connsiteY83" fmla="*/ 13967 h 3444875"/>
+              <a:gd name="connsiteX84" fmla="*/ 0 w 3656180"/>
+              <a:gd name="connsiteY84" fmla="*/ 1331746 h 3444875"/>
+              <a:gd name="connsiteX85" fmla="*/ 0 w 3656180"/>
+              <a:gd name="connsiteY85" fmla="*/ 1192857 h 3444875"/>
+              <a:gd name="connsiteX86" fmla="*/ 974826 w 3656180"/>
+              <a:gd name="connsiteY86" fmla="*/ 0 h 3444875"/>
+              <a:gd name="connsiteX87" fmla="*/ 0 w 3656180"/>
+              <a:gd name="connsiteY87" fmla="*/ 1008229 h 3444875"/>
+              <a:gd name="connsiteX88" fmla="*/ 0 w 3656180"/>
+              <a:gd name="connsiteY88" fmla="*/ 881312 h 3444875"/>
+              <a:gd name="connsiteX89" fmla="*/ 917705 w 3656180"/>
+              <a:gd name="connsiteY89" fmla="*/ 1092 h 3444875"/>
+              <a:gd name="connsiteX90" fmla="*/ 974826 w 3656180"/>
+              <a:gd name="connsiteY90" fmla="*/ 0 h 3444875"/>
+            </a:gdLst>
+            <a:ahLst/>
+            <a:cxnLst>
+              <a:cxn ang="0">
+                <a:pos x="connsiteX0" y="connsiteY0"/>
+              </a:cxn>
+              <a:cxn ang="0">
+                <a:pos x="connsiteX1" y="connsiteY1"/>
+              </a:cxn>
+              <a:cxn ang="0">
+                <a:pos x="connsiteX2" y="connsiteY2"/>
+              </a:cxn>
+              <a:cxn ang="0">
+                <a:pos x="connsiteX3" y="connsiteY3"/>
+              </a:cxn>
+              <a:cxn ang="0">
+                <a:pos x="connsiteX4" y="connsiteY4"/>
+              </a:cxn>
+              <a:cxn ang="0">
+                <a:pos x="connsiteX5" y="connsiteY5"/>
+              </a:cxn>
+              <a:cxn ang="0">
+                <a:pos x="connsiteX6" y="connsiteY6"/>
+              </a:cxn>
+              <a:cxn ang="0">
+                <a:pos x="connsiteX7" y="connsiteY7"/>
+              </a:cxn>
+              <a:cxn ang="0">
+                <a:pos x="connsiteX8" y="connsiteY8"/>
+              </a:cxn>
+              <a:cxn ang="0">
+                <a:pos x="connsiteX9" y="connsiteY9"/>
+              </a:cxn>
+              <a:cxn ang="0">
+                <a:pos x="connsiteX10" y="connsiteY10"/>
+              </a:cxn>
+              <a:cxn ang="0">
+                <a:pos x="connsiteX11" y="connsiteY11"/>
+              </a:cxn>
+              <a:cxn ang="0">
+                <a:pos x="connsiteX12" y="connsiteY12"/>
+              </a:cxn>
+              <a:cxn ang="0">
+                <a:pos x="connsiteX13" y="connsiteY13"/>
+              </a:cxn>
+              <a:cxn ang="0">
+                <a:pos x="connsiteX14" y="connsiteY14"/>
+              </a:cxn>
+              <a:cxn ang="0">
+                <a:pos x="connsiteX15" y="connsiteY15"/>
+              </a:cxn>
+              <a:cxn ang="0">
+                <a:pos x="connsiteX16" y="connsiteY16"/>
+              </a:cxn>
+              <a:cxn ang="0">
+                <a:pos x="connsiteX17" y="connsiteY17"/>
+              </a:cxn>
+              <a:cxn ang="0">
+                <a:pos x="connsiteX18" y="connsiteY18"/>
+              </a:cxn>
+              <a:cxn ang="0">
+                <a:pos x="connsiteX19" y="connsiteY19"/>
+              </a:cxn>
+              <a:cxn ang="0">
+                <a:pos x="connsiteX20" y="connsiteY20"/>
+              </a:cxn>
+              <a:cxn ang="0">
+                <a:pos x="connsiteX21" y="connsiteY21"/>
+              </a:cxn>
+              <a:cxn ang="0">
+                <a:pos x="connsiteX22" y="connsiteY22"/>
+              </a:cxn>
+              <a:cxn ang="0">
+                <a:pos x="connsiteX23" y="connsiteY23"/>
+              </a:cxn>
+              <a:cxn ang="0">
+                <a:pos x="connsiteX24" y="connsiteY24"/>
+              </a:cxn>
+              <a:cxn ang="0">
+                <a:pos x="connsiteX25" y="connsiteY25"/>
+              </a:cxn>
+              <a:cxn ang="0">
+                <a:pos x="connsiteX26" y="connsiteY26"/>
+              </a:cxn>
+              <a:cxn ang="0">
+                <a:pos x="connsiteX27" y="connsiteY27"/>
+              </a:cxn>
+              <a:cxn ang="0">
+                <a:pos x="connsiteX28" y="connsiteY28"/>
+              </a:cxn>
+              <a:cxn ang="0">
+                <a:pos x="connsiteX29" y="connsiteY29"/>
+              </a:cxn>
+              <a:cxn ang="0">
+                <a:pos x="connsiteX30" y="connsiteY30"/>
+              </a:cxn>
+              <a:cxn ang="0">
+                <a:pos x="connsiteX31" y="connsiteY31"/>
+              </a:cxn>
+              <a:cxn ang="0">
+                <a:pos x="connsiteX32" y="connsiteY32"/>
+              </a:cxn>
+              <a:cxn ang="0">
+                <a:pos x="connsiteX33" y="connsiteY33"/>
+              </a:cxn>
+              <a:cxn ang="0">
+                <a:pos x="connsiteX34" y="connsiteY34"/>
+              </a:cxn>
+              <a:cxn ang="0">
+                <a:pos x="connsiteX35" y="connsiteY35"/>
+              </a:cxn>
+              <a:cxn ang="0">
+                <a:pos x="connsiteX36" y="connsiteY36"/>
+              </a:cxn>
+              <a:cxn ang="0">
+                <a:pos x="connsiteX37" y="connsiteY37"/>
+              </a:cxn>
+              <a:cxn ang="0">
+                <a:pos x="connsiteX38" y="connsiteY38"/>
+              </a:cxn>
+              <a:cxn ang="0">
+                <a:pos x="connsiteX39" y="connsiteY39"/>
+              </a:cxn>
+              <a:cxn ang="0">
+                <a:pos x="connsiteX40" y="connsiteY40"/>
+              </a:cxn>
+              <a:cxn ang="0">
+                <a:pos x="connsiteX41" y="connsiteY41"/>
+              </a:cxn>
+              <a:cxn ang="0">
+                <a:pos x="connsiteX42" y="connsiteY42"/>
+              </a:cxn>
+              <a:cxn ang="0">
+                <a:pos x="connsiteX43" y="connsiteY43"/>
+              </a:cxn>
+              <a:cxn ang="0">
+                <a:pos x="connsiteX44" y="connsiteY44"/>
+              </a:cxn>
+              <a:cxn ang="0">
+                <a:pos x="connsiteX45" y="connsiteY45"/>
+              </a:cxn>
+              <a:cxn ang="0">
+                <a:pos x="connsiteX46" y="connsiteY46"/>
+              </a:cxn>
+              <a:cxn ang="0">
+                <a:pos x="connsiteX47" y="connsiteY47"/>
+              </a:cxn>
+              <a:cxn ang="0">
+                <a:pos x="connsiteX48" y="connsiteY48"/>
+              </a:cxn>
+              <a:cxn ang="0">
+                <a:pos x="connsiteX49" y="connsiteY49"/>
+              </a:cxn>
+              <a:cxn ang="0">
+                <a:pos x="connsiteX50" y="connsiteY50"/>
+              </a:cxn>
+              <a:cxn ang="0">
+                <a:pos x="connsiteX51" y="connsiteY51"/>
+              </a:cxn>
+              <a:cxn ang="0">
+                <a:pos x="connsiteX52" y="connsiteY52"/>
+              </a:cxn>
+              <a:cxn ang="0">
+                <a:pos x="connsiteX53" y="connsiteY53"/>
+              </a:cxn>
+              <a:cxn ang="0">
+                <a:pos x="connsiteX54" y="connsiteY54"/>
+              </a:cxn>
+              <a:cxn ang="0">
+                <a:pos x="connsiteX55" y="connsiteY55"/>
+              </a:cxn>
+              <a:cxn ang="0">
+                <a:pos x="connsiteX56" y="connsiteY56"/>
+              </a:cxn>
+              <a:cxn ang="0">
+                <a:pos x="connsiteX57" y="connsiteY57"/>
+              </a:cxn>
+              <a:cxn ang="0">
+                <a:pos x="connsiteX58" y="connsiteY58"/>
+              </a:cxn>
+              <a:cxn ang="0">
+                <a:pos x="connsiteX59" y="connsiteY59"/>
+              </a:cxn>
+              <a:cxn ang="0">
+                <a:pos x="connsiteX60" y="connsiteY60"/>
+              </a:cxn>
+              <a:cxn ang="0">
+                <a:pos x="connsiteX61" y="connsiteY61"/>
+              </a:cxn>
+              <a:cxn ang="0">
+                <a:pos x="connsiteX62" y="connsiteY62"/>
+              </a:cxn>
+              <a:cxn ang="0">
+                <a:pos x="connsiteX63" y="connsiteY63"/>
+              </a:cxn>
+              <a:cxn ang="0">
+                <a:pos x="connsiteX64" y="connsiteY64"/>
+              </a:cxn>
+              <a:cxn ang="0">
+                <a:pos x="connsiteX65" y="connsiteY65"/>
+              </a:cxn>
+              <a:cxn ang="0">
+                <a:pos x="connsiteX66" y="connsiteY66"/>
+              </a:cxn>
+              <a:cxn ang="0">
+                <a:pos x="connsiteX67" y="connsiteY67"/>
+              </a:cxn>
+              <a:cxn ang="0">
+                <a:pos x="connsiteX68" y="connsiteY68"/>
+              </a:cxn>
+              <a:cxn ang="0">
+                <a:pos x="connsiteX69" y="connsiteY69"/>
+              </a:cxn>
+              <a:cxn ang="0">
+                <a:pos x="connsiteX70" y="connsiteY70"/>
+              </a:cxn>
+              <a:cxn ang="0">
+                <a:pos x="connsiteX71" y="connsiteY71"/>
+              </a:cxn>
+              <a:cxn ang="0">
+                <a:pos x="connsiteX72" y="connsiteY72"/>
+              </a:cxn>
+              <a:cxn ang="0">
+                <a:pos x="connsiteX73" y="connsiteY73"/>
+              </a:cxn>
+              <a:cxn ang="0">
+                <a:pos x="connsiteX74" y="connsiteY74"/>
+              </a:cxn>
+              <a:cxn ang="0">
+                <a:pos x="connsiteX75" y="connsiteY75"/>
+              </a:cxn>
+              <a:cxn ang="0">
+                <a:pos x="connsiteX76" y="connsiteY76"/>
+              </a:cxn>
+              <a:cxn ang="0">
+                <a:pos x="connsiteX77" y="connsiteY77"/>
+              </a:cxn>
+              <a:cxn ang="0">
+                <a:pos x="connsiteX78" y="connsiteY78"/>
+              </a:cxn>
+              <a:cxn ang="0">
+                <a:pos x="connsiteX79" y="connsiteY79"/>
+              </a:cxn>
+              <a:cxn ang="0">
+                <a:pos x="connsiteX80" y="connsiteY80"/>
+              </a:cxn>
+              <a:cxn ang="0">
+                <a:pos x="connsiteX81" y="connsiteY81"/>
+              </a:cxn>
+              <a:cxn ang="0">
+                <a:pos x="connsiteX82" y="connsiteY82"/>
+              </a:cxn>
+              <a:cxn ang="0">
+                <a:pos x="connsiteX83" y="connsiteY83"/>
+              </a:cxn>
+              <a:cxn ang="0">
+                <a:pos x="connsiteX84" y="connsiteY84"/>
+              </a:cxn>
+              <a:cxn ang="0">
+                <a:pos x="connsiteX85" y="connsiteY85"/>
+              </a:cxn>
+              <a:cxn ang="0">
+                <a:pos x="connsiteX86" y="connsiteY86"/>
+              </a:cxn>
+              <a:cxn ang="0">
+                <a:pos x="connsiteX87" y="connsiteY87"/>
+              </a:cxn>
+              <a:cxn ang="0">
+                <a:pos x="connsiteX88" y="connsiteY88"/>
+              </a:cxn>
+              <a:cxn ang="0">
+                <a:pos x="connsiteX89" y="connsiteY89"/>
+              </a:cxn>
+              <a:cxn ang="0">
+                <a:pos x="connsiteX90" y="connsiteY90"/>
+              </a:cxn>
+            </a:cxnLst>
+            <a:rect l="l" t="t" r="r" b="b"/>
+            <a:pathLst>
+              <a:path w="3656180" h="3444875">
+                <a:moveTo>
+                  <a:pt x="3548079" y="3397376"/>
+                </a:moveTo>
+                <a:lnTo>
+                  <a:pt x="3532636" y="3444875"/>
+                </a:lnTo>
+                <a:lnTo>
+                  <a:pt x="3498557" y="3444875"/>
+                </a:lnTo>
+                <a:close/>
+                <a:moveTo>
+                  <a:pt x="3632186" y="3005171"/>
+                </a:moveTo>
+                <a:cubicBezTo>
+                  <a:pt x="3628435" y="3032792"/>
+                  <a:pt x="3624288" y="3060280"/>
+                  <a:pt x="3619689" y="3087624"/>
+                </a:cubicBezTo>
+                <a:lnTo>
+                  <a:pt x="3274274" y="3444875"/>
+                </a:lnTo>
+                <a:lnTo>
+                  <a:pt x="3173756" y="3444875"/>
+                </a:lnTo>
+                <a:close/>
+                <a:moveTo>
+                  <a:pt x="3656180" y="2670622"/>
+                </a:moveTo>
+                <a:cubicBezTo>
+                  <a:pt x="3656017" y="2689636"/>
+                  <a:pt x="3655640" y="2708599"/>
+                  <a:pt x="3655079" y="2727515"/>
+                </a:cubicBezTo>
+                <a:lnTo>
+                  <a:pt x="2961486" y="3444875"/>
+                </a:lnTo>
+                <a:lnTo>
+                  <a:pt x="2848952" y="3444875"/>
+                </a:lnTo>
+                <a:close/>
+                <a:moveTo>
+                  <a:pt x="3642163" y="2372524"/>
+                </a:moveTo>
+                <a:cubicBezTo>
+                  <a:pt x="3643564" y="2386091"/>
+                  <a:pt x="3644870" y="2399697"/>
+                  <a:pt x="3646069" y="2413324"/>
+                </a:cubicBezTo>
+                <a:lnTo>
+                  <a:pt x="2648697" y="3444875"/>
+                </a:lnTo>
+                <a:lnTo>
+                  <a:pt x="2524143" y="3444875"/>
+                </a:lnTo>
+                <a:close/>
+                <a:moveTo>
+                  <a:pt x="3599765" y="2101653"/>
+                </a:moveTo>
+                <a:cubicBezTo>
+                  <a:pt x="3601845" y="2111561"/>
+                  <a:pt x="3603870" y="2121482"/>
+                  <a:pt x="3605841" y="2131427"/>
+                </a:cubicBezTo>
+                <a:lnTo>
+                  <a:pt x="2335906" y="3444875"/>
+                </a:lnTo>
+                <a:lnTo>
+                  <a:pt x="2199336" y="3444875"/>
+                </a:lnTo>
+                <a:close/>
+                <a:moveTo>
+                  <a:pt x="3534501" y="1852715"/>
+                </a:moveTo>
+                <a:cubicBezTo>
+                  <a:pt x="3536804" y="1860014"/>
+                  <a:pt x="3539064" y="1867336"/>
+                  <a:pt x="3541305" y="1874665"/>
+                </a:cubicBezTo>
+                <a:lnTo>
+                  <a:pt x="2023117" y="3444875"/>
+                </a:lnTo>
+                <a:lnTo>
+                  <a:pt x="1874535" y="3444875"/>
+                </a:lnTo>
+                <a:close/>
+                <a:moveTo>
+                  <a:pt x="3449800" y="1622417"/>
+                </a:moveTo>
+                <a:cubicBezTo>
+                  <a:pt x="3452095" y="1627850"/>
+                  <a:pt x="3454360" y="1633297"/>
+                  <a:pt x="3456617" y="1638749"/>
+                </a:cubicBezTo>
+                <a:lnTo>
+                  <a:pt x="1710333" y="3444875"/>
+                </a:lnTo>
+                <a:lnTo>
+                  <a:pt x="1549729" y="3444875"/>
+                </a:lnTo>
+                <a:close/>
+                <a:moveTo>
+                  <a:pt x="3347982" y="1408540"/>
+                </a:moveTo>
+                <a:cubicBezTo>
+                  <a:pt x="3350165" y="1412642"/>
+                  <a:pt x="3352333" y="1416750"/>
+                  <a:pt x="3354494" y="1420867"/>
+                </a:cubicBezTo>
+                <a:lnTo>
+                  <a:pt x="1397545" y="3444875"/>
+                </a:lnTo>
+                <a:lnTo>
+                  <a:pt x="1224922" y="3444875"/>
+                </a:lnTo>
+                <a:close/>
+                <a:moveTo>
+                  <a:pt x="3230590" y="1209610"/>
+                </a:moveTo>
+                <a:cubicBezTo>
+                  <a:pt x="3232651" y="1212778"/>
+                  <a:pt x="3234739" y="1215930"/>
+                  <a:pt x="3236787" y="1219113"/>
+                </a:cubicBezTo>
+                <a:lnTo>
+                  <a:pt x="1084761" y="3444875"/>
+                </a:lnTo>
+                <a:lnTo>
+                  <a:pt x="900119" y="3444875"/>
+                </a:lnTo>
+                <a:close/>
+                <a:moveTo>
+                  <a:pt x="3098633" y="1024630"/>
+                </a:moveTo>
+                <a:cubicBezTo>
+                  <a:pt x="3100632" y="1027185"/>
+                  <a:pt x="3102632" y="1029740"/>
+                  <a:pt x="3104614" y="1032303"/>
+                </a:cubicBezTo>
+                <a:lnTo>
+                  <a:pt x="771968" y="3444875"/>
+                </a:lnTo>
+                <a:lnTo>
+                  <a:pt x="575311" y="3444875"/>
+                </a:lnTo>
+                <a:close/>
+                <a:moveTo>
+                  <a:pt x="2952730" y="853035"/>
+                </a:moveTo>
+                <a:cubicBezTo>
+                  <a:pt x="2954755" y="855216"/>
+                  <a:pt x="2956784" y="857404"/>
+                  <a:pt x="2958798" y="859603"/>
+                </a:cubicBezTo>
+                <a:lnTo>
+                  <a:pt x="459182" y="3444875"/>
+                </a:lnTo>
+                <a:lnTo>
+                  <a:pt x="250505" y="3444875"/>
+                </a:lnTo>
+                <a:close/>
+                <a:moveTo>
+                  <a:pt x="2793131" y="694585"/>
+                </a:moveTo>
+                <a:cubicBezTo>
+                  <a:pt x="2795331" y="696594"/>
+                  <a:pt x="2797525" y="698612"/>
+                  <a:pt x="2799725" y="700629"/>
+                </a:cubicBezTo>
+                <a:lnTo>
+                  <a:pt x="146395" y="3444875"/>
+                </a:lnTo>
+                <a:lnTo>
+                  <a:pt x="0" y="3444875"/>
+                </a:lnTo>
+                <a:lnTo>
+                  <a:pt x="0" y="3373614"/>
+                </a:lnTo>
+                <a:close/>
+                <a:moveTo>
+                  <a:pt x="2619730" y="549358"/>
+                </a:moveTo>
+                <a:cubicBezTo>
+                  <a:pt x="2622301" y="551329"/>
+                  <a:pt x="2624866" y="553324"/>
+                  <a:pt x="2627431" y="555312"/>
+                </a:cubicBezTo>
+                <a:lnTo>
+                  <a:pt x="0" y="3272777"/>
+                </a:lnTo>
+                <a:lnTo>
+                  <a:pt x="0" y="3062073"/>
+                </a:lnTo>
+                <a:close/>
+                <a:moveTo>
+                  <a:pt x="2432170" y="417720"/>
+                </a:moveTo>
+                <a:cubicBezTo>
+                  <a:pt x="2435365" y="419759"/>
+                  <a:pt x="2438532" y="421836"/>
+                  <a:pt x="2441711" y="423891"/>
+                </a:cubicBezTo>
+                <a:lnTo>
+                  <a:pt x="0" y="2949268"/>
+                </a:lnTo>
+                <a:lnTo>
+                  <a:pt x="0" y="2750542"/>
+                </a:lnTo>
+                <a:close/>
+                <a:moveTo>
+                  <a:pt x="2229608" y="300471"/>
+                </a:moveTo>
+                <a:cubicBezTo>
+                  <a:pt x="2233741" y="302622"/>
+                  <a:pt x="2237868" y="304783"/>
+                  <a:pt x="2241987" y="306955"/>
+                </a:cubicBezTo>
+                <a:lnTo>
+                  <a:pt x="0" y="2625766"/>
+                </a:lnTo>
+                <a:lnTo>
+                  <a:pt x="0" y="2438996"/>
+                </a:lnTo>
+                <a:close/>
+                <a:moveTo>
+                  <a:pt x="2010843" y="198759"/>
+                </a:moveTo>
+                <a:cubicBezTo>
+                  <a:pt x="2016323" y="201008"/>
+                  <a:pt x="2021788" y="203264"/>
+                  <a:pt x="2027243" y="205550"/>
+                </a:cubicBezTo>
+                <a:lnTo>
+                  <a:pt x="0" y="2302258"/>
+                </a:lnTo>
+                <a:lnTo>
+                  <a:pt x="0" y="2127460"/>
+                </a:lnTo>
+                <a:close/>
+                <a:moveTo>
+                  <a:pt x="1773991" y="114408"/>
+                </a:moveTo>
+                <a:cubicBezTo>
+                  <a:pt x="1781349" y="116643"/>
+                  <a:pt x="1788701" y="118891"/>
+                  <a:pt x="1796028" y="121185"/>
+                </a:cubicBezTo>
+                <a:lnTo>
+                  <a:pt x="0" y="1978755"/>
+                </a:lnTo>
+                <a:lnTo>
+                  <a:pt x="0" y="1815934"/>
+                </a:lnTo>
+                <a:close/>
+                <a:moveTo>
+                  <a:pt x="245157" y="107669"/>
+                </a:moveTo>
+                <a:lnTo>
+                  <a:pt x="0" y="361226"/>
+                </a:lnTo>
+                <a:lnTo>
+                  <a:pt x="0" y="258242"/>
+                </a:lnTo>
+                <a:lnTo>
+                  <a:pt x="112323" y="150509"/>
+                </a:lnTo>
+                <a:cubicBezTo>
+                  <a:pt x="156086" y="135103"/>
+                  <a:pt x="200374" y="120819"/>
+                  <a:pt x="245157" y="107669"/>
+                </a:cubicBezTo>
+                <a:close/>
+                <a:moveTo>
+                  <a:pt x="1516194" y="50130"/>
+                </a:moveTo>
+                <a:cubicBezTo>
+                  <a:pt x="1526177" y="52087"/>
+                  <a:pt x="1536146" y="54105"/>
+                  <a:pt x="1546086" y="56182"/>
+                </a:cubicBezTo>
+                <a:lnTo>
+                  <a:pt x="0" y="1655245"/>
+                </a:lnTo>
+                <a:lnTo>
+                  <a:pt x="0" y="1504390"/>
+                </a:lnTo>
+                <a:close/>
+                <a:moveTo>
+                  <a:pt x="638934" y="23899"/>
+                </a:moveTo>
+                <a:lnTo>
+                  <a:pt x="0" y="684727"/>
+                </a:lnTo>
+                <a:lnTo>
+                  <a:pt x="0" y="569779"/>
+                </a:lnTo>
+                <a:lnTo>
+                  <a:pt x="556153" y="36345"/>
+                </a:lnTo>
+                <a:cubicBezTo>
+                  <a:pt x="583607" y="31765"/>
+                  <a:pt x="611205" y="27635"/>
+                  <a:pt x="638934" y="23899"/>
+                </a:cubicBezTo>
+                <a:close/>
+                <a:moveTo>
+                  <a:pt x="1233160" y="10073"/>
+                </a:moveTo>
+                <a:cubicBezTo>
+                  <a:pt x="1246842" y="11268"/>
+                  <a:pt x="1260502" y="12569"/>
+                  <a:pt x="1274124" y="13967"/>
+                </a:cubicBezTo>
+                <a:lnTo>
+                  <a:pt x="0" y="1331746"/>
+                </a:lnTo>
+                <a:lnTo>
+                  <a:pt x="0" y="1192857"/>
+                </a:lnTo>
+                <a:close/>
+                <a:moveTo>
+                  <a:pt x="974826" y="0"/>
+                </a:moveTo>
+                <a:lnTo>
+                  <a:pt x="0" y="1008229"/>
+                </a:lnTo>
+                <a:lnTo>
+                  <a:pt x="0" y="881312"/>
+                </a:lnTo>
+                <a:lnTo>
+                  <a:pt x="917705" y="1092"/>
+                </a:lnTo>
+                <a:cubicBezTo>
+                  <a:pt x="936697" y="530"/>
+                  <a:pt x="955736" y="163"/>
+                  <a:pt x="974826" y="0"/>
+                </a:cubicBezTo>
+                <a:close/>
+              </a:path>
+            </a:pathLst>
+          </a:custGeom>
+          <a:solidFill>
+            <a:schemeClr val="accent1">
+              <a:lumMod val="20000"/>
+              <a:lumOff val="80000"/>
+              <a:alpha val="42000"/>
+            </a:schemeClr>
+          </a:solidFill>
+          <a:ln w="4838" cap="flat">
+            <a:noFill/>
+            <a:prstDash val="solid"/>
+            <a:miter/>
+          </a:ln>
+        </p:spPr>
+        <p:txBody>
+          <a:bodyPr wrap="square" rtlCol="0" anchor="ctr">
+            <a:noAutofit/>
+          </a:bodyPr>
+          <a:lstStyle/>
+          <a:p>
+            <a:endParaRPr lang="en-US"/>
+          </a:p>
+        </p:txBody>
+      </p:sp>
+      <p:sp>
+        <p:nvSpPr>
+          <p:cNvPr id="10" name="Freeform: Shape 10">
+            <a:extLst>
+              <a:ext uri="{FF2B5EF4-FFF2-40B4-BE49-F238E27FC236}">
+                <a16:creationId xmlns:a16="http://schemas.microsoft.com/office/drawing/2014/main" id="{ACDEA288-8406-D8D2-58C4-88138C173AD4}"/>
+              </a:ext>
+            </a:extLst>
+          </p:cNvPr>
+          <p:cNvSpPr/>
+          <p:nvPr userDrawn="1"/>
+        </p:nvSpPr>
+        <p:spPr>
+          <a:xfrm>
+            <a:off x="691744" y="4943960"/>
+            <a:ext cx="1179576" cy="1179576"/>
+          </a:xfrm>
+          <a:custGeom>
+            <a:avLst/>
+            <a:gdLst>
+              <a:gd name="connsiteX0" fmla="*/ 1830827 w 1950038"/>
+              <a:gd name="connsiteY0" fmla="*/ 1442624 h 1950035"/>
+              <a:gd name="connsiteX1" fmla="*/ 1739783 w 1950038"/>
+              <a:gd name="connsiteY1" fmla="*/ 1579915 h 1950035"/>
+              <a:gd name="connsiteX2" fmla="*/ 1608523 w 1950038"/>
+              <a:gd name="connsiteY2" fmla="*/ 1716219 h 1950035"/>
+              <a:gd name="connsiteX3" fmla="*/ 1410014 w 1950038"/>
+              <a:gd name="connsiteY3" fmla="*/ 1847867 h 1950035"/>
+              <a:gd name="connsiteX4" fmla="*/ 1910383 w 1950038"/>
+              <a:gd name="connsiteY4" fmla="*/ 1251270 h 1950035"/>
+              <a:gd name="connsiteX5" fmla="*/ 1894604 w 1950038"/>
+              <a:gd name="connsiteY5" fmla="*/ 1299997 h 1950035"/>
+              <a:gd name="connsiteX6" fmla="*/ 1334487 w 1950038"/>
+              <a:gd name="connsiteY6" fmla="*/ 1881633 h 1950035"/>
+              <a:gd name="connsiteX7" fmla="*/ 1215916 w 1950038"/>
+              <a:gd name="connsiteY7" fmla="*/ 1920041 h 1950035"/>
+              <a:gd name="connsiteX8" fmla="*/ 1941236 w 1950038"/>
+              <a:gd name="connsiteY8" fmla="*/ 1106819 h 1950035"/>
+              <a:gd name="connsiteX9" fmla="*/ 1936652 w 1950038"/>
+              <a:gd name="connsiteY9" fmla="*/ 1137187 h 1950035"/>
+              <a:gd name="connsiteX10" fmla="*/ 1173309 w 1950038"/>
+              <a:gd name="connsiteY10" fmla="*/ 1929855 h 1950035"/>
+              <a:gd name="connsiteX11" fmla="*/ 1070425 w 1950038"/>
+              <a:gd name="connsiteY11" fmla="*/ 1945413 h 1950035"/>
+              <a:gd name="connsiteX12" fmla="*/ 1950038 w 1950038"/>
+              <a:gd name="connsiteY12" fmla="*/ 983603 h 1950035"/>
+              <a:gd name="connsiteX13" fmla="*/ 1949634 w 1950038"/>
+              <a:gd name="connsiteY13" fmla="*/ 1004557 h 1950035"/>
+              <a:gd name="connsiteX14" fmla="*/ 1041285 w 1950038"/>
+              <a:gd name="connsiteY14" fmla="*/ 1947804 h 1950035"/>
+              <a:gd name="connsiteX15" fmla="*/ 975046 w 1950038"/>
+              <a:gd name="connsiteY15" fmla="*/ 1950035 h 1950035"/>
+              <a:gd name="connsiteX16" fmla="*/ 946904 w 1950038"/>
+              <a:gd name="connsiteY16" fmla="*/ 1949623 h 1950035"/>
+              <a:gd name="connsiteX17" fmla="*/ 1944896 w 1950038"/>
+              <a:gd name="connsiteY17" fmla="*/ 873812 h 1950035"/>
+              <a:gd name="connsiteX18" fmla="*/ 1946329 w 1950038"/>
+              <a:gd name="connsiteY18" fmla="*/ 888839 h 1950035"/>
+              <a:gd name="connsiteX19" fmla="*/ 925587 w 1950038"/>
+              <a:gd name="connsiteY19" fmla="*/ 1948800 h 1950035"/>
+              <a:gd name="connsiteX20" fmla="*/ 837353 w 1950038"/>
+              <a:gd name="connsiteY20" fmla="*/ 1940379 h 1950035"/>
+              <a:gd name="connsiteX21" fmla="*/ 1929343 w 1950038"/>
+              <a:gd name="connsiteY21" fmla="*/ 774049 h 1950035"/>
+              <a:gd name="connsiteX22" fmla="*/ 1931572 w 1950038"/>
+              <a:gd name="connsiteY22" fmla="*/ 785015 h 1950035"/>
+              <a:gd name="connsiteX23" fmla="*/ 821280 w 1950038"/>
+              <a:gd name="connsiteY23" fmla="*/ 1937961 h 1950035"/>
+              <a:gd name="connsiteX24" fmla="*/ 738258 w 1950038"/>
+              <a:gd name="connsiteY24" fmla="*/ 1921066 h 1950035"/>
+              <a:gd name="connsiteX25" fmla="*/ 1905402 w 1950038"/>
+              <a:gd name="connsiteY25" fmla="*/ 682364 h 1950035"/>
+              <a:gd name="connsiteX26" fmla="*/ 1907898 w 1950038"/>
+              <a:gd name="connsiteY26" fmla="*/ 690448 h 1950035"/>
+              <a:gd name="connsiteX27" fmla="*/ 725871 w 1950038"/>
+              <a:gd name="connsiteY27" fmla="*/ 1917887 h 1950035"/>
+              <a:gd name="connsiteX28" fmla="*/ 647566 w 1950038"/>
+              <a:gd name="connsiteY28" fmla="*/ 1893664 h 1950035"/>
+              <a:gd name="connsiteX29" fmla="*/ 1874331 w 1950038"/>
+              <a:gd name="connsiteY29" fmla="*/ 597544 h 1950035"/>
+              <a:gd name="connsiteX30" fmla="*/ 1876832 w 1950038"/>
+              <a:gd name="connsiteY30" fmla="*/ 603559 h 1950035"/>
+              <a:gd name="connsiteX31" fmla="*/ 637848 w 1950038"/>
+              <a:gd name="connsiteY31" fmla="*/ 1890146 h 1950035"/>
+              <a:gd name="connsiteX32" fmla="*/ 563992 w 1950038"/>
+              <a:gd name="connsiteY32" fmla="*/ 1859406 h 1950035"/>
+              <a:gd name="connsiteX33" fmla="*/ 1836981 w 1950038"/>
+              <a:gd name="connsiteY33" fmla="*/ 518772 h 1950035"/>
+              <a:gd name="connsiteX34" fmla="*/ 1839370 w 1950038"/>
+              <a:gd name="connsiteY34" fmla="*/ 523312 h 1950035"/>
+              <a:gd name="connsiteX35" fmla="*/ 556238 w 1950038"/>
+              <a:gd name="connsiteY35" fmla="*/ 1855742 h 1950035"/>
+              <a:gd name="connsiteX36" fmla="*/ 486699 w 1950038"/>
+              <a:gd name="connsiteY36" fmla="*/ 1819097 h 1950035"/>
+              <a:gd name="connsiteX37" fmla="*/ 1793918 w 1950038"/>
+              <a:gd name="connsiteY37" fmla="*/ 445505 h 1950035"/>
+              <a:gd name="connsiteX38" fmla="*/ 1796191 w 1950038"/>
+              <a:gd name="connsiteY38" fmla="*/ 449005 h 1950035"/>
+              <a:gd name="connsiteX39" fmla="*/ 480350 w 1950038"/>
+              <a:gd name="connsiteY39" fmla="*/ 1815396 h 1950035"/>
+              <a:gd name="connsiteX40" fmla="*/ 415102 w 1950038"/>
+              <a:gd name="connsiteY40" fmla="*/ 1773303 h 1950035"/>
+              <a:gd name="connsiteX41" fmla="*/ 1745512 w 1950038"/>
+              <a:gd name="connsiteY41" fmla="*/ 377376 h 1950035"/>
+              <a:gd name="connsiteX42" fmla="*/ 1747706 w 1950038"/>
+              <a:gd name="connsiteY42" fmla="*/ 380202 h 1950035"/>
+              <a:gd name="connsiteX43" fmla="*/ 409766 w 1950038"/>
+              <a:gd name="connsiteY43" fmla="*/ 1769542 h 1950035"/>
+              <a:gd name="connsiteX44" fmla="*/ 348835 w 1950038"/>
+              <a:gd name="connsiteY44" fmla="*/ 1722378 h 1950035"/>
+              <a:gd name="connsiteX45" fmla="*/ 1691990 w 1950038"/>
+              <a:gd name="connsiteY45" fmla="*/ 314177 h 1950035"/>
+              <a:gd name="connsiteX46" fmla="*/ 1694216 w 1950038"/>
+              <a:gd name="connsiteY46" fmla="*/ 316596 h 1950035"/>
+              <a:gd name="connsiteX47" fmla="*/ 344204 w 1950038"/>
+              <a:gd name="connsiteY47" fmla="*/ 1718476 h 1950035"/>
+              <a:gd name="connsiteX48" fmla="*/ 287684 w 1950038"/>
+              <a:gd name="connsiteY48" fmla="*/ 1666526 h 1950035"/>
+              <a:gd name="connsiteX49" fmla="*/ 1633444 w 1950038"/>
+              <a:gd name="connsiteY49" fmla="*/ 255819 h 1950035"/>
+              <a:gd name="connsiteX50" fmla="*/ 1635863 w 1950038"/>
+              <a:gd name="connsiteY50" fmla="*/ 258045 h 1950035"/>
+              <a:gd name="connsiteX51" fmla="*/ 283510 w 1950038"/>
+              <a:gd name="connsiteY51" fmla="*/ 1662352 h 1950035"/>
+              <a:gd name="connsiteX52" fmla="*/ 231563 w 1950038"/>
+              <a:gd name="connsiteY52" fmla="*/ 1605831 h 1950035"/>
+              <a:gd name="connsiteX53" fmla="*/ 1569835 w 1950038"/>
+              <a:gd name="connsiteY53" fmla="*/ 202331 h 1950035"/>
+              <a:gd name="connsiteX54" fmla="*/ 1572660 w 1950038"/>
+              <a:gd name="connsiteY54" fmla="*/ 204524 h 1950035"/>
+              <a:gd name="connsiteX55" fmla="*/ 227657 w 1950038"/>
+              <a:gd name="connsiteY55" fmla="*/ 1601202 h 1950035"/>
+              <a:gd name="connsiteX56" fmla="*/ 180493 w 1950038"/>
+              <a:gd name="connsiteY56" fmla="*/ 1540270 h 1950035"/>
+              <a:gd name="connsiteX57" fmla="*/ 1501032 w 1950038"/>
+              <a:gd name="connsiteY57" fmla="*/ 153848 h 1950035"/>
+              <a:gd name="connsiteX58" fmla="*/ 1504532 w 1950038"/>
+              <a:gd name="connsiteY58" fmla="*/ 156121 h 1950035"/>
+              <a:gd name="connsiteX59" fmla="*/ 176731 w 1950038"/>
+              <a:gd name="connsiteY59" fmla="*/ 1534934 h 1950035"/>
+              <a:gd name="connsiteX60" fmla="*/ 134641 w 1950038"/>
+              <a:gd name="connsiteY60" fmla="*/ 1469688 h 1950035"/>
+              <a:gd name="connsiteX61" fmla="*/ 507414 w 1950038"/>
+              <a:gd name="connsiteY61" fmla="*/ 119212 h 1950035"/>
+              <a:gd name="connsiteX62" fmla="*/ 102168 w 1950038"/>
+              <a:gd name="connsiteY62" fmla="*/ 540025 h 1950035"/>
+              <a:gd name="connsiteX63" fmla="*/ 233816 w 1950038"/>
+              <a:gd name="connsiteY63" fmla="*/ 341515 h 1950035"/>
+              <a:gd name="connsiteX64" fmla="*/ 370122 w 1950038"/>
+              <a:gd name="connsiteY64" fmla="*/ 210255 h 1950035"/>
+              <a:gd name="connsiteX65" fmla="*/ 507414 w 1950038"/>
+              <a:gd name="connsiteY65" fmla="*/ 119212 h 1950035"/>
+              <a:gd name="connsiteX66" fmla="*/ 1426726 w 1950038"/>
+              <a:gd name="connsiteY66" fmla="*/ 110665 h 1950035"/>
+              <a:gd name="connsiteX67" fmla="*/ 1431267 w 1950038"/>
+              <a:gd name="connsiteY67" fmla="*/ 113053 h 1950035"/>
+              <a:gd name="connsiteX68" fmla="*/ 130941 w 1950038"/>
+              <a:gd name="connsiteY68" fmla="*/ 1463336 h 1950035"/>
+              <a:gd name="connsiteX69" fmla="*/ 94293 w 1950038"/>
+              <a:gd name="connsiteY69" fmla="*/ 1393797 h 1950035"/>
+              <a:gd name="connsiteX70" fmla="*/ 1346476 w 1950038"/>
+              <a:gd name="connsiteY70" fmla="*/ 73204 h 1950035"/>
+              <a:gd name="connsiteX71" fmla="*/ 1352492 w 1950038"/>
+              <a:gd name="connsiteY71" fmla="*/ 75705 h 1950035"/>
+              <a:gd name="connsiteX72" fmla="*/ 90629 w 1950038"/>
+              <a:gd name="connsiteY72" fmla="*/ 1386047 h 1950035"/>
+              <a:gd name="connsiteX73" fmla="*/ 59890 w 1950038"/>
+              <a:gd name="connsiteY73" fmla="*/ 1312188 h 1950035"/>
+              <a:gd name="connsiteX74" fmla="*/ 1259591 w 1950038"/>
+              <a:gd name="connsiteY74" fmla="*/ 42137 h 1950035"/>
+              <a:gd name="connsiteX75" fmla="*/ 1267675 w 1950038"/>
+              <a:gd name="connsiteY75" fmla="*/ 44633 h 1950035"/>
+              <a:gd name="connsiteX76" fmla="*/ 56375 w 1950038"/>
+              <a:gd name="connsiteY76" fmla="*/ 1302469 h 1950035"/>
+              <a:gd name="connsiteX77" fmla="*/ 32152 w 1950038"/>
+              <a:gd name="connsiteY77" fmla="*/ 1224164 h 1950035"/>
+              <a:gd name="connsiteX78" fmla="*/ 698766 w 1950038"/>
+              <a:gd name="connsiteY78" fmla="*/ 39655 h 1950035"/>
+              <a:gd name="connsiteX79" fmla="*/ 29995 w 1950038"/>
+              <a:gd name="connsiteY79" fmla="*/ 734118 h 1950035"/>
+              <a:gd name="connsiteX80" fmla="*/ 68403 w 1950038"/>
+              <a:gd name="connsiteY80" fmla="*/ 615547 h 1950035"/>
+              <a:gd name="connsiteX81" fmla="*/ 650038 w 1950038"/>
+              <a:gd name="connsiteY81" fmla="*/ 55433 h 1950035"/>
+              <a:gd name="connsiteX82" fmla="*/ 698766 w 1950038"/>
+              <a:gd name="connsiteY82" fmla="*/ 39655 h 1950035"/>
+              <a:gd name="connsiteX83" fmla="*/ 1165023 w 1950038"/>
+              <a:gd name="connsiteY83" fmla="*/ 18463 h 1950035"/>
+              <a:gd name="connsiteX84" fmla="*/ 1175988 w 1950038"/>
+              <a:gd name="connsiteY84" fmla="*/ 20692 h 1950035"/>
+              <a:gd name="connsiteX85" fmla="*/ 28970 w 1950038"/>
+              <a:gd name="connsiteY85" fmla="*/ 1211777 h 1950035"/>
+              <a:gd name="connsiteX86" fmla="*/ 12075 w 1950038"/>
+              <a:gd name="connsiteY86" fmla="*/ 1128755 h 1950035"/>
+              <a:gd name="connsiteX87" fmla="*/ 843216 w 1950038"/>
+              <a:gd name="connsiteY87" fmla="*/ 8802 h 1950035"/>
+              <a:gd name="connsiteX88" fmla="*/ 4623 w 1950038"/>
+              <a:gd name="connsiteY88" fmla="*/ 879613 h 1950035"/>
+              <a:gd name="connsiteX89" fmla="*/ 20181 w 1950038"/>
+              <a:gd name="connsiteY89" fmla="*/ 776727 h 1950035"/>
+              <a:gd name="connsiteX90" fmla="*/ 812849 w 1950038"/>
+              <a:gd name="connsiteY90" fmla="*/ 13386 h 1950035"/>
+              <a:gd name="connsiteX91" fmla="*/ 843216 w 1950038"/>
+              <a:gd name="connsiteY91" fmla="*/ 8802 h 1950035"/>
+              <a:gd name="connsiteX92" fmla="*/ 1061197 w 1950038"/>
+              <a:gd name="connsiteY92" fmla="*/ 3710 h 1950035"/>
+              <a:gd name="connsiteX93" fmla="*/ 1076224 w 1950038"/>
+              <a:gd name="connsiteY93" fmla="*/ 5144 h 1950035"/>
+              <a:gd name="connsiteX94" fmla="*/ 9655 w 1950038"/>
+              <a:gd name="connsiteY94" fmla="*/ 1112686 h 1950035"/>
+              <a:gd name="connsiteX95" fmla="*/ 1238 w 1950038"/>
+              <a:gd name="connsiteY95" fmla="*/ 1024450 h 1950035"/>
+              <a:gd name="connsiteX96" fmla="*/ 966432 w 1950038"/>
+              <a:gd name="connsiteY96" fmla="*/ 0 h 1950035"/>
+              <a:gd name="connsiteX97" fmla="*/ 413 w 1950038"/>
+              <a:gd name="connsiteY97" fmla="*/ 1003131 h 1950035"/>
+              <a:gd name="connsiteX98" fmla="*/ 0 w 1950038"/>
+              <a:gd name="connsiteY98" fmla="*/ 974990 h 1950035"/>
+              <a:gd name="connsiteX99" fmla="*/ 2232 w 1950038"/>
+              <a:gd name="connsiteY99" fmla="*/ 908753 h 1950035"/>
+              <a:gd name="connsiteX100" fmla="*/ 945478 w 1950038"/>
+              <a:gd name="connsiteY100" fmla="*/ 402 h 1950035"/>
+              <a:gd name="connsiteX101" fmla="*/ 966432 w 1950038"/>
+              <a:gd name="connsiteY101" fmla="*/ 0 h 1950035"/>
+            </a:gdLst>
+            <a:ahLst/>
+            <a:cxnLst>
+              <a:cxn ang="0">
+                <a:pos x="connsiteX0" y="connsiteY0"/>
+              </a:cxn>
+              <a:cxn ang="0">
+                <a:pos x="connsiteX1" y="connsiteY1"/>
+              </a:cxn>
+              <a:cxn ang="0">
+                <a:pos x="connsiteX2" y="connsiteY2"/>
+              </a:cxn>
+              <a:cxn ang="0">
+                <a:pos x="connsiteX3" y="connsiteY3"/>
+              </a:cxn>
+              <a:cxn ang="0">
+                <a:pos x="connsiteX4" y="connsiteY4"/>
+              </a:cxn>
+              <a:cxn ang="0">
+                <a:pos x="connsiteX5" y="connsiteY5"/>
+              </a:cxn>
+              <a:cxn ang="0">
+                <a:pos x="connsiteX6" y="connsiteY6"/>
+              </a:cxn>
+              <a:cxn ang="0">
+                <a:pos x="connsiteX7" y="connsiteY7"/>
+              </a:cxn>
+              <a:cxn ang="0">
+                <a:pos x="connsiteX8" y="connsiteY8"/>
+              </a:cxn>
+              <a:cxn ang="0">
+                <a:pos x="connsiteX9" y="connsiteY9"/>
+              </a:cxn>
+              <a:cxn ang="0">
+                <a:pos x="connsiteX10" y="connsiteY10"/>
+              </a:cxn>
+              <a:cxn ang="0">
+                <a:pos x="connsiteX11" y="connsiteY11"/>
+              </a:cxn>
+              <a:cxn ang="0">
+                <a:pos x="connsiteX12" y="connsiteY12"/>
+              </a:cxn>
+              <a:cxn ang="0">
+                <a:pos x="connsiteX13" y="connsiteY13"/>
+              </a:cxn>
+              <a:cxn ang="0">
+                <a:pos x="connsiteX14" y="connsiteY14"/>
+              </a:cxn>
+              <a:cxn ang="0">
+                <a:pos x="connsiteX15" y="connsiteY15"/>
+              </a:cxn>
+              <a:cxn ang="0">
+                <a:pos x="connsiteX16" y="connsiteY16"/>
+              </a:cxn>
+              <a:cxn ang="0">
+                <a:pos x="connsiteX17" y="connsiteY17"/>
+              </a:cxn>
+              <a:cxn ang="0">
+                <a:pos x="connsiteX18" y="connsiteY18"/>
+              </a:cxn>
+              <a:cxn ang="0">
+                <a:pos x="connsiteX19" y="connsiteY19"/>
+              </a:cxn>
+              <a:cxn ang="0">
+                <a:pos x="connsiteX20" y="connsiteY20"/>
+              </a:cxn>
+              <a:cxn ang="0">
+                <a:pos x="connsiteX21" y="connsiteY21"/>
+              </a:cxn>
+              <a:cxn ang="0">
+                <a:pos x="connsiteX22" y="connsiteY22"/>
+              </a:cxn>
+              <a:cxn ang="0">
+                <a:pos x="connsiteX23" y="connsiteY23"/>
+              </a:cxn>
+              <a:cxn ang="0">
+                <a:pos x="connsiteX24" y="connsiteY24"/>
+              </a:cxn>
+              <a:cxn ang="0">
+                <a:pos x="connsiteX25" y="connsiteY25"/>
+              </a:cxn>
+              <a:cxn ang="0">
+                <a:pos x="connsiteX26" y="connsiteY26"/>
+              </a:cxn>
+              <a:cxn ang="0">
+                <a:pos x="connsiteX27" y="connsiteY27"/>
+              </a:cxn>
+              <a:cxn ang="0">
+                <a:pos x="connsiteX28" y="connsiteY28"/>
+              </a:cxn>
+              <a:cxn ang="0">
+                <a:pos x="connsiteX29" y="connsiteY29"/>
+              </a:cxn>
+              <a:cxn ang="0">
+                <a:pos x="connsiteX30" y="connsiteY30"/>
+              </a:cxn>
+              <a:cxn ang="0">
+                <a:pos x="connsiteX31" y="connsiteY31"/>
+              </a:cxn>
+              <a:cxn ang="0">
+                <a:pos x="connsiteX32" y="connsiteY32"/>
+              </a:cxn>
+              <a:cxn ang="0">
+                <a:pos x="connsiteX33" y="connsiteY33"/>
+              </a:cxn>
+              <a:cxn ang="0">
+                <a:pos x="connsiteX34" y="connsiteY34"/>
+              </a:cxn>
+              <a:cxn ang="0">
+                <a:pos x="connsiteX35" y="connsiteY35"/>
+              </a:cxn>
+              <a:cxn ang="0">
+                <a:pos x="connsiteX36" y="connsiteY36"/>
+              </a:cxn>
+              <a:cxn ang="0">
+                <a:pos x="connsiteX37" y="connsiteY37"/>
+              </a:cxn>
+              <a:cxn ang="0">
+                <a:pos x="connsiteX38" y="connsiteY38"/>
+              </a:cxn>
+              <a:cxn ang="0">
+                <a:pos x="connsiteX39" y="connsiteY39"/>
+              </a:cxn>
+              <a:cxn ang="0">
+                <a:pos x="connsiteX40" y="connsiteY40"/>
+              </a:cxn>
+              <a:cxn ang="0">
+                <a:pos x="connsiteX41" y="connsiteY41"/>
+              </a:cxn>
+              <a:cxn ang="0">
+                <a:pos x="connsiteX42" y="connsiteY42"/>
+              </a:cxn>
+              <a:cxn ang="0">
+                <a:pos x="connsiteX43" y="connsiteY43"/>
+              </a:cxn>
+              <a:cxn ang="0">
+                <a:pos x="connsiteX44" y="connsiteY44"/>
+              </a:cxn>
+              <a:cxn ang="0">
+                <a:pos x="connsiteX45" y="connsiteY45"/>
+              </a:cxn>
+              <a:cxn ang="0">
+                <a:pos x="connsiteX46" y="connsiteY46"/>
+              </a:cxn>
+              <a:cxn ang="0">
+                <a:pos x="connsiteX47" y="connsiteY47"/>
+              </a:cxn>
+              <a:cxn ang="0">
+                <a:pos x="connsiteX48" y="connsiteY48"/>
+              </a:cxn>
+              <a:cxn ang="0">
+                <a:pos x="connsiteX49" y="connsiteY49"/>
+              </a:cxn>
+              <a:cxn ang="0">
+                <a:pos x="connsiteX50" y="connsiteY50"/>
+              </a:cxn>
+              <a:cxn ang="0">
+                <a:pos x="connsiteX51" y="connsiteY51"/>
+              </a:cxn>
+              <a:cxn ang="0">
+                <a:pos x="connsiteX52" y="connsiteY52"/>
+              </a:cxn>
+              <a:cxn ang="0">
+                <a:pos x="connsiteX53" y="connsiteY53"/>
+              </a:cxn>
+              <a:cxn ang="0">
+                <a:pos x="connsiteX54" y="connsiteY54"/>
+              </a:cxn>
+              <a:cxn ang="0">
+                <a:pos x="connsiteX55" y="connsiteY55"/>
+              </a:cxn>
+              <a:cxn ang="0">
+                <a:pos x="connsiteX56" y="connsiteY56"/>
+              </a:cxn>
+              <a:cxn ang="0">
+                <a:pos x="connsiteX57" y="connsiteY57"/>
+              </a:cxn>
+              <a:cxn ang="0">
+                <a:pos x="connsiteX58" y="connsiteY58"/>
+              </a:cxn>
+              <a:cxn ang="0">
+                <a:pos x="connsiteX59" y="connsiteY59"/>
+              </a:cxn>
+              <a:cxn ang="0">
+                <a:pos x="connsiteX60" y="connsiteY60"/>
+              </a:cxn>
+              <a:cxn ang="0">
+                <a:pos x="connsiteX61" y="connsiteY61"/>
+              </a:cxn>
+              <a:cxn ang="0">
+                <a:pos x="connsiteX62" y="connsiteY62"/>
+              </a:cxn>
+              <a:cxn ang="0">
+                <a:pos x="connsiteX63" y="connsiteY63"/>
+              </a:cxn>
+              <a:cxn ang="0">
+                <a:pos x="connsiteX64" y="connsiteY64"/>
+              </a:cxn>
+              <a:cxn ang="0">
+                <a:pos x="connsiteX65" y="connsiteY65"/>
+              </a:cxn>
+              <a:cxn ang="0">
+                <a:pos x="connsiteX66" y="connsiteY66"/>
+              </a:cxn>
+              <a:cxn ang="0">
+                <a:pos x="connsiteX67" y="connsiteY67"/>
+              </a:cxn>
+              <a:cxn ang="0">
+                <a:pos x="connsiteX68" y="connsiteY68"/>
+              </a:cxn>
+              <a:cxn ang="0">
+                <a:pos x="connsiteX69" y="connsiteY69"/>
+              </a:cxn>
+              <a:cxn ang="0">
+                <a:pos x="connsiteX70" y="connsiteY70"/>
+              </a:cxn>
+              <a:cxn ang="0">
+                <a:pos x="connsiteX71" y="connsiteY71"/>
+              </a:cxn>
+              <a:cxn ang="0">
+                <a:pos x="connsiteX72" y="connsiteY72"/>
+              </a:cxn>
+              <a:cxn ang="0">
+                <a:pos x="connsiteX73" y="connsiteY73"/>
+              </a:cxn>
+              <a:cxn ang="0">
+                <a:pos x="connsiteX74" y="connsiteY74"/>
+              </a:cxn>
+              <a:cxn ang="0">
+                <a:pos x="connsiteX75" y="connsiteY75"/>
+              </a:cxn>
+              <a:cxn ang="0">
+                <a:pos x="connsiteX76" y="connsiteY76"/>
+              </a:cxn>
+              <a:cxn ang="0">
+                <a:pos x="connsiteX77" y="connsiteY77"/>
+              </a:cxn>
+              <a:cxn ang="0">
+                <a:pos x="connsiteX78" y="connsiteY78"/>
+              </a:cxn>
+              <a:cxn ang="0">
+                <a:pos x="connsiteX79" y="connsiteY79"/>
+              </a:cxn>
+              <a:cxn ang="0">
+                <a:pos x="connsiteX80" y="connsiteY80"/>
+              </a:cxn>
+              <a:cxn ang="0">
+                <a:pos x="connsiteX81" y="connsiteY81"/>
+              </a:cxn>
+              <a:cxn ang="0">
+                <a:pos x="connsiteX82" y="connsiteY82"/>
+              </a:cxn>
+              <a:cxn ang="0">
+                <a:pos x="connsiteX83" y="connsiteY83"/>
+              </a:cxn>
+              <a:cxn ang="0">
+                <a:pos x="connsiteX84" y="connsiteY84"/>
+              </a:cxn>
+              <a:cxn ang="0">
+                <a:pos x="connsiteX85" y="connsiteY85"/>
+              </a:cxn>
+              <a:cxn ang="0">
+                <a:pos x="connsiteX86" y="connsiteY86"/>
+              </a:cxn>
+              <a:cxn ang="0">
+                <a:pos x="connsiteX87" y="connsiteY87"/>
+              </a:cxn>
+              <a:cxn ang="0">
+                <a:pos x="connsiteX88" y="connsiteY88"/>
+              </a:cxn>
+              <a:cxn ang="0">
+                <a:pos x="connsiteX89" y="connsiteY89"/>
+              </a:cxn>
+              <a:cxn ang="0">
+                <a:pos x="connsiteX90" y="connsiteY90"/>
+              </a:cxn>
+              <a:cxn ang="0">
+                <a:pos x="connsiteX91" y="connsiteY91"/>
+              </a:cxn>
+              <a:cxn ang="0">
+                <a:pos x="connsiteX92" y="connsiteY92"/>
+              </a:cxn>
+              <a:cxn ang="0">
+                <a:pos x="connsiteX93" y="connsiteY93"/>
+              </a:cxn>
+              <a:cxn ang="0">
+                <a:pos x="connsiteX94" y="connsiteY94"/>
+              </a:cxn>
+              <a:cxn ang="0">
+                <a:pos x="connsiteX95" y="connsiteY95"/>
+              </a:cxn>
+              <a:cxn ang="0">
+                <a:pos x="connsiteX96" y="connsiteY96"/>
+              </a:cxn>
+              <a:cxn ang="0">
+                <a:pos x="connsiteX97" y="connsiteY97"/>
+              </a:cxn>
+              <a:cxn ang="0">
+                <a:pos x="connsiteX98" y="connsiteY98"/>
+              </a:cxn>
+              <a:cxn ang="0">
+                <a:pos x="connsiteX99" y="connsiteY99"/>
+              </a:cxn>
+              <a:cxn ang="0">
+                <a:pos x="connsiteX100" y="connsiteY100"/>
+              </a:cxn>
+              <a:cxn ang="0">
+                <a:pos x="connsiteX101" y="connsiteY101"/>
+              </a:cxn>
+            </a:cxnLst>
+            <a:rect l="l" t="t" r="r" b="b"/>
+            <a:pathLst>
+              <a:path w="1950038" h="1950035">
+                <a:moveTo>
+                  <a:pt x="1830827" y="1442624"/>
+                </a:moveTo>
+                <a:cubicBezTo>
+                  <a:pt x="1804319" y="1491030"/>
+                  <a:pt x="1773825" y="1536939"/>
+                  <a:pt x="1739783" y="1579915"/>
+                </a:cubicBezTo>
+                <a:lnTo>
+                  <a:pt x="1608523" y="1716219"/>
+                </a:lnTo>
+                <a:cubicBezTo>
+                  <a:pt x="1548263" y="1767767"/>
+                  <a:pt x="1481652" y="1812100"/>
+                  <a:pt x="1410014" y="1847867"/>
+                </a:cubicBezTo>
+                <a:close/>
+                <a:moveTo>
+                  <a:pt x="1910383" y="1251270"/>
+                </a:moveTo>
+                <a:cubicBezTo>
+                  <a:pt x="1905540" y="1267695"/>
+                  <a:pt x="1900278" y="1283944"/>
+                  <a:pt x="1894604" y="1299997"/>
+                </a:cubicBezTo>
+                <a:lnTo>
+                  <a:pt x="1334487" y="1881633"/>
+                </a:lnTo>
+                <a:cubicBezTo>
+                  <a:pt x="1296101" y="1896864"/>
+                  <a:pt x="1256518" y="1909725"/>
+                  <a:pt x="1215916" y="1920041"/>
+                </a:cubicBezTo>
+                <a:close/>
+                <a:moveTo>
+                  <a:pt x="1941236" y="1106819"/>
+                </a:moveTo>
+                <a:cubicBezTo>
+                  <a:pt x="1939860" y="1116992"/>
+                  <a:pt x="1938339" y="1127116"/>
+                  <a:pt x="1936652" y="1137187"/>
+                </a:cubicBezTo>
+                <a:lnTo>
+                  <a:pt x="1173309" y="1929855"/>
+                </a:lnTo>
+                <a:cubicBezTo>
+                  <a:pt x="1139617" y="1936814"/>
+                  <a:pt x="1105290" y="1942028"/>
+                  <a:pt x="1070425" y="1945413"/>
+                </a:cubicBezTo>
+                <a:close/>
+                <a:moveTo>
+                  <a:pt x="1950038" y="983603"/>
+                </a:moveTo>
+                <a:cubicBezTo>
+                  <a:pt x="1949978" y="990606"/>
+                  <a:pt x="1949840" y="997590"/>
+                  <a:pt x="1949634" y="1004557"/>
+                </a:cubicBezTo>
+                <a:lnTo>
+                  <a:pt x="1041285" y="1947804"/>
+                </a:lnTo>
+                <a:cubicBezTo>
+                  <a:pt x="1019392" y="1949273"/>
+                  <a:pt x="997310" y="1950035"/>
+                  <a:pt x="975046" y="1950035"/>
+                </a:cubicBezTo>
+                <a:cubicBezTo>
+                  <a:pt x="965632" y="1950035"/>
+                  <a:pt x="956252" y="1949886"/>
+                  <a:pt x="946904" y="1949623"/>
+                </a:cubicBezTo>
+                <a:close/>
+                <a:moveTo>
+                  <a:pt x="1944896" y="873812"/>
+                </a:moveTo>
+                <a:cubicBezTo>
+                  <a:pt x="1945410" y="878809"/>
+                  <a:pt x="1945889" y="883820"/>
+                  <a:pt x="1946329" y="888839"/>
+                </a:cubicBezTo>
+                <a:lnTo>
+                  <a:pt x="925587" y="1948800"/>
+                </a:lnTo>
+                <a:cubicBezTo>
+                  <a:pt x="895802" y="1947311"/>
+                  <a:pt x="866373" y="1944483"/>
+                  <a:pt x="837353" y="1940379"/>
+                </a:cubicBezTo>
+                <a:close/>
+                <a:moveTo>
+                  <a:pt x="1929343" y="774049"/>
+                </a:moveTo>
+                <a:cubicBezTo>
+                  <a:pt x="1930106" y="777698"/>
+                  <a:pt x="1930849" y="781352"/>
+                  <a:pt x="1931572" y="785015"/>
+                </a:cubicBezTo>
+                <a:lnTo>
+                  <a:pt x="821280" y="1937961"/>
+                </a:lnTo>
+                <a:cubicBezTo>
+                  <a:pt x="793191" y="1933511"/>
+                  <a:pt x="765497" y="1927862"/>
+                  <a:pt x="738258" y="1921066"/>
+                </a:cubicBezTo>
+                <a:close/>
+                <a:moveTo>
+                  <a:pt x="1905402" y="682364"/>
+                </a:moveTo>
+                <a:cubicBezTo>
+                  <a:pt x="1906247" y="685052"/>
+                  <a:pt x="1907076" y="687749"/>
+                  <a:pt x="1907898" y="690448"/>
+                </a:cubicBezTo>
+                <a:lnTo>
+                  <a:pt x="725871" y="1917887"/>
+                </a:lnTo>
+                <a:cubicBezTo>
+                  <a:pt x="699309" y="1910887"/>
+                  <a:pt x="673190" y="1902797"/>
+                  <a:pt x="647566" y="1893664"/>
+                </a:cubicBezTo>
+                <a:close/>
+                <a:moveTo>
+                  <a:pt x="1874331" y="597544"/>
+                </a:moveTo>
+                <a:cubicBezTo>
+                  <a:pt x="1875173" y="599545"/>
+                  <a:pt x="1876004" y="601551"/>
+                  <a:pt x="1876832" y="603559"/>
+                </a:cubicBezTo>
+                <a:lnTo>
+                  <a:pt x="637848" y="1890146"/>
+                </a:lnTo>
+                <a:cubicBezTo>
+                  <a:pt x="612728" y="1880886"/>
+                  <a:pt x="588091" y="1870628"/>
+                  <a:pt x="563992" y="1859406"/>
+                </a:cubicBezTo>
+                <a:close/>
+                <a:moveTo>
+                  <a:pt x="1836981" y="518772"/>
+                </a:moveTo>
+                <a:cubicBezTo>
+                  <a:pt x="1837782" y="520283"/>
+                  <a:pt x="1838577" y="521796"/>
+                  <a:pt x="1839370" y="523312"/>
+                </a:cubicBezTo>
+                <a:lnTo>
+                  <a:pt x="556238" y="1855742"/>
+                </a:lnTo>
+                <a:cubicBezTo>
+                  <a:pt x="532515" y="1844440"/>
+                  <a:pt x="509318" y="1832212"/>
+                  <a:pt x="486699" y="1819097"/>
+                </a:cubicBezTo>
+                <a:close/>
+                <a:moveTo>
+                  <a:pt x="1793918" y="445505"/>
+                </a:moveTo>
+                <a:cubicBezTo>
+                  <a:pt x="1794674" y="446672"/>
+                  <a:pt x="1795440" y="447833"/>
+                  <a:pt x="1796191" y="449005"/>
+                </a:cubicBezTo>
+                <a:lnTo>
+                  <a:pt x="480350" y="1815396"/>
+                </a:lnTo>
+                <a:cubicBezTo>
+                  <a:pt x="458012" y="1802218"/>
+                  <a:pt x="436252" y="1788165"/>
+                  <a:pt x="415102" y="1773303"/>
+                </a:cubicBezTo>
+                <a:close/>
+                <a:moveTo>
+                  <a:pt x="1745512" y="377376"/>
+                </a:moveTo>
+                <a:cubicBezTo>
+                  <a:pt x="1746245" y="378317"/>
+                  <a:pt x="1746979" y="379258"/>
+                  <a:pt x="1747706" y="380202"/>
+                </a:cubicBezTo>
+                <a:lnTo>
+                  <a:pt x="409766" y="1769542"/>
+                </a:lnTo>
+                <a:cubicBezTo>
+                  <a:pt x="388823" y="1754614"/>
+                  <a:pt x="368504" y="1738874"/>
+                  <a:pt x="348835" y="1722378"/>
+                </a:cubicBezTo>
+                <a:close/>
+                <a:moveTo>
+                  <a:pt x="1691990" y="314177"/>
+                </a:moveTo>
+                <a:cubicBezTo>
+                  <a:pt x="1692733" y="314980"/>
+                  <a:pt x="1693477" y="315786"/>
+                  <a:pt x="1694216" y="316596"/>
+                </a:cubicBezTo>
+                <a:lnTo>
+                  <a:pt x="344204" y="1718476"/>
+                </a:lnTo>
+                <a:cubicBezTo>
+                  <a:pt x="324686" y="1701899"/>
+                  <a:pt x="305834" y="1684567"/>
+                  <a:pt x="287684" y="1666526"/>
+                </a:cubicBezTo>
+                <a:close/>
+                <a:moveTo>
+                  <a:pt x="1633444" y="255819"/>
+                </a:moveTo>
+                <a:cubicBezTo>
+                  <a:pt x="1634251" y="256559"/>
+                  <a:pt x="1635056" y="257302"/>
+                  <a:pt x="1635863" y="258045"/>
+                </a:cubicBezTo>
+                <a:lnTo>
+                  <a:pt x="283510" y="1662352"/>
+                </a:lnTo>
+                <a:cubicBezTo>
+                  <a:pt x="265470" y="1644201"/>
+                  <a:pt x="248136" y="1625349"/>
+                  <a:pt x="231563" y="1605831"/>
+                </a:cubicBezTo>
+                <a:close/>
+                <a:moveTo>
+                  <a:pt x="1569835" y="202331"/>
+                </a:moveTo>
+                <a:cubicBezTo>
+                  <a:pt x="1570778" y="203057"/>
+                  <a:pt x="1571719" y="203792"/>
+                  <a:pt x="1572660" y="204524"/>
+                </a:cubicBezTo>
+                <a:lnTo>
+                  <a:pt x="227657" y="1601202"/>
+                </a:lnTo>
+                <a:cubicBezTo>
+                  <a:pt x="211161" y="1581535"/>
+                  <a:pt x="195421" y="1561214"/>
+                  <a:pt x="180493" y="1540270"/>
+                </a:cubicBezTo>
+                <a:close/>
+                <a:moveTo>
+                  <a:pt x="1501032" y="153848"/>
+                </a:moveTo>
+                <a:cubicBezTo>
+                  <a:pt x="1502204" y="154599"/>
+                  <a:pt x="1503366" y="155364"/>
+                  <a:pt x="1504532" y="156121"/>
+                </a:cubicBezTo>
+                <a:lnTo>
+                  <a:pt x="176731" y="1534934"/>
+                </a:lnTo>
+                <a:cubicBezTo>
+                  <a:pt x="161869" y="1513784"/>
+                  <a:pt x="147819" y="1492024"/>
+                  <a:pt x="134641" y="1469688"/>
+                </a:cubicBezTo>
+                <a:close/>
+                <a:moveTo>
+                  <a:pt x="507414" y="119212"/>
+                </a:moveTo>
+                <a:lnTo>
+                  <a:pt x="102168" y="540025"/>
+                </a:lnTo>
+                <a:cubicBezTo>
+                  <a:pt x="137935" y="468386"/>
+                  <a:pt x="182268" y="401772"/>
+                  <a:pt x="233816" y="341515"/>
+                </a:cubicBezTo>
+                <a:lnTo>
+                  <a:pt x="370122" y="210255"/>
+                </a:lnTo>
+                <a:cubicBezTo>
+                  <a:pt x="413099" y="176213"/>
+                  <a:pt x="459008" y="145719"/>
+                  <a:pt x="507414" y="119212"/>
+                </a:cubicBezTo>
+                <a:close/>
+                <a:moveTo>
+                  <a:pt x="1426726" y="110665"/>
+                </a:moveTo>
+                <a:cubicBezTo>
+                  <a:pt x="1428242" y="111457"/>
+                  <a:pt x="1429756" y="112253"/>
+                  <a:pt x="1431267" y="113053"/>
+                </a:cubicBezTo>
+                <a:lnTo>
+                  <a:pt x="130941" y="1463336"/>
+                </a:lnTo>
+                <a:cubicBezTo>
+                  <a:pt x="117826" y="1440717"/>
+                  <a:pt x="105594" y="1417523"/>
+                  <a:pt x="94293" y="1393797"/>
+                </a:cubicBezTo>
+                <a:close/>
+                <a:moveTo>
+                  <a:pt x="1346476" y="73204"/>
+                </a:moveTo>
+                <a:cubicBezTo>
+                  <a:pt x="1348486" y="74032"/>
+                  <a:pt x="1350491" y="74863"/>
+                  <a:pt x="1352492" y="75705"/>
+                </a:cubicBezTo>
+                <a:lnTo>
+                  <a:pt x="90629" y="1386047"/>
+                </a:lnTo>
+                <a:cubicBezTo>
+                  <a:pt x="79411" y="1361947"/>
+                  <a:pt x="69149" y="1337308"/>
+                  <a:pt x="59890" y="1312188"/>
+                </a:cubicBezTo>
+                <a:close/>
+                <a:moveTo>
+                  <a:pt x="1259591" y="42137"/>
+                </a:moveTo>
+                <a:cubicBezTo>
+                  <a:pt x="1262290" y="42960"/>
+                  <a:pt x="1264987" y="43788"/>
+                  <a:pt x="1267675" y="44633"/>
+                </a:cubicBezTo>
+                <a:lnTo>
+                  <a:pt x="56375" y="1302469"/>
+                </a:lnTo>
+                <a:cubicBezTo>
+                  <a:pt x="47240" y="1276846"/>
+                  <a:pt x="39150" y="1250729"/>
+                  <a:pt x="32152" y="1224164"/>
+                </a:cubicBezTo>
+                <a:close/>
+                <a:moveTo>
+                  <a:pt x="698766" y="39655"/>
+                </a:moveTo>
+                <a:lnTo>
+                  <a:pt x="29995" y="734118"/>
+                </a:lnTo>
+                <a:cubicBezTo>
+                  <a:pt x="40311" y="693519"/>
+                  <a:pt x="53173" y="653933"/>
+                  <a:pt x="68403" y="615547"/>
+                </a:cubicBezTo>
+                <a:lnTo>
+                  <a:pt x="650038" y="55433"/>
+                </a:lnTo>
+                <a:cubicBezTo>
+                  <a:pt x="666092" y="49759"/>
+                  <a:pt x="682338" y="44498"/>
+                  <a:pt x="698766" y="39655"/>
+                </a:cubicBezTo>
+                <a:close/>
+                <a:moveTo>
+                  <a:pt x="1165023" y="18463"/>
+                </a:moveTo>
+                <a:cubicBezTo>
+                  <a:pt x="1168685" y="19184"/>
+                  <a:pt x="1172342" y="19927"/>
+                  <a:pt x="1175988" y="20692"/>
+                </a:cubicBezTo>
+                <a:lnTo>
+                  <a:pt x="28970" y="1211777"/>
+                </a:lnTo>
+                <a:cubicBezTo>
+                  <a:pt x="22174" y="1184538"/>
+                  <a:pt x="16527" y="1156844"/>
+                  <a:pt x="12075" y="1128755"/>
+                </a:cubicBezTo>
+                <a:close/>
+                <a:moveTo>
+                  <a:pt x="843216" y="8802"/>
+                </a:moveTo>
+                <a:lnTo>
+                  <a:pt x="4623" y="879613"/>
+                </a:lnTo>
+                <a:cubicBezTo>
+                  <a:pt x="8010" y="844749"/>
+                  <a:pt x="13222" y="810418"/>
+                  <a:pt x="20181" y="776727"/>
+                </a:cubicBezTo>
+                <a:lnTo>
+                  <a:pt x="812849" y="13386"/>
+                </a:lnTo>
+                <a:cubicBezTo>
+                  <a:pt x="822920" y="11699"/>
+                  <a:pt x="833044" y="10178"/>
+                  <a:pt x="843216" y="8802"/>
+                </a:cubicBezTo>
+                <a:close/>
+                <a:moveTo>
+                  <a:pt x="1061197" y="3710"/>
+                </a:moveTo>
+                <a:cubicBezTo>
+                  <a:pt x="1066216" y="4150"/>
+                  <a:pt x="1071227" y="4629"/>
+                  <a:pt x="1076224" y="5144"/>
+                </a:cubicBezTo>
+                <a:lnTo>
+                  <a:pt x="9655" y="1112686"/>
+                </a:lnTo>
+                <a:cubicBezTo>
+                  <a:pt x="5553" y="1083664"/>
+                  <a:pt x="2726" y="1054234"/>
+                  <a:pt x="1238" y="1024450"/>
+                </a:cubicBezTo>
+                <a:close/>
+                <a:moveTo>
+                  <a:pt x="966432" y="0"/>
+                </a:moveTo>
+                <a:lnTo>
+                  <a:pt x="413" y="1003131"/>
+                </a:lnTo>
+                <a:cubicBezTo>
+                  <a:pt x="148" y="993783"/>
+                  <a:pt x="0" y="984403"/>
+                  <a:pt x="0" y="974990"/>
+                </a:cubicBezTo>
+                <a:cubicBezTo>
+                  <a:pt x="0" y="952728"/>
+                  <a:pt x="762" y="930643"/>
+                  <a:pt x="2232" y="908753"/>
+                </a:cubicBezTo>
+                <a:lnTo>
+                  <a:pt x="945478" y="402"/>
+                </a:lnTo>
+                <a:cubicBezTo>
+                  <a:pt x="952445" y="195"/>
+                  <a:pt x="959429" y="60"/>
+                  <a:pt x="966432" y="0"/>
+                </a:cubicBezTo>
+                <a:close/>
+              </a:path>
+            </a:pathLst>
+          </a:custGeom>
+          <a:solidFill>
+            <a:schemeClr val="accent1">
+              <a:lumMod val="20000"/>
+              <a:lumOff val="80000"/>
+            </a:schemeClr>
+          </a:solidFill>
+          <a:ln w="4838" cap="flat">
+            <a:noFill/>
+            <a:prstDash val="solid"/>
+            <a:miter/>
+          </a:ln>
+        </p:spPr>
+        <p:txBody>
+          <a:bodyPr wrap="square" rtlCol="0" anchor="ctr">
+            <a:noAutofit/>
+          </a:bodyPr>
+          <a:lstStyle/>
+          <a:p>
+            <a:endParaRPr lang="en-US">
+              <a:solidFill>
+                <a:schemeClr val="tx2"/>
+              </a:solidFill>
+            </a:endParaRPr>
+          </a:p>
+        </p:txBody>
+      </p:sp>
+      <p:sp>
+        <p:nvSpPr>
+          <p:cNvPr id="11" name="Title 1">
+            <a:extLst>
+              <a:ext uri="{FF2B5EF4-FFF2-40B4-BE49-F238E27FC236}">
+                <a16:creationId xmlns:a16="http://schemas.microsoft.com/office/drawing/2014/main" id="{213EDD85-FE5B-D061-47EB-8356DC235A6E}"/>
+              </a:ext>
+            </a:extLst>
+          </p:cNvPr>
+          <p:cNvSpPr>
+            <a:spLocks noGrp="1"/>
+          </p:cNvSpPr>
+          <p:nvPr>
+            <p:ph type="ctrTitle"/>
+          </p:nvPr>
+        </p:nvSpPr>
+        <p:spPr>
+          <a:xfrm>
+            <a:off x="0" y="914400"/>
+            <a:ext cx="4876800" cy="3810000"/>
           </a:xfrm>
         </p:spPr>
         <p:txBody>
-          <a:bodyPr anchor="b">
+          <a:bodyPr anchor="ctr"/>
+          <a:lstStyle>
+            <a:lvl1pPr algn="ctr">
+              <a:lnSpc>
+                <a:spcPct val="100000"/>
+              </a:lnSpc>
+              <a:defRPr sz="6000" b="1">
+                <a:solidFill>
+                  <a:schemeClr val="accent2"/>
+                </a:solidFill>
+                <a:effectLst>
+                  <a:outerShdw blurRad="38100" dist="38100" dir="2700000" algn="tl">
+                    <a:srgbClr val="000000">
+                      <a:alpha val="43137"/>
+                    </a:srgbClr>
+                  </a:outerShdw>
+                </a:effectLst>
+              </a:defRPr>
+            </a:lvl1pPr>
+          </a:lstStyle>
+          <a:p>
+            <a:r>
+              <a:rPr lang="es-ES" dirty="0"/>
+              <a:t>Haga clic para modificar el estilo de título del patrón</a:t>
+            </a:r>
+            <a:endParaRPr lang="en-US" dirty="0"/>
+          </a:p>
+        </p:txBody>
+      </p:sp>
+      <p:sp>
+        <p:nvSpPr>
+          <p:cNvPr id="12" name="Subtitle 2">
+            <a:extLst>
+              <a:ext uri="{FF2B5EF4-FFF2-40B4-BE49-F238E27FC236}">
+                <a16:creationId xmlns:a16="http://schemas.microsoft.com/office/drawing/2014/main" id="{460274C2-32CB-B3B3-9374-14B5E0F63BF0}"/>
+              </a:ext>
+            </a:extLst>
+          </p:cNvPr>
+          <p:cNvSpPr>
+            <a:spLocks noGrp="1"/>
+          </p:cNvSpPr>
+          <p:nvPr>
+            <p:ph type="subTitle" idx="1"/>
+          </p:nvPr>
+        </p:nvSpPr>
+        <p:spPr>
+          <a:xfrm>
+            <a:off x="706438" y="4914900"/>
+            <a:ext cx="4711700" cy="1257300"/>
+          </a:xfrm>
+        </p:spPr>
+        <p:txBody>
+          <a:bodyPr anchor="ctr">
             <a:normAutofit/>
           </a:bodyPr>
           <a:lstStyle>
-            <a:lvl1pPr>
-              <a:defRPr kumimoji="0" lang="es-ES_tradnl" sz="6000" b="0" i="0" u="none" strike="noStrike" kern="1200" cap="none" spc="0" normalizeH="0" baseline="0" dirty="0">
-                <a:ln>
-                  <a:noFill/>
-                </a:ln>
-                <a:solidFill>
-                  <a:srgbClr val="E0287A"/>
-                </a:solidFill>
-                <a:effectLst/>
-                <a:uLnTx/>
-                <a:uFillTx/>
-                <a:latin typeface="Arial Rounded MT Bold"/>
-                <a:ea typeface="+mj-ea"/>
-                <a:cs typeface="+mj-cs"/>
-              </a:defRPr>
-            </a:lvl1pPr>
-          </a:lstStyle>
-          <a:p>
-            <a:r>
-              <a:rPr lang="en-US" dirty="0"/>
-              <a:t>Click to edit Master title style</a:t>
-            </a:r>
-            <a:endParaRPr lang="es-ES_tradnl" dirty="0"/>
-          </a:p>
-        </p:txBody>
-      </p:sp>
-      <p:sp>
-        <p:nvSpPr>
-          <p:cNvPr id="3" name="Text Placeholder 2">
-            <a:extLst>
-              <a:ext uri="{FF2B5EF4-FFF2-40B4-BE49-F238E27FC236}">
-                <a16:creationId xmlns:a16="http://schemas.microsoft.com/office/drawing/2014/main" id="{16BD45F8-9AFD-C6BB-DA34-EBB651D741C8}"/>
-              </a:ext>
-            </a:extLst>
-          </p:cNvPr>
-          <p:cNvSpPr>
-            <a:spLocks noGrp="1"/>
-          </p:cNvSpPr>
-          <p:nvPr>
-            <p:ph type="body" idx="1"/>
-          </p:nvPr>
-        </p:nvSpPr>
-        <p:spPr>
-          <a:xfrm>
-            <a:off x="831850" y="4589463"/>
-            <a:ext cx="10515600" cy="1500187"/>
-          </a:xfrm>
-        </p:spPr>
-        <p:txBody>
-          <a:bodyPr/>
-          <a:lstStyle>
-            <a:lvl1pPr marL="0" indent="0">
+            <a:lvl1pPr marL="0" indent="0" algn="l">
+              <a:lnSpc>
+                <a:spcPct val="100000"/>
+              </a:lnSpc>
               <a:buNone/>
               <a:defRPr sz="2400">
                 <a:solidFill>
-                  <a:schemeClr val="tx1">
-                    <a:tint val="75000"/>
-                  </a:schemeClr>
+                  <a:schemeClr val="tx2"/>
                 </a:solidFill>
               </a:defRPr>
             </a:lvl1pPr>
-            <a:lvl2pPr marL="457200" indent="0">
-              <a:buNone/>
-              <a:defRPr sz="2000">
-                <a:solidFill>
-                  <a:schemeClr val="tx1">
-                    <a:tint val="75000"/>
-                  </a:schemeClr>
-                </a:solidFill>
-              </a:defRPr>
+            <a:lvl2pPr marL="457200" indent="0" algn="ctr">
+              <a:buNone/>
+              <a:defRPr sz="2000"/>
             </a:lvl2pPr>
-            <a:lvl3pPr marL="914400" indent="0">
-              <a:buNone/>
-              <a:defRPr sz="1800">
-                <a:solidFill>
-                  <a:schemeClr val="tx1">
-                    <a:tint val="75000"/>
-                  </a:schemeClr>
-                </a:solidFill>
-              </a:defRPr>
+            <a:lvl3pPr marL="914400" indent="0" algn="ctr">
+              <a:buNone/>
+              <a:defRPr sz="1800"/>
             </a:lvl3pPr>
-            <a:lvl4pPr marL="1371600" indent="0">
-              <a:buNone/>
-              <a:defRPr sz="1600">
-                <a:solidFill>
-                  <a:schemeClr val="tx1">
-                    <a:tint val="75000"/>
-                  </a:schemeClr>
-                </a:solidFill>
-              </a:defRPr>
+            <a:lvl4pPr marL="1371600" indent="0" algn="ctr">
+              <a:buNone/>
+              <a:defRPr sz="1600"/>
             </a:lvl4pPr>
-            <a:lvl5pPr marL="1828800" indent="0">
-              <a:buNone/>
-              <a:defRPr sz="1600">
-                <a:solidFill>
-                  <a:schemeClr val="tx1">
-                    <a:tint val="75000"/>
-                  </a:schemeClr>
-                </a:solidFill>
-              </a:defRPr>
+            <a:lvl5pPr marL="1828800" indent="0" algn="ctr">
+              <a:buNone/>
+              <a:defRPr sz="1600"/>
             </a:lvl5pPr>
-            <a:lvl6pPr marL="2286000" indent="0">
-              <a:buNone/>
-              <a:defRPr sz="1600">
-                <a:solidFill>
-                  <a:schemeClr val="tx1">
-                    <a:tint val="75000"/>
-                  </a:schemeClr>
-                </a:solidFill>
-              </a:defRPr>
+            <a:lvl6pPr marL="2286000" indent="0" algn="ctr">
+              <a:buNone/>
+              <a:defRPr sz="1600"/>
             </a:lvl6pPr>
-            <a:lvl7pPr marL="2743200" indent="0">
-              <a:buNone/>
-              <a:defRPr sz="1600">
-                <a:solidFill>
-                  <a:schemeClr val="tx1">
-                    <a:tint val="75000"/>
-                  </a:schemeClr>
-                </a:solidFill>
-              </a:defRPr>
+            <a:lvl7pPr marL="2743200" indent="0" algn="ctr">
+              <a:buNone/>
+              <a:defRPr sz="1600"/>
             </a:lvl7pPr>
-            <a:lvl8pPr marL="3200400" indent="0">
-              <a:buNone/>
-              <a:defRPr sz="1600">
-                <a:solidFill>
-                  <a:schemeClr val="tx1">
-                    <a:tint val="75000"/>
-                  </a:schemeClr>
-                </a:solidFill>
-              </a:defRPr>
+            <a:lvl8pPr marL="3200400" indent="0" algn="ctr">
+              <a:buNone/>
+              <a:defRPr sz="1600"/>
             </a:lvl8pPr>
-            <a:lvl9pPr marL="3657600" indent="0">
-              <a:buNone/>
-              <a:defRPr sz="1600">
-                <a:solidFill>
-                  <a:schemeClr val="tx1">
-                    <a:tint val="75000"/>
-                  </a:schemeClr>
-                </a:solidFill>
-              </a:defRPr>
+            <a:lvl9pPr marL="3657600" indent="0" algn="ctr">
+              <a:buNone/>
+              <a:defRPr sz="1600"/>
             </a:lvl9pPr>
           </a:lstStyle>
           <a:p>
-            <a:pPr lvl="0"/>
-            <a:r>
-              <a:rPr lang="en-US"/>
-              <a:t>Click to edit Master text styles</a:t>
-            </a:r>
-          </a:p>
-        </p:txBody>
-      </p:sp>
-      <p:sp>
-        <p:nvSpPr>
-          <p:cNvPr id="4" name="Date Placeholder 3">
-            <a:extLst>
-              <a:ext uri="{FF2B5EF4-FFF2-40B4-BE49-F238E27FC236}">
-                <a16:creationId xmlns:a16="http://schemas.microsoft.com/office/drawing/2014/main" id="{997C38CF-2FD1-23A2-DB4F-9F71E556D369}"/>
+            <a:r>
+              <a:rPr lang="es-ES"/>
+              <a:t>Haga clic para modificar el estilo de subtítulo del patrón</a:t>
+            </a:r>
+            <a:endParaRPr lang="en-US"/>
+          </a:p>
+        </p:txBody>
+      </p:sp>
+      <p:sp>
+        <p:nvSpPr>
+          <p:cNvPr id="13" name="Date Placeholder 3">
+            <a:extLst>
+              <a:ext uri="{FF2B5EF4-FFF2-40B4-BE49-F238E27FC236}">
+                <a16:creationId xmlns:a16="http://schemas.microsoft.com/office/drawing/2014/main" id="{12B693B9-7F17-A1E9-97B4-A78B3276228A}"/>
               </a:ext>
             </a:extLst>
           </p:cNvPr>
@@ -1338,25 +3222,30 @@
             <p:ph type="dt" sz="half" idx="10"/>
           </p:nvPr>
         </p:nvSpPr>
-        <p:spPr/>
+        <p:spPr>
+          <a:xfrm>
+            <a:off x="838200" y="6356350"/>
+            <a:ext cx="2743200" cy="365125"/>
+          </a:xfrm>
+        </p:spPr>
         <p:txBody>
           <a:bodyPr/>
           <a:lstStyle/>
           <a:p>
-            <a:fld id="{B1D0D1D1-B849-0E4E-8830-1466A2D52B65}" type="datetimeFigureOut">
-              <a:rPr lang="es-ES_tradnl" smtClean="0"/>
+            <a:fld id="{533222FB-C955-4AD4-9435-9A5B5007D973}" type="datetimeFigureOut">
+              <a:rPr lang="es-CO" smtClean="0"/>
               <a:t>30/11/23</a:t>
             </a:fld>
-            <a:endParaRPr lang="es-ES_tradnl"/>
-          </a:p>
-        </p:txBody>
-      </p:sp>
-      <p:sp>
-        <p:nvSpPr>
-          <p:cNvPr id="5" name="Footer Placeholder 4">
-            <a:extLst>
-              <a:ext uri="{FF2B5EF4-FFF2-40B4-BE49-F238E27FC236}">
-                <a16:creationId xmlns:a16="http://schemas.microsoft.com/office/drawing/2014/main" id="{56FC1892-8874-C596-2426-67CF73E48A2D}"/>
+            <a:endParaRPr lang="es-CO"/>
+          </a:p>
+        </p:txBody>
+      </p:sp>
+      <p:sp>
+        <p:nvSpPr>
+          <p:cNvPr id="14" name="Footer Placeholder 4">
+            <a:extLst>
+              <a:ext uri="{FF2B5EF4-FFF2-40B4-BE49-F238E27FC236}">
+                <a16:creationId xmlns:a16="http://schemas.microsoft.com/office/drawing/2014/main" id="{DAA90E3A-E965-5C6B-8552-0211B0E6D90B}"/>
               </a:ext>
             </a:extLst>
           </p:cNvPr>
@@ -1367,21 +3256,26 @@
             <p:ph type="ftr" sz="quarter" idx="11"/>
           </p:nvPr>
         </p:nvSpPr>
-        <p:spPr/>
+        <p:spPr>
+          <a:xfrm>
+            <a:off x="4038600" y="6356350"/>
+            <a:ext cx="4114800" cy="365125"/>
+          </a:xfrm>
+        </p:spPr>
         <p:txBody>
           <a:bodyPr/>
           <a:lstStyle/>
           <a:p>
-            <a:endParaRPr lang="es-ES_tradnl"/>
-          </a:p>
-        </p:txBody>
-      </p:sp>
-      <p:sp>
-        <p:nvSpPr>
-          <p:cNvPr id="6" name="Slide Number Placeholder 5">
-            <a:extLst>
-              <a:ext uri="{FF2B5EF4-FFF2-40B4-BE49-F238E27FC236}">
-                <a16:creationId xmlns:a16="http://schemas.microsoft.com/office/drawing/2014/main" id="{725B12FB-A5FB-A4A5-A143-7AD74DCE618C}"/>
+            <a:endParaRPr lang="es-CO"/>
+          </a:p>
+        </p:txBody>
+      </p:sp>
+      <p:sp>
+        <p:nvSpPr>
+          <p:cNvPr id="15" name="Slide Number Placeholder 5">
+            <a:extLst>
+              <a:ext uri="{FF2B5EF4-FFF2-40B4-BE49-F238E27FC236}">
+                <a16:creationId xmlns:a16="http://schemas.microsoft.com/office/drawing/2014/main" id="{C435F1C7-3981-8B86-7EF7-373D62DCEF72}"/>
               </a:ext>
             </a:extLst>
           </p:cNvPr>
@@ -1392,16 +3286,21 @@
             <p:ph type="sldNum" sz="quarter" idx="12"/>
           </p:nvPr>
         </p:nvSpPr>
-        <p:spPr/>
+        <p:spPr>
+          <a:xfrm>
+            <a:off x="8610600" y="6356350"/>
+            <a:ext cx="2743200" cy="365125"/>
+          </a:xfrm>
+        </p:spPr>
         <p:txBody>
           <a:bodyPr/>
           <a:lstStyle/>
           <a:p>
-            <a:fld id="{B721FB27-E2AF-734E-95A0-74ADA25D2E5C}" type="slidenum">
-              <a:rPr lang="es-ES_tradnl" smtClean="0"/>
+            <a:fld id="{35680457-BA6E-4119-B3A5-1FB163962D98}" type="slidenum">
+              <a:rPr lang="es-CO" smtClean="0"/>
               <a:t>‹#›</a:t>
             </a:fld>
-            <a:endParaRPr lang="es-ES_tradnl"/>
+            <a:endParaRPr lang="es-CO"/>
           </a:p>
         </p:txBody>
       </p:sp>
